--- a/新建 Microsoft PowerPoint 演示文稿.pptx
+++ b/新建 Microsoft PowerPoint 演示文稿.pptx
@@ -7,8 +7,9 @@
   <p:sldIdLst>
     <p:sldId id="256" r:id="rId2"/>
     <p:sldId id="257" r:id="rId3"/>
-    <p:sldId id="258" r:id="rId4"/>
-    <p:sldId id="259" r:id="rId5"/>
+    <p:sldId id="260" r:id="rId4"/>
+    <p:sldId id="258" r:id="rId5"/>
+    <p:sldId id="259" r:id="rId6"/>
   </p:sldIdLst>
   <p:sldSz cx="12192000" cy="6858000"/>
   <p:notesSz cx="6858000" cy="9144000"/>
@@ -125,6 +126,148 @@
 
 <file path=ppt/changesInfos/changesInfo1.xml><?xml version="1.0" encoding="utf-8"?>
 <pc:chgInfo xmlns:a="http://schemas.openxmlformats.org/drawingml/2006/main" xmlns:r="http://schemas.openxmlformats.org/officeDocument/2006/relationships" xmlns:ac="http://schemas.microsoft.com/office/drawing/2013/main/command" xmlns:pc="http://schemas.microsoft.com/office/powerpoint/2013/main/command">
+  <pc:docChgLst>
+    <pc:chgData name="0308 Phantom" userId="d189c7b077a883f0" providerId="LiveId" clId="{CCB372FA-C8CD-4060-9A70-83504401E0E3}"/>
+    <pc:docChg chg="undo custSel addSld modSld">
+      <pc:chgData name="0308 Phantom" userId="d189c7b077a883f0" providerId="LiveId" clId="{CCB372FA-C8CD-4060-9A70-83504401E0E3}" dt="2019-03-30T11:35:36.754" v="352" actId="1076"/>
+      <pc:docMkLst>
+        <pc:docMk/>
+      </pc:docMkLst>
+      <pc:sldChg chg="modSp">
+        <pc:chgData name="0308 Phantom" userId="d189c7b077a883f0" providerId="LiveId" clId="{CCB372FA-C8CD-4060-9A70-83504401E0E3}" dt="2019-03-30T11:20:40.555" v="35" actId="20577"/>
+        <pc:sldMkLst>
+          <pc:docMk/>
+          <pc:sldMk cId="1335850902" sldId="257"/>
+        </pc:sldMkLst>
+        <pc:spChg chg="mod">
+          <ac:chgData name="0308 Phantom" userId="d189c7b077a883f0" providerId="LiveId" clId="{CCB372FA-C8CD-4060-9A70-83504401E0E3}" dt="2019-03-30T11:20:40.555" v="35" actId="20577"/>
+          <ac:spMkLst>
+            <pc:docMk/>
+            <pc:sldMk cId="1335850902" sldId="257"/>
+            <ac:spMk id="2" creationId="{8A5AEDBD-79FD-45D0-AC2D-A7D67795A937}"/>
+          </ac:spMkLst>
+        </pc:spChg>
+      </pc:sldChg>
+      <pc:sldChg chg="addSp delSp modSp">
+        <pc:chgData name="0308 Phantom" userId="d189c7b077a883f0" providerId="LiveId" clId="{CCB372FA-C8CD-4060-9A70-83504401E0E3}" dt="2019-03-30T11:35:36.754" v="352" actId="1076"/>
+        <pc:sldMkLst>
+          <pc:docMk/>
+          <pc:sldMk cId="2194792377" sldId="258"/>
+        </pc:sldMkLst>
+        <pc:spChg chg="add del mod">
+          <ac:chgData name="0308 Phantom" userId="d189c7b077a883f0" providerId="LiveId" clId="{CCB372FA-C8CD-4060-9A70-83504401E0E3}" dt="2019-03-30T11:19:26.043" v="1" actId="11529"/>
+          <ac:spMkLst>
+            <pc:docMk/>
+            <pc:sldMk cId="2194792377" sldId="258"/>
+            <ac:spMk id="2" creationId="{D219BFB0-B4AD-4664-8A77-5CF6BCCBD27F}"/>
+          </ac:spMkLst>
+        </pc:spChg>
+        <pc:spChg chg="add mod">
+          <ac:chgData name="0308 Phantom" userId="d189c7b077a883f0" providerId="LiveId" clId="{CCB372FA-C8CD-4060-9A70-83504401E0E3}" dt="2019-03-30T11:33:00.385" v="314" actId="1076"/>
+          <ac:spMkLst>
+            <pc:docMk/>
+            <pc:sldMk cId="2194792377" sldId="258"/>
+            <ac:spMk id="3" creationId="{B3025546-DE5E-4A37-8338-C9DA955E2C39}"/>
+          </ac:spMkLst>
+        </pc:spChg>
+        <pc:spChg chg="mod">
+          <ac:chgData name="0308 Phantom" userId="d189c7b077a883f0" providerId="LiveId" clId="{CCB372FA-C8CD-4060-9A70-83504401E0E3}" dt="2019-03-30T11:33:00.385" v="314" actId="1076"/>
+          <ac:spMkLst>
+            <pc:docMk/>
+            <pc:sldMk cId="2194792377" sldId="258"/>
+            <ac:spMk id="4" creationId="{D987FEA8-A4A3-43C4-911D-4533CFF13574}"/>
+          </ac:spMkLst>
+        </pc:spChg>
+        <pc:spChg chg="mod">
+          <ac:chgData name="0308 Phantom" userId="d189c7b077a883f0" providerId="LiveId" clId="{CCB372FA-C8CD-4060-9A70-83504401E0E3}" dt="2019-03-30T11:35:12.402" v="326" actId="14100"/>
+          <ac:spMkLst>
+            <pc:docMk/>
+            <pc:sldMk cId="2194792377" sldId="258"/>
+            <ac:spMk id="5" creationId="{1930E1DC-E711-4C0C-A966-6923D29141DA}"/>
+          </ac:spMkLst>
+        </pc:spChg>
+        <pc:spChg chg="mod">
+          <ac:chgData name="0308 Phantom" userId="d189c7b077a883f0" providerId="LiveId" clId="{CCB372FA-C8CD-4060-9A70-83504401E0E3}" dt="2019-03-30T11:35:05.337" v="323" actId="1076"/>
+          <ac:spMkLst>
+            <pc:docMk/>
+            <pc:sldMk cId="2194792377" sldId="258"/>
+            <ac:spMk id="6" creationId="{611EE75B-7015-41E7-AF82-A207B52C80C0}"/>
+          </ac:spMkLst>
+        </pc:spChg>
+        <pc:spChg chg="mod">
+          <ac:chgData name="0308 Phantom" userId="d189c7b077a883f0" providerId="LiveId" clId="{CCB372FA-C8CD-4060-9A70-83504401E0E3}" dt="2019-03-30T11:33:00.385" v="314" actId="1076"/>
+          <ac:spMkLst>
+            <pc:docMk/>
+            <pc:sldMk cId="2194792377" sldId="258"/>
+            <ac:spMk id="7" creationId="{190FB00E-B36D-4834-AECF-DEAC74272CC9}"/>
+          </ac:spMkLst>
+        </pc:spChg>
+        <pc:spChg chg="add mod">
+          <ac:chgData name="0308 Phantom" userId="d189c7b077a883f0" providerId="LiveId" clId="{CCB372FA-C8CD-4060-9A70-83504401E0E3}" dt="2019-03-30T11:35:07.337" v="324" actId="14100"/>
+          <ac:spMkLst>
+            <pc:docMk/>
+            <pc:sldMk cId="2194792377" sldId="258"/>
+            <ac:spMk id="8" creationId="{427CFD1E-EF76-407E-A643-90804EDC230D}"/>
+          </ac:spMkLst>
+        </pc:spChg>
+        <pc:spChg chg="add mod">
+          <ac:chgData name="0308 Phantom" userId="d189c7b077a883f0" providerId="LiveId" clId="{CCB372FA-C8CD-4060-9A70-83504401E0E3}" dt="2019-03-30T11:35:15.226" v="327" actId="1076"/>
+          <ac:spMkLst>
+            <pc:docMk/>
+            <pc:sldMk cId="2194792377" sldId="258"/>
+            <ac:spMk id="9" creationId="{72063762-0460-4A5A-9D9C-EDFCEE9B33A5}"/>
+          </ac:spMkLst>
+        </pc:spChg>
+        <pc:spChg chg="add mod">
+          <ac:chgData name="0308 Phantom" userId="d189c7b077a883f0" providerId="LiveId" clId="{CCB372FA-C8CD-4060-9A70-83504401E0E3}" dt="2019-03-30T11:34:54.554" v="318" actId="1076"/>
+          <ac:spMkLst>
+            <pc:docMk/>
+            <pc:sldMk cId="2194792377" sldId="258"/>
+            <ac:spMk id="10" creationId="{E9D3E8BA-BDC9-4BBA-8D62-9E7BC0C8A7DF}"/>
+          </ac:spMkLst>
+        </pc:spChg>
+        <pc:spChg chg="add mod">
+          <ac:chgData name="0308 Phantom" userId="d189c7b077a883f0" providerId="LiveId" clId="{CCB372FA-C8CD-4060-9A70-83504401E0E3}" dt="2019-03-30T11:35:18.873" v="328" actId="1076"/>
+          <ac:spMkLst>
+            <pc:docMk/>
+            <pc:sldMk cId="2194792377" sldId="258"/>
+            <ac:spMk id="11" creationId="{AF805E00-5A50-4960-AF47-4249F6E75D5A}"/>
+          </ac:spMkLst>
+        </pc:spChg>
+        <pc:spChg chg="add mod">
+          <ac:chgData name="0308 Phantom" userId="d189c7b077a883f0" providerId="LiveId" clId="{CCB372FA-C8CD-4060-9A70-83504401E0E3}" dt="2019-03-30T11:35:36.754" v="352" actId="1076"/>
+          <ac:spMkLst>
+            <pc:docMk/>
+            <pc:sldMk cId="2194792377" sldId="258"/>
+            <ac:spMk id="12" creationId="{C0A84DB8-4D11-4745-833E-1D2D42037304}"/>
+          </ac:spMkLst>
+        </pc:spChg>
+      </pc:sldChg>
+      <pc:sldChg chg="modSp add">
+        <pc:chgData name="0308 Phantom" userId="d189c7b077a883f0" providerId="LiveId" clId="{CCB372FA-C8CD-4060-9A70-83504401E0E3}" dt="2019-03-30T11:28:17.403" v="260" actId="6549"/>
+        <pc:sldMkLst>
+          <pc:docMk/>
+          <pc:sldMk cId="2262985119" sldId="260"/>
+        </pc:sldMkLst>
+        <pc:spChg chg="mod">
+          <ac:chgData name="0308 Phantom" userId="d189c7b077a883f0" providerId="LiveId" clId="{CCB372FA-C8CD-4060-9A70-83504401E0E3}" dt="2019-03-30T11:21:48.340" v="46" actId="20577"/>
+          <ac:spMkLst>
+            <pc:docMk/>
+            <pc:sldMk cId="2262985119" sldId="260"/>
+            <ac:spMk id="2" creationId="{CD8C2B35-7236-4B09-AB86-3EF146BBBC19}"/>
+          </ac:spMkLst>
+        </pc:spChg>
+        <pc:spChg chg="mod">
+          <ac:chgData name="0308 Phantom" userId="d189c7b077a883f0" providerId="LiveId" clId="{CCB372FA-C8CD-4060-9A70-83504401E0E3}" dt="2019-03-30T11:28:17.403" v="260" actId="6549"/>
+          <ac:spMkLst>
+            <pc:docMk/>
+            <pc:sldMk cId="2262985119" sldId="260"/>
+            <ac:spMk id="3" creationId="{2B4F8F6E-0F47-423C-A04E-9ADF85EACD9E}"/>
+          </ac:spMkLst>
+        </pc:spChg>
+      </pc:sldChg>
+    </pc:docChg>
+  </pc:docChgLst>
   <pc:docChgLst>
     <pc:chgData name="Keith Lin" userId="e80b64d1f18c4e4d" providerId="Windows Live" clId="Web-{AD990DB8-A0A0-4F21-B84C-E88C90D243EE}"/>
     <pc:docChg chg="modSld">
@@ -3684,22 +3827,10 @@
           <a:lstStyle/>
           <a:p>
             <a:r>
-              <a:rPr lang="en-US" altLang="zh-CN" dirty="0" err="1">
-                <a:ea typeface="等线 Light"/>
-              </a:rPr>
-              <a:t>Linyizhu</a:t>
-            </a:r>
-            <a:r>
               <a:rPr lang="en-US" altLang="zh-CN" dirty="0">
                 <a:ea typeface="等线 Light"/>
               </a:rPr>
-              <a:t> NB</a:t>
-            </a:r>
-            <a:r>
-              <a:rPr lang="zh-CN" altLang="en-US" dirty="0">
-                <a:ea typeface="等线 Light"/>
-              </a:rPr>
-              <a:t>！！</a:t>
+              <a:t>Tagged Memory</a:t>
             </a:r>
             <a:endParaRPr lang="zh-CN" altLang="en-US" dirty="0"/>
           </a:p>
@@ -3762,6 +3893,249 @@
       </p:grpSpPr>
       <p:sp>
         <p:nvSpPr>
+          <p:cNvPr id="2" name="标题 1">
+            <a:extLst>
+              <a:ext uri="{FF2B5EF4-FFF2-40B4-BE49-F238E27FC236}">
+                <a16:creationId xmlns:a16="http://schemas.microsoft.com/office/drawing/2014/main" id="{CD8C2B35-7236-4B09-AB86-3EF146BBBC19}"/>
+              </a:ext>
+            </a:extLst>
+          </p:cNvPr>
+          <p:cNvSpPr>
+            <a:spLocks noGrp="1"/>
+          </p:cNvSpPr>
+          <p:nvPr>
+            <p:ph type="title"/>
+          </p:nvPr>
+        </p:nvSpPr>
+        <p:spPr/>
+        <p:txBody>
+          <a:bodyPr/>
+          <a:lstStyle/>
+          <a:p>
+            <a:r>
+              <a:rPr lang="en-US" altLang="zh-CN" dirty="0"/>
+              <a:t>Design Goals</a:t>
+            </a:r>
+            <a:endParaRPr lang="zh-CN" altLang="en-US" dirty="0"/>
+          </a:p>
+        </p:txBody>
+      </p:sp>
+      <p:sp>
+        <p:nvSpPr>
+          <p:cNvPr id="3" name="内容占位符 2">
+            <a:extLst>
+              <a:ext uri="{FF2B5EF4-FFF2-40B4-BE49-F238E27FC236}">
+                <a16:creationId xmlns:a16="http://schemas.microsoft.com/office/drawing/2014/main" id="{2B4F8F6E-0F47-423C-A04E-9ADF85EACD9E}"/>
+              </a:ext>
+            </a:extLst>
+          </p:cNvPr>
+          <p:cNvSpPr>
+            <a:spLocks noGrp="1"/>
+          </p:cNvSpPr>
+          <p:nvPr>
+            <p:ph idx="1"/>
+          </p:nvPr>
+        </p:nvSpPr>
+        <p:spPr/>
+        <p:txBody>
+          <a:bodyPr>
+            <a:normAutofit fontScale="70000" lnSpcReduction="20000"/>
+          </a:bodyPr>
+          <a:lstStyle/>
+          <a:p>
+            <a:pPr>
+              <a:lnSpc>
+                <a:spcPct val="120000"/>
+              </a:lnSpc>
+            </a:pPr>
+            <a:r>
+              <a:rPr lang="en-US" altLang="zh-CN" dirty="0"/>
+              <a:t>G1 Security</a:t>
+            </a:r>
+          </a:p>
+          <a:p>
+            <a:pPr marL="0" indent="0">
+              <a:lnSpc>
+                <a:spcPct val="120000"/>
+              </a:lnSpc>
+              <a:buNone/>
+            </a:pPr>
+            <a:r>
+              <a:rPr lang="en-US" altLang="zh-CN" dirty="0"/>
+              <a:t>	</a:t>
+            </a:r>
+            <a:r>
+              <a:rPr lang="en-US" altLang="zh-CN" sz="2500" dirty="0"/>
+              <a:t>(</a:t>
+            </a:r>
+            <a:r>
+              <a:rPr lang="en-US" altLang="zh-CN" sz="2500" dirty="0" err="1"/>
+              <a:t>i</a:t>
+            </a:r>
+            <a:r>
+              <a:rPr lang="en-US" altLang="zh-CN" sz="2500" dirty="0"/>
+              <a:t>) strong memory isolation	(ii) secure entry points</a:t>
+            </a:r>
+          </a:p>
+          <a:p>
+            <a:pPr marL="0" indent="0">
+              <a:lnSpc>
+                <a:spcPct val="120000"/>
+              </a:lnSpc>
+              <a:buNone/>
+            </a:pPr>
+            <a:r>
+              <a:rPr lang="en-US" altLang="zh-CN" sz="2500" dirty="0"/>
+              <a:t>	(iii) secure communication	(iv) attestation and sealing</a:t>
+            </a:r>
+          </a:p>
+          <a:p>
+            <a:pPr>
+              <a:lnSpc>
+                <a:spcPct val="120000"/>
+              </a:lnSpc>
+            </a:pPr>
+            <a:r>
+              <a:rPr lang="en-US" altLang="zh-CN" dirty="0"/>
+              <a:t>G2 Flexibility</a:t>
+            </a:r>
+          </a:p>
+          <a:p>
+            <a:pPr marL="457200" lvl="1" indent="0">
+              <a:lnSpc>
+                <a:spcPct val="120000"/>
+              </a:lnSpc>
+              <a:buNone/>
+            </a:pPr>
+            <a:r>
+              <a:rPr lang="en-US" altLang="zh-CN" dirty="0"/>
+              <a:t>	(</a:t>
+            </a:r>
+            <a:r>
+              <a:rPr lang="en-US" altLang="zh-CN" dirty="0" err="1"/>
+              <a:t>i</a:t>
+            </a:r>
+            <a:r>
+              <a:rPr lang="en-US" altLang="zh-CN" dirty="0"/>
+              <a:t>) fine-grained 		(ii) dynamically reconfigurable isolation boundaries</a:t>
+            </a:r>
+          </a:p>
+          <a:p>
+            <a:pPr>
+              <a:lnSpc>
+                <a:spcPct val="120000"/>
+              </a:lnSpc>
+            </a:pPr>
+            <a:r>
+              <a:rPr lang="en-US" altLang="zh-CN" dirty="0"/>
+              <a:t>G3 Compatibility</a:t>
+            </a:r>
+          </a:p>
+          <a:p>
+            <a:pPr marL="0" indent="0">
+              <a:lnSpc>
+                <a:spcPct val="120000"/>
+              </a:lnSpc>
+              <a:buNone/>
+            </a:pPr>
+            <a:r>
+              <a:rPr lang="en-US" altLang="zh-CN" dirty="0"/>
+              <a:t>	</a:t>
+            </a:r>
+            <a:r>
+              <a:rPr lang="en-US" altLang="zh-CN" sz="2400" dirty="0"/>
+              <a:t>Support existing </a:t>
+            </a:r>
+            <a:r>
+              <a:rPr lang="en-US" altLang="zh-CN" sz="2400" dirty="0" err="1"/>
+              <a:t>os</a:t>
+            </a:r>
+            <a:r>
+              <a:rPr lang="en-US" altLang="zh-CN" sz="2400" dirty="0"/>
+              <a:t> and apps without modification</a:t>
+            </a:r>
+          </a:p>
+          <a:p>
+            <a:pPr>
+              <a:lnSpc>
+                <a:spcPct val="120000"/>
+              </a:lnSpc>
+            </a:pPr>
+            <a:r>
+              <a:rPr lang="en-US" altLang="zh-CN" dirty="0"/>
+              <a:t>G4 Low Overhead</a:t>
+            </a:r>
+          </a:p>
+          <a:p>
+            <a:pPr marL="0" indent="0">
+              <a:lnSpc>
+                <a:spcPct val="120000"/>
+              </a:lnSpc>
+              <a:buNone/>
+            </a:pPr>
+            <a:r>
+              <a:rPr lang="en-US" altLang="zh-CN" dirty="0"/>
+              <a:t>	</a:t>
+            </a:r>
+            <a:r>
+              <a:rPr lang="en-US" altLang="zh-CN" sz="2400" dirty="0"/>
+              <a:t>(</a:t>
+            </a:r>
+            <a:r>
+              <a:rPr lang="en-US" altLang="zh-CN" sz="2400" dirty="0" err="1"/>
+              <a:t>i</a:t>
+            </a:r>
+            <a:r>
+              <a:rPr lang="en-US" altLang="zh-CN" sz="2400" dirty="0"/>
+              <a:t>) cost of tagged memory 	(ii) performance overhead of switching security domains</a:t>
+            </a:r>
+          </a:p>
+          <a:p>
+            <a:pPr>
+              <a:lnSpc>
+                <a:spcPct val="120000"/>
+              </a:lnSpc>
+            </a:pPr>
+            <a:r>
+              <a:rPr lang="en-US" altLang="zh-CN" dirty="0"/>
+              <a:t>G5 Real-time</a:t>
+            </a:r>
+            <a:endParaRPr lang="zh-CN" altLang="en-US" dirty="0"/>
+          </a:p>
+        </p:txBody>
+      </p:sp>
+    </p:spTree>
+    <p:extLst>
+      <p:ext uri="{BB962C8B-B14F-4D97-AF65-F5344CB8AC3E}">
+        <p14:creationId xmlns:p14="http://schemas.microsoft.com/office/powerpoint/2010/main" val="2262985119"/>
+      </p:ext>
+    </p:extLst>
+  </p:cSld>
+  <p:clrMapOvr>
+    <a:masterClrMapping/>
+  </p:clrMapOvr>
+</p:sld>
+</file>
+
+<file path=ppt/slides/slide4.xml><?xml version="1.0" encoding="utf-8"?>
+<p:sld xmlns:a="http://schemas.openxmlformats.org/drawingml/2006/main" xmlns:r="http://schemas.openxmlformats.org/officeDocument/2006/relationships" xmlns:p="http://schemas.openxmlformats.org/presentationml/2006/main">
+  <p:cSld>
+    <p:spTree>
+      <p:nvGrpSpPr>
+        <p:cNvPr id="1" name=""/>
+        <p:cNvGrpSpPr/>
+        <p:nvPr/>
+      </p:nvGrpSpPr>
+      <p:grpSpPr>
+        <a:xfrm>
+          <a:off x="0" y="0"/>
+          <a:ext cx="0" cy="0"/>
+          <a:chOff x="0" y="0"/>
+          <a:chExt cx="0" cy="0"/>
+        </a:xfrm>
+      </p:grpSpPr>
+      <p:sp>
+        <p:nvSpPr>
           <p:cNvPr id="4" name="文本框 3">
             <a:extLst>
               <a:ext uri="{FF2B5EF4-FFF2-40B4-BE49-F238E27FC236}">
@@ -3774,7 +4148,7 @@
         </p:nvSpPr>
         <p:spPr>
           <a:xfrm>
-            <a:off x="939800" y="3244334"/>
+            <a:off x="0" y="3259150"/>
             <a:ext cx="1329267" cy="369332"/>
           </a:xfrm>
           <a:prstGeom prst="rect">
@@ -3810,13 +4184,13 @@
         </p:nvSpPr>
         <p:spPr>
           <a:xfrm>
-            <a:off x="2269067" y="745067"/>
-            <a:ext cx="423333" cy="5338233"/>
+            <a:off x="1329267" y="1447800"/>
+            <a:ext cx="423333" cy="4650316"/>
           </a:xfrm>
           <a:prstGeom prst="leftBrace">
             <a:avLst>
               <a:gd name="adj1" fmla="val 154333"/>
-              <a:gd name="adj2" fmla="val 49841"/>
+              <a:gd name="adj2" fmla="val 41648"/>
             </a:avLst>
           </a:prstGeom>
         </p:spPr>
@@ -3857,7 +4231,43 @@
         </p:nvSpPr>
         <p:spPr>
           <a:xfrm>
-            <a:off x="2912533" y="973667"/>
+            <a:off x="1821602" y="1334371"/>
+            <a:ext cx="1148928" cy="369332"/>
+          </a:xfrm>
+          <a:prstGeom prst="rect">
+            <a:avLst/>
+          </a:prstGeom>
+          <a:noFill/>
+        </p:spPr>
+        <p:txBody>
+          <a:bodyPr wrap="square" rtlCol="0">
+            <a:spAutoFit/>
+          </a:bodyPr>
+          <a:lstStyle/>
+          <a:p>
+            <a:r>
+              <a:rPr lang="en-US" altLang="zh-CN" dirty="0"/>
+              <a:t>Hardware</a:t>
+            </a:r>
+            <a:endParaRPr lang="zh-CN" altLang="en-US" dirty="0"/>
+          </a:p>
+        </p:txBody>
+      </p:sp>
+      <p:sp>
+        <p:nvSpPr>
+          <p:cNvPr id="7" name="文本框 6">
+            <a:extLst>
+              <a:ext uri="{FF2B5EF4-FFF2-40B4-BE49-F238E27FC236}">
+                <a16:creationId xmlns:a16="http://schemas.microsoft.com/office/drawing/2014/main" id="{190FB00E-B36D-4834-AECF-DEAC74272CC9}"/>
+              </a:ext>
+            </a:extLst>
+          </p:cNvPr>
+          <p:cNvSpPr txBox="1"/>
+          <p:nvPr/>
+        </p:nvSpPr>
+        <p:spPr>
+          <a:xfrm>
+            <a:off x="2108199" y="5001683"/>
             <a:ext cx="1202267" cy="369332"/>
           </a:xfrm>
           <a:prstGeom prst="rect">
@@ -3872,8 +4282,8 @@
           <a:lstStyle/>
           <a:p>
             <a:r>
-              <a:rPr lang="en-US" altLang="zh-CN" dirty="0"/>
-              <a:t>Hardware</a:t>
+              <a:rPr lang="en-US" altLang="zh-CN"/>
+              <a:t>Software</a:t>
             </a:r>
             <a:endParaRPr lang="zh-CN" altLang="en-US" dirty="0"/>
           </a:p>
@@ -3881,10 +4291,57 @@
       </p:sp>
       <p:sp>
         <p:nvSpPr>
-          <p:cNvPr id="7" name="文本框 6">
-            <a:extLst>
-              <a:ext uri="{FF2B5EF4-FFF2-40B4-BE49-F238E27FC236}">
-                <a16:creationId xmlns:a16="http://schemas.microsoft.com/office/drawing/2014/main" id="{190FB00E-B36D-4834-AECF-DEAC74272CC9}"/>
+          <p:cNvPr id="8" name="左大括号 7">
+            <a:extLst>
+              <a:ext uri="{FF2B5EF4-FFF2-40B4-BE49-F238E27FC236}">
+                <a16:creationId xmlns:a16="http://schemas.microsoft.com/office/drawing/2014/main" id="{427CFD1E-EF76-407E-A643-90804EDC230D}"/>
+              </a:ext>
+            </a:extLst>
+          </p:cNvPr>
+          <p:cNvSpPr/>
+          <p:nvPr/>
+        </p:nvSpPr>
+        <p:spPr>
+          <a:xfrm>
+            <a:off x="3050116" y="759882"/>
+            <a:ext cx="204894" cy="1876637"/>
+          </a:xfrm>
+          <a:prstGeom prst="leftBrace">
+            <a:avLst>
+              <a:gd name="adj1" fmla="val 154333"/>
+              <a:gd name="adj2" fmla="val 38972"/>
+            </a:avLst>
+          </a:prstGeom>
+        </p:spPr>
+        <p:style>
+          <a:lnRef idx="3">
+            <a:schemeClr val="dk1"/>
+          </a:lnRef>
+          <a:fillRef idx="0">
+            <a:schemeClr val="dk1"/>
+          </a:fillRef>
+          <a:effectRef idx="2">
+            <a:schemeClr val="dk1"/>
+          </a:effectRef>
+          <a:fontRef idx="minor">
+            <a:schemeClr val="tx1"/>
+          </a:fontRef>
+        </p:style>
+        <p:txBody>
+          <a:bodyPr rtlCol="0" anchor="ctr"/>
+          <a:lstStyle/>
+          <a:p>
+            <a:pPr algn="ctr"/>
+            <a:endParaRPr lang="zh-CN" altLang="en-US"/>
+          </a:p>
+        </p:txBody>
+      </p:sp>
+      <p:sp>
+        <p:nvSpPr>
+          <p:cNvPr id="3" name="文本框 2">
+            <a:extLst>
+              <a:ext uri="{FF2B5EF4-FFF2-40B4-BE49-F238E27FC236}">
+                <a16:creationId xmlns:a16="http://schemas.microsoft.com/office/drawing/2014/main" id="{B3025546-DE5E-4A37-8338-C9DA955E2C39}"/>
               </a:ext>
             </a:extLst>
           </p:cNvPr>
@@ -3893,8 +4350,8 @@
         </p:nvSpPr>
         <p:spPr>
           <a:xfrm>
-            <a:off x="3047999" y="4986867"/>
-            <a:ext cx="1202267" cy="369332"/>
+            <a:off x="3464560" y="235796"/>
+            <a:ext cx="1333500" cy="369332"/>
           </a:xfrm>
           <a:prstGeom prst="rect">
             <a:avLst/>
@@ -3907,9 +4364,160 @@
           </a:bodyPr>
           <a:lstStyle/>
           <a:p>
-            <a:r>
-              <a:rPr lang="en-US" altLang="zh-CN"/>
-              <a:t>Software</a:t>
+            <a:endParaRPr lang="zh-CN" altLang="en-US" dirty="0"/>
+          </a:p>
+        </p:txBody>
+      </p:sp>
+      <p:sp>
+        <p:nvSpPr>
+          <p:cNvPr id="9" name="文本框 8">
+            <a:extLst>
+              <a:ext uri="{FF2B5EF4-FFF2-40B4-BE49-F238E27FC236}">
+                <a16:creationId xmlns:a16="http://schemas.microsoft.com/office/drawing/2014/main" id="{72063762-0460-4A5A-9D9C-EDFCEE9B33A5}"/>
+              </a:ext>
+            </a:extLst>
+          </p:cNvPr>
+          <p:cNvSpPr txBox="1"/>
+          <p:nvPr/>
+        </p:nvSpPr>
+        <p:spPr>
+          <a:xfrm>
+            <a:off x="3293533" y="575216"/>
+            <a:ext cx="1836420" cy="369332"/>
+          </a:xfrm>
+          <a:prstGeom prst="rect">
+            <a:avLst/>
+          </a:prstGeom>
+          <a:noFill/>
+        </p:spPr>
+        <p:txBody>
+          <a:bodyPr wrap="square" rtlCol="0">
+            <a:spAutoFit/>
+          </a:bodyPr>
+          <a:lstStyle/>
+          <a:p>
+            <a:r>
+              <a:rPr lang="en-US" altLang="zh-CN" dirty="0"/>
+              <a:t>Tagged Memory</a:t>
+            </a:r>
+            <a:endParaRPr lang="zh-CN" altLang="en-US" dirty="0"/>
+          </a:p>
+        </p:txBody>
+      </p:sp>
+      <p:sp>
+        <p:nvSpPr>
+          <p:cNvPr id="10" name="文本框 9">
+            <a:extLst>
+              <a:ext uri="{FF2B5EF4-FFF2-40B4-BE49-F238E27FC236}">
+                <a16:creationId xmlns:a16="http://schemas.microsoft.com/office/drawing/2014/main" id="{E9D3E8BA-BDC9-4BBA-8D62-9E7BC0C8A7DF}"/>
+              </a:ext>
+            </a:extLst>
+          </p:cNvPr>
+          <p:cNvSpPr txBox="1"/>
+          <p:nvPr/>
+        </p:nvSpPr>
+        <p:spPr>
+          <a:xfrm>
+            <a:off x="3310466" y="2446681"/>
+            <a:ext cx="2484120" cy="369332"/>
+          </a:xfrm>
+          <a:prstGeom prst="rect">
+            <a:avLst/>
+          </a:prstGeom>
+          <a:noFill/>
+        </p:spPr>
+        <p:txBody>
+          <a:bodyPr wrap="square" rtlCol="0">
+            <a:spAutoFit/>
+          </a:bodyPr>
+          <a:lstStyle/>
+          <a:p>
+            <a:r>
+              <a:rPr lang="en-US" altLang="zh-CN" dirty="0"/>
+              <a:t>Memory Protected Unit</a:t>
+            </a:r>
+            <a:endParaRPr lang="zh-CN" altLang="en-US" dirty="0"/>
+          </a:p>
+        </p:txBody>
+      </p:sp>
+      <p:sp>
+        <p:nvSpPr>
+          <p:cNvPr id="11" name="左大括号 10">
+            <a:extLst>
+              <a:ext uri="{FF2B5EF4-FFF2-40B4-BE49-F238E27FC236}">
+                <a16:creationId xmlns:a16="http://schemas.microsoft.com/office/drawing/2014/main" id="{AF805E00-5A50-4960-AF47-4249F6E75D5A}"/>
+              </a:ext>
+            </a:extLst>
+          </p:cNvPr>
+          <p:cNvSpPr/>
+          <p:nvPr/>
+        </p:nvSpPr>
+        <p:spPr>
+          <a:xfrm>
+            <a:off x="5193452" y="125468"/>
+            <a:ext cx="204894" cy="1638160"/>
+          </a:xfrm>
+          <a:prstGeom prst="leftBrace">
+            <a:avLst>
+              <a:gd name="adj1" fmla="val 154333"/>
+              <a:gd name="adj2" fmla="val 44980"/>
+            </a:avLst>
+          </a:prstGeom>
+        </p:spPr>
+        <p:style>
+          <a:lnRef idx="3">
+            <a:schemeClr val="dk1"/>
+          </a:lnRef>
+          <a:fillRef idx="0">
+            <a:schemeClr val="dk1"/>
+          </a:fillRef>
+          <a:effectRef idx="2">
+            <a:schemeClr val="dk1"/>
+          </a:effectRef>
+          <a:fontRef idx="minor">
+            <a:schemeClr val="tx1"/>
+          </a:fontRef>
+        </p:style>
+        <p:txBody>
+          <a:bodyPr rtlCol="0" anchor="ctr"/>
+          <a:lstStyle/>
+          <a:p>
+            <a:pPr algn="ctr"/>
+            <a:endParaRPr lang="zh-CN" altLang="en-US"/>
+          </a:p>
+        </p:txBody>
+      </p:sp>
+      <p:sp>
+        <p:nvSpPr>
+          <p:cNvPr id="12" name="文本框 11">
+            <a:extLst>
+              <a:ext uri="{FF2B5EF4-FFF2-40B4-BE49-F238E27FC236}">
+                <a16:creationId xmlns:a16="http://schemas.microsoft.com/office/drawing/2014/main" id="{C0A84DB8-4D11-4745-833E-1D2D42037304}"/>
+              </a:ext>
+            </a:extLst>
+          </p:cNvPr>
+          <p:cNvSpPr txBox="1"/>
+          <p:nvPr/>
+        </p:nvSpPr>
+        <p:spPr>
+          <a:xfrm>
+            <a:off x="5461845" y="0"/>
+            <a:ext cx="2232660" cy="369332"/>
+          </a:xfrm>
+          <a:prstGeom prst="rect">
+            <a:avLst/>
+          </a:prstGeom>
+          <a:noFill/>
+        </p:spPr>
+        <p:txBody>
+          <a:bodyPr wrap="square" rtlCol="0">
+            <a:spAutoFit/>
+          </a:bodyPr>
+          <a:lstStyle/>
+          <a:p>
+            <a:r>
+              <a:rPr lang="en-US" altLang="zh-CN" dirty="0"/>
+              <a:t>Tagged Instruction</a:t>
             </a:r>
             <a:endParaRPr lang="zh-CN" altLang="en-US" dirty="0"/>
           </a:p>
@@ -3928,7 +4536,7 @@
 </p:sld>
 </file>
 
-<file path=ppt/slides/slide4.xml><?xml version="1.0" encoding="utf-8"?>
+<file path=ppt/slides/slide5.xml><?xml version="1.0" encoding="utf-8"?>
 <p:sld xmlns:a="http://schemas.openxmlformats.org/drawingml/2006/main" xmlns:r="http://schemas.openxmlformats.org/officeDocument/2006/relationships" xmlns:p="http://schemas.openxmlformats.org/presentationml/2006/main">
   <p:cSld>
     <p:spTree>

--- a/新建 Microsoft PowerPoint 演示文稿.pptx
+++ b/新建 Microsoft PowerPoint 演示文稿.pptx
@@ -129,7 +129,7 @@
   <pc:docChgLst>
     <pc:chgData name="0308 Phantom" userId="d189c7b077a883f0" providerId="LiveId" clId="{CCB372FA-C8CD-4060-9A70-83504401E0E3}"/>
     <pc:docChg chg="undo custSel addSld modSld">
-      <pc:chgData name="0308 Phantom" userId="d189c7b077a883f0" providerId="LiveId" clId="{CCB372FA-C8CD-4060-9A70-83504401E0E3}" dt="2019-03-30T11:35:36.754" v="352" actId="1076"/>
+      <pc:chgData name="0308 Phantom" userId="d189c7b077a883f0" providerId="LiveId" clId="{CCB372FA-C8CD-4060-9A70-83504401E0E3}" dt="2019-03-30T11:48:58.497" v="439" actId="1076"/>
       <pc:docMkLst>
         <pc:docMk/>
       </pc:docMkLst>
@@ -149,7 +149,7 @@
         </pc:spChg>
       </pc:sldChg>
       <pc:sldChg chg="addSp delSp modSp">
-        <pc:chgData name="0308 Phantom" userId="d189c7b077a883f0" providerId="LiveId" clId="{CCB372FA-C8CD-4060-9A70-83504401E0E3}" dt="2019-03-30T11:35:36.754" v="352" actId="1076"/>
+        <pc:chgData name="0308 Phantom" userId="d189c7b077a883f0" providerId="LiveId" clId="{CCB372FA-C8CD-4060-9A70-83504401E0E3}" dt="2019-03-30T11:48:58.497" v="439" actId="1076"/>
         <pc:sldMkLst>
           <pc:docMk/>
           <pc:sldMk cId="2194792377" sldId="258"/>
@@ -195,7 +195,7 @@
           </ac:spMkLst>
         </pc:spChg>
         <pc:spChg chg="mod">
-          <ac:chgData name="0308 Phantom" userId="d189c7b077a883f0" providerId="LiveId" clId="{CCB372FA-C8CD-4060-9A70-83504401E0E3}" dt="2019-03-30T11:33:00.385" v="314" actId="1076"/>
+          <ac:chgData name="0308 Phantom" userId="d189c7b077a883f0" providerId="LiveId" clId="{CCB372FA-C8CD-4060-9A70-83504401E0E3}" dt="2019-03-30T11:48:58.497" v="439" actId="1076"/>
           <ac:spMkLst>
             <pc:docMk/>
             <pc:sldMk cId="2194792377" sldId="258"/>
@@ -203,7 +203,7 @@
           </ac:spMkLst>
         </pc:spChg>
         <pc:spChg chg="add mod">
-          <ac:chgData name="0308 Phantom" userId="d189c7b077a883f0" providerId="LiveId" clId="{CCB372FA-C8CD-4060-9A70-83504401E0E3}" dt="2019-03-30T11:35:07.337" v="324" actId="14100"/>
+          <ac:chgData name="0308 Phantom" userId="d189c7b077a883f0" providerId="LiveId" clId="{CCB372FA-C8CD-4060-9A70-83504401E0E3}" dt="2019-03-30T11:46:35.816" v="410" actId="14100"/>
           <ac:spMkLst>
             <pc:docMk/>
             <pc:sldMk cId="2194792377" sldId="258"/>
@@ -211,7 +211,7 @@
           </ac:spMkLst>
         </pc:spChg>
         <pc:spChg chg="add mod">
-          <ac:chgData name="0308 Phantom" userId="d189c7b077a883f0" providerId="LiveId" clId="{CCB372FA-C8CD-4060-9A70-83504401E0E3}" dt="2019-03-30T11:35:15.226" v="327" actId="1076"/>
+          <ac:chgData name="0308 Phantom" userId="d189c7b077a883f0" providerId="LiveId" clId="{CCB372FA-C8CD-4060-9A70-83504401E0E3}" dt="2019-03-30T11:46:30.217" v="408" actId="1076"/>
           <ac:spMkLst>
             <pc:docMk/>
             <pc:sldMk cId="2194792377" sldId="258"/>
@@ -219,7 +219,7 @@
           </ac:spMkLst>
         </pc:spChg>
         <pc:spChg chg="add mod">
-          <ac:chgData name="0308 Phantom" userId="d189c7b077a883f0" providerId="LiveId" clId="{CCB372FA-C8CD-4060-9A70-83504401E0E3}" dt="2019-03-30T11:34:54.554" v="318" actId="1076"/>
+          <ac:chgData name="0308 Phantom" userId="d189c7b077a883f0" providerId="LiveId" clId="{CCB372FA-C8CD-4060-9A70-83504401E0E3}" dt="2019-03-30T11:46:39.433" v="411" actId="1076"/>
           <ac:spMkLst>
             <pc:docMk/>
             <pc:sldMk cId="2194792377" sldId="258"/>
@@ -227,7 +227,7 @@
           </ac:spMkLst>
         </pc:spChg>
         <pc:spChg chg="add mod">
-          <ac:chgData name="0308 Phantom" userId="d189c7b077a883f0" providerId="LiveId" clId="{CCB372FA-C8CD-4060-9A70-83504401E0E3}" dt="2019-03-30T11:35:18.873" v="328" actId="1076"/>
+          <ac:chgData name="0308 Phantom" userId="d189c7b077a883f0" providerId="LiveId" clId="{CCB372FA-C8CD-4060-9A70-83504401E0E3}" dt="2019-03-30T11:46:27.537" v="407" actId="1076"/>
           <ac:spMkLst>
             <pc:docMk/>
             <pc:sldMk cId="2194792377" sldId="258"/>
@@ -235,11 +235,35 @@
           </ac:spMkLst>
         </pc:spChg>
         <pc:spChg chg="add mod">
-          <ac:chgData name="0308 Phantom" userId="d189c7b077a883f0" providerId="LiveId" clId="{CCB372FA-C8CD-4060-9A70-83504401E0E3}" dt="2019-03-30T11:35:36.754" v="352" actId="1076"/>
+          <ac:chgData name="0308 Phantom" userId="d189c7b077a883f0" providerId="LiveId" clId="{CCB372FA-C8CD-4060-9A70-83504401E0E3}" dt="2019-03-30T11:45:34.625" v="402" actId="1076"/>
           <ac:spMkLst>
             <pc:docMk/>
             <pc:sldMk cId="2194792377" sldId="258"/>
             <ac:spMk id="12" creationId="{C0A84DB8-4D11-4745-833E-1D2D42037304}"/>
+          </ac:spMkLst>
+        </pc:spChg>
+        <pc:spChg chg="add del mod">
+          <ac:chgData name="0308 Phantom" userId="d189c7b077a883f0" providerId="LiveId" clId="{CCB372FA-C8CD-4060-9A70-83504401E0E3}" dt="2019-03-30T11:45:38.551" v="404" actId="478"/>
+          <ac:spMkLst>
+            <pc:docMk/>
+            <pc:sldMk cId="2194792377" sldId="258"/>
+            <ac:spMk id="13" creationId="{0793EF96-E684-47FE-A2B5-5825F2CA9B27}"/>
+          </ac:spMkLst>
+        </pc:spChg>
+        <pc:spChg chg="add mod">
+          <ac:chgData name="0308 Phantom" userId="d189c7b077a883f0" providerId="LiveId" clId="{CCB372FA-C8CD-4060-9A70-83504401E0E3}" dt="2019-03-30T11:46:22.728" v="405" actId="1076"/>
+          <ac:spMkLst>
+            <pc:docMk/>
+            <pc:sldMk cId="2194792377" sldId="258"/>
+            <ac:spMk id="14" creationId="{03C27009-A4FF-4C45-B584-590C04C69C26}"/>
+          </ac:spMkLst>
+        </pc:spChg>
+        <pc:spChg chg="add mod">
+          <ac:chgData name="0308 Phantom" userId="d189c7b077a883f0" providerId="LiveId" clId="{CCB372FA-C8CD-4060-9A70-83504401E0E3}" dt="2019-03-30T11:48:52.379" v="438" actId="20577"/>
+          <ac:spMkLst>
+            <pc:docMk/>
+            <pc:sldMk cId="2194792377" sldId="258"/>
+            <ac:spMk id="15" creationId="{F7701357-E370-4B5C-BB4A-64D6DBC48F41}"/>
           </ac:spMkLst>
         </pc:spChg>
       </pc:sldChg>
@@ -4267,7 +4291,7 @@
         </p:nvSpPr>
         <p:spPr>
           <a:xfrm>
-            <a:off x="2108199" y="5001683"/>
+            <a:off x="1821602" y="3772958"/>
             <a:ext cx="1202267" cy="369332"/>
           </a:xfrm>
           <a:prstGeom prst="rect">
@@ -4282,7 +4306,7 @@
           <a:lstStyle/>
           <a:p>
             <a:r>
-              <a:rPr lang="en-US" altLang="zh-CN"/>
+              <a:rPr lang="en-US" altLang="zh-CN" dirty="0"/>
               <a:t>Software</a:t>
             </a:r>
             <a:endParaRPr lang="zh-CN" altLang="en-US" dirty="0"/>
@@ -4303,13 +4327,13 @@
         </p:nvSpPr>
         <p:spPr>
           <a:xfrm>
-            <a:off x="3050116" y="759882"/>
-            <a:ext cx="204894" cy="1876637"/>
+            <a:off x="3050116" y="489042"/>
+            <a:ext cx="204894" cy="2147477"/>
           </a:xfrm>
           <a:prstGeom prst="leftBrace">
             <a:avLst>
               <a:gd name="adj1" fmla="val 154333"/>
-              <a:gd name="adj2" fmla="val 38972"/>
+              <a:gd name="adj2" fmla="val 49972"/>
             </a:avLst>
           </a:prstGeom>
         </p:spPr>
@@ -4382,7 +4406,7 @@
         </p:nvSpPr>
         <p:spPr>
           <a:xfrm>
-            <a:off x="3293533" y="575216"/>
+            <a:off x="3310466" y="304376"/>
             <a:ext cx="1836420" cy="369332"/>
           </a:xfrm>
           <a:prstGeom prst="rect">
@@ -4418,7 +4442,7 @@
         </p:nvSpPr>
         <p:spPr>
           <a:xfrm>
-            <a:off x="3310466" y="2446681"/>
+            <a:off x="3310466" y="1263134"/>
             <a:ext cx="2484120" cy="369332"/>
           </a:xfrm>
           <a:prstGeom prst="rect">
@@ -4454,8 +4478,8 @@
         </p:nvSpPr>
         <p:spPr>
           <a:xfrm>
-            <a:off x="5193452" y="125468"/>
-            <a:ext cx="204894" cy="1638160"/>
+            <a:off x="5168476" y="171835"/>
+            <a:ext cx="204894" cy="634414"/>
           </a:xfrm>
           <a:prstGeom prst="leftBrace">
             <a:avLst>
@@ -4501,7 +4525,43 @@
         </p:nvSpPr>
         <p:spPr>
           <a:xfrm>
-            <a:off x="5461845" y="0"/>
+            <a:off x="5444488" y="119710"/>
+            <a:ext cx="2828715" cy="369332"/>
+          </a:xfrm>
+          <a:prstGeom prst="rect">
+            <a:avLst/>
+          </a:prstGeom>
+          <a:noFill/>
+        </p:spPr>
+        <p:txBody>
+          <a:bodyPr wrap="square" rtlCol="0">
+            <a:spAutoFit/>
+          </a:bodyPr>
+          <a:lstStyle/>
+          <a:p>
+            <a:r>
+              <a:rPr lang="en-US" altLang="zh-CN" dirty="0"/>
+              <a:t>Tag-aware Instruction</a:t>
+            </a:r>
+            <a:endParaRPr lang="zh-CN" altLang="en-US" dirty="0"/>
+          </a:p>
+        </p:txBody>
+      </p:sp>
+      <p:sp>
+        <p:nvSpPr>
+          <p:cNvPr id="14" name="文本框 13">
+            <a:extLst>
+              <a:ext uri="{FF2B5EF4-FFF2-40B4-BE49-F238E27FC236}">
+                <a16:creationId xmlns:a16="http://schemas.microsoft.com/office/drawing/2014/main" id="{03C27009-A4FF-4C45-B584-590C04C69C26}"/>
+              </a:ext>
+            </a:extLst>
+          </p:cNvPr>
+          <p:cNvSpPr txBox="1"/>
+          <p:nvPr/>
+        </p:nvSpPr>
+        <p:spPr>
+          <a:xfrm>
+            <a:off x="5461845" y="759882"/>
             <a:ext cx="2232660" cy="369332"/>
           </a:xfrm>
           <a:prstGeom prst="rect">
@@ -4517,7 +4577,43 @@
           <a:p>
             <a:r>
               <a:rPr lang="en-US" altLang="zh-CN" dirty="0"/>
-              <a:t>Tagged Instruction</a:t>
+              <a:t>Tag Isolation Policy</a:t>
+            </a:r>
+            <a:endParaRPr lang="zh-CN" altLang="en-US" dirty="0"/>
+          </a:p>
+        </p:txBody>
+      </p:sp>
+      <p:sp>
+        <p:nvSpPr>
+          <p:cNvPr id="15" name="文本框 14">
+            <a:extLst>
+              <a:ext uri="{FF2B5EF4-FFF2-40B4-BE49-F238E27FC236}">
+                <a16:creationId xmlns:a16="http://schemas.microsoft.com/office/drawing/2014/main" id="{F7701357-E370-4B5C-BB4A-64D6DBC48F41}"/>
+              </a:ext>
+            </a:extLst>
+          </p:cNvPr>
+          <p:cNvSpPr txBox="1"/>
+          <p:nvPr/>
+        </p:nvSpPr>
+        <p:spPr>
+          <a:xfrm>
+            <a:off x="1920240" y="5657612"/>
+            <a:ext cx="1729740" cy="369332"/>
+          </a:xfrm>
+          <a:prstGeom prst="rect">
+            <a:avLst/>
+          </a:prstGeom>
+          <a:noFill/>
+        </p:spPr>
+        <p:txBody>
+          <a:bodyPr wrap="square" rtlCol="0">
+            <a:spAutoFit/>
+          </a:bodyPr>
+          <a:lstStyle/>
+          <a:p>
+            <a:r>
+              <a:rPr lang="en-US" altLang="zh-CN" dirty="0"/>
+              <a:t>Transformation</a:t>
             </a:r>
             <a:endParaRPr lang="zh-CN" altLang="en-US" dirty="0"/>
           </a:p>

--- a/新建 Microsoft PowerPoint 演示文稿.pptx
+++ b/新建 Microsoft PowerPoint 演示文稿.pptx
@@ -129,7 +129,7 @@
   <pc:docChgLst>
     <pc:chgData name="0308 Phantom" userId="d189c7b077a883f0" providerId="LiveId" clId="{CCB372FA-C8CD-4060-9A70-83504401E0E3}"/>
     <pc:docChg chg="undo custSel addSld modSld">
-      <pc:chgData name="0308 Phantom" userId="d189c7b077a883f0" providerId="LiveId" clId="{CCB372FA-C8CD-4060-9A70-83504401E0E3}" dt="2019-03-30T11:48:58.497" v="439" actId="1076"/>
+      <pc:chgData name="0308 Phantom" userId="d189c7b077a883f0" providerId="LiveId" clId="{CCB372FA-C8CD-4060-9A70-83504401E0E3}" dt="2019-03-30T12:14:30.127" v="526" actId="1076"/>
       <pc:docMkLst>
         <pc:docMk/>
       </pc:docMkLst>
@@ -149,7 +149,7 @@
         </pc:spChg>
       </pc:sldChg>
       <pc:sldChg chg="addSp delSp modSp">
-        <pc:chgData name="0308 Phantom" userId="d189c7b077a883f0" providerId="LiveId" clId="{CCB372FA-C8CD-4060-9A70-83504401E0E3}" dt="2019-03-30T11:48:58.497" v="439" actId="1076"/>
+        <pc:chgData name="0308 Phantom" userId="d189c7b077a883f0" providerId="LiveId" clId="{CCB372FA-C8CD-4060-9A70-83504401E0E3}" dt="2019-03-30T11:51:07.376" v="456" actId="1076"/>
         <pc:sldMkLst>
           <pc:docMk/>
           <pc:sldMk cId="2194792377" sldId="258"/>
@@ -235,7 +235,7 @@
           </ac:spMkLst>
         </pc:spChg>
         <pc:spChg chg="add mod">
-          <ac:chgData name="0308 Phantom" userId="d189c7b077a883f0" providerId="LiveId" clId="{CCB372FA-C8CD-4060-9A70-83504401E0E3}" dt="2019-03-30T11:45:34.625" v="402" actId="1076"/>
+          <ac:chgData name="0308 Phantom" userId="d189c7b077a883f0" providerId="LiveId" clId="{CCB372FA-C8CD-4060-9A70-83504401E0E3}" dt="2019-03-30T11:49:51.817" v="443" actId="1076"/>
           <ac:spMkLst>
             <pc:docMk/>
             <pc:sldMk cId="2194792377" sldId="258"/>
@@ -251,7 +251,7 @@
           </ac:spMkLst>
         </pc:spChg>
         <pc:spChg chg="add mod">
-          <ac:chgData name="0308 Phantom" userId="d189c7b077a883f0" providerId="LiveId" clId="{CCB372FA-C8CD-4060-9A70-83504401E0E3}" dt="2019-03-30T11:46:22.728" v="405" actId="1076"/>
+          <ac:chgData name="0308 Phantom" userId="d189c7b077a883f0" providerId="LiveId" clId="{CCB372FA-C8CD-4060-9A70-83504401E0E3}" dt="2019-03-30T11:49:47.321" v="442" actId="1076"/>
           <ac:spMkLst>
             <pc:docMk/>
             <pc:sldMk cId="2194792377" sldId="258"/>
@@ -259,13 +259,132 @@
           </ac:spMkLst>
         </pc:spChg>
         <pc:spChg chg="add mod">
-          <ac:chgData name="0308 Phantom" userId="d189c7b077a883f0" providerId="LiveId" clId="{CCB372FA-C8CD-4060-9A70-83504401E0E3}" dt="2019-03-30T11:48:52.379" v="438" actId="20577"/>
+          <ac:chgData name="0308 Phantom" userId="d189c7b077a883f0" providerId="LiveId" clId="{CCB372FA-C8CD-4060-9A70-83504401E0E3}" dt="2019-03-30T11:51:07.376" v="456" actId="1076"/>
           <ac:spMkLst>
             <pc:docMk/>
             <pc:sldMk cId="2194792377" sldId="258"/>
             <ac:spMk id="15" creationId="{F7701357-E370-4B5C-BB4A-64D6DBC48F41}"/>
           </ac:spMkLst>
         </pc:spChg>
+        <pc:spChg chg="add mod">
+          <ac:chgData name="0308 Phantom" userId="d189c7b077a883f0" providerId="LiveId" clId="{CCB372FA-C8CD-4060-9A70-83504401E0E3}" dt="2019-03-30T11:50:55.977" v="449" actId="1076"/>
+          <ac:spMkLst>
+            <pc:docMk/>
+            <pc:sldMk cId="2194792377" sldId="258"/>
+            <ac:spMk id="16" creationId="{AD91E28A-BA31-4092-B897-8B1F81337DCE}"/>
+          </ac:spMkLst>
+        </pc:spChg>
+      </pc:sldChg>
+      <pc:sldChg chg="addSp delSp modSp">
+        <pc:chgData name="0308 Phantom" userId="d189c7b077a883f0" providerId="LiveId" clId="{CCB372FA-C8CD-4060-9A70-83504401E0E3}" dt="2019-03-30T12:14:30.127" v="526" actId="1076"/>
+        <pc:sldMkLst>
+          <pc:docMk/>
+          <pc:sldMk cId="728413835" sldId="259"/>
+        </pc:sldMkLst>
+        <pc:spChg chg="mod">
+          <ac:chgData name="0308 Phantom" userId="d189c7b077a883f0" providerId="LiveId" clId="{CCB372FA-C8CD-4060-9A70-83504401E0E3}" dt="2019-03-30T11:50:00.401" v="445" actId="20577"/>
+          <ac:spMkLst>
+            <pc:docMk/>
+            <pc:sldMk cId="728413835" sldId="259"/>
+            <ac:spMk id="2" creationId="{FC1D2328-43F7-4648-A5E2-85580602E5DA}"/>
+          </ac:spMkLst>
+        </pc:spChg>
+        <pc:spChg chg="del mod">
+          <ac:chgData name="0308 Phantom" userId="d189c7b077a883f0" providerId="LiveId" clId="{CCB372FA-C8CD-4060-9A70-83504401E0E3}" dt="2019-03-30T11:54:21.372" v="457"/>
+          <ac:spMkLst>
+            <pc:docMk/>
+            <pc:sldMk cId="728413835" sldId="259"/>
+            <ac:spMk id="3" creationId="{12978C9A-12A0-43E3-95A6-44096C6AC602}"/>
+          </ac:spMkLst>
+        </pc:spChg>
+        <pc:spChg chg="add del mod">
+          <ac:chgData name="0308 Phantom" userId="d189c7b077a883f0" providerId="LiveId" clId="{CCB372FA-C8CD-4060-9A70-83504401E0E3}" dt="2019-03-30T12:00:20.939" v="467" actId="478"/>
+          <ac:spMkLst>
+            <pc:docMk/>
+            <pc:sldMk cId="728413835" sldId="259"/>
+            <ac:spMk id="6" creationId="{BD7792EA-AD3F-4B71-BA8C-C4720961EAB8}"/>
+          </ac:spMkLst>
+        </pc:spChg>
+        <pc:spChg chg="add mod">
+          <ac:chgData name="0308 Phantom" userId="d189c7b077a883f0" providerId="LiveId" clId="{CCB372FA-C8CD-4060-9A70-83504401E0E3}" dt="2019-03-30T12:12:27.696" v="508" actId="1076"/>
+          <ac:spMkLst>
+            <pc:docMk/>
+            <pc:sldMk cId="728413835" sldId="259"/>
+            <ac:spMk id="10" creationId="{B35E7A2A-629F-41E3-B8AD-75DCB2E0349A}"/>
+          </ac:spMkLst>
+        </pc:spChg>
+        <pc:spChg chg="add del mod">
+          <ac:chgData name="0308 Phantom" userId="d189c7b077a883f0" providerId="LiveId" clId="{CCB372FA-C8CD-4060-9A70-83504401E0E3}" dt="2019-03-30T12:09:41.171" v="496" actId="478"/>
+          <ac:spMkLst>
+            <pc:docMk/>
+            <pc:sldMk cId="728413835" sldId="259"/>
+            <ac:spMk id="11" creationId="{22F619C2-FA00-4B9D-BD26-C1F78933DBC0}"/>
+          </ac:spMkLst>
+        </pc:spChg>
+        <pc:spChg chg="add mod">
+          <ac:chgData name="0308 Phantom" userId="d189c7b077a883f0" providerId="LiveId" clId="{CCB372FA-C8CD-4060-9A70-83504401E0E3}" dt="2019-03-30T12:12:27.696" v="508" actId="1076"/>
+          <ac:spMkLst>
+            <pc:docMk/>
+            <pc:sldMk cId="728413835" sldId="259"/>
+            <ac:spMk id="12" creationId="{531E07F0-455D-4FDC-B910-55383DE11922}"/>
+          </ac:spMkLst>
+        </pc:spChg>
+        <pc:spChg chg="add mod">
+          <ac:chgData name="0308 Phantom" userId="d189c7b077a883f0" providerId="LiveId" clId="{CCB372FA-C8CD-4060-9A70-83504401E0E3}" dt="2019-03-30T12:13:32.062" v="518" actId="1076"/>
+          <ac:spMkLst>
+            <pc:docMk/>
+            <pc:sldMk cId="728413835" sldId="259"/>
+            <ac:spMk id="13" creationId="{0A71F44D-D852-4ACA-BDB9-3C75ACB5768A}"/>
+          </ac:spMkLst>
+        </pc:spChg>
+        <pc:picChg chg="add mod">
+          <ac:chgData name="0308 Phantom" userId="d189c7b077a883f0" providerId="LiveId" clId="{CCB372FA-C8CD-4060-9A70-83504401E0E3}" dt="2019-03-30T12:12:27.696" v="508" actId="1076"/>
+          <ac:picMkLst>
+            <pc:docMk/>
+            <pc:sldMk cId="728413835" sldId="259"/>
+            <ac:picMk id="4" creationId="{26C4BACA-BBA6-4D67-ADC4-F58675B4299A}"/>
+          </ac:picMkLst>
+        </pc:picChg>
+        <pc:picChg chg="add del mod">
+          <ac:chgData name="0308 Phantom" userId="d189c7b077a883f0" providerId="LiveId" clId="{CCB372FA-C8CD-4060-9A70-83504401E0E3}" dt="2019-03-30T12:00:24.391" v="470" actId="478"/>
+          <ac:picMkLst>
+            <pc:docMk/>
+            <pc:sldMk cId="728413835" sldId="259"/>
+            <ac:picMk id="5" creationId="{DF6B75A4-6D4A-4792-99E9-E25B8169575B}"/>
+          </ac:picMkLst>
+        </pc:picChg>
+        <pc:picChg chg="add mod">
+          <ac:chgData name="0308 Phantom" userId="d189c7b077a883f0" providerId="LiveId" clId="{CCB372FA-C8CD-4060-9A70-83504401E0E3}" dt="2019-03-30T12:12:34.638" v="509" actId="1076"/>
+          <ac:picMkLst>
+            <pc:docMk/>
+            <pc:sldMk cId="728413835" sldId="259"/>
+            <ac:picMk id="7" creationId="{15CE6B75-D357-47EE-AC9B-E06F9ECFC896}"/>
+          </ac:picMkLst>
+        </pc:picChg>
+        <pc:picChg chg="add del mod">
+          <ac:chgData name="0308 Phantom" userId="d189c7b077a883f0" providerId="LiveId" clId="{CCB372FA-C8CD-4060-9A70-83504401E0E3}" dt="2019-03-30T12:05:48.279" v="480" actId="478"/>
+          <ac:picMkLst>
+            <pc:docMk/>
+            <pc:sldMk cId="728413835" sldId="259"/>
+            <ac:picMk id="8" creationId="{794392B0-144B-4522-ABFE-C55D5EC61CEA}"/>
+          </ac:picMkLst>
+        </pc:picChg>
+        <pc:picChg chg="add mod modCrop">
+          <ac:chgData name="0308 Phantom" userId="d189c7b077a883f0" providerId="LiveId" clId="{CCB372FA-C8CD-4060-9A70-83504401E0E3}" dt="2019-03-30T12:14:30.127" v="526" actId="1076"/>
+          <ac:picMkLst>
+            <pc:docMk/>
+            <pc:sldMk cId="728413835" sldId="259"/>
+            <ac:picMk id="9" creationId="{75915759-9F45-4B6D-B2CE-052CED53E042}"/>
+          </ac:picMkLst>
+        </pc:picChg>
+        <pc:picChg chg="add mod">
+          <ac:chgData name="0308 Phantom" userId="d189c7b077a883f0" providerId="LiveId" clId="{CCB372FA-C8CD-4060-9A70-83504401E0E3}" dt="2019-03-30T12:14:07.430" v="524" actId="1076"/>
+          <ac:picMkLst>
+            <pc:docMk/>
+            <pc:sldMk cId="728413835" sldId="259"/>
+            <ac:picMk id="14" creationId="{DBFAB888-7F8B-4DE2-9816-0D02D214E2C8}"/>
+          </ac:picMkLst>
+        </pc:picChg>
       </pc:sldChg>
       <pc:sldChg chg="modSp add">
         <pc:chgData name="0308 Phantom" userId="d189c7b077a883f0" providerId="LiveId" clId="{CCB372FA-C8CD-4060-9A70-83504401E0E3}" dt="2019-03-30T11:28:17.403" v="260" actId="6549"/>
@@ -4525,7 +4644,7 @@
         </p:nvSpPr>
         <p:spPr>
           <a:xfrm>
-            <a:off x="5444488" y="119710"/>
+            <a:off x="5373370" y="608752"/>
             <a:ext cx="2828715" cy="369332"/>
           </a:xfrm>
           <a:prstGeom prst="rect">
@@ -4561,7 +4680,7 @@
         </p:nvSpPr>
         <p:spPr>
           <a:xfrm>
-            <a:off x="5461845" y="759882"/>
+            <a:off x="5373370" y="0"/>
             <a:ext cx="2232660" cy="369332"/>
           </a:xfrm>
           <a:prstGeom prst="rect">
@@ -4597,8 +4716,8 @@
         </p:nvSpPr>
         <p:spPr>
           <a:xfrm>
-            <a:off x="1920240" y="5657612"/>
-            <a:ext cx="1729740" cy="369332"/>
+            <a:off x="3464560" y="5753667"/>
+            <a:ext cx="2359237" cy="369332"/>
           </a:xfrm>
           <a:prstGeom prst="rect">
             <a:avLst/>
@@ -4613,7 +4732,42 @@
           <a:p>
             <a:r>
               <a:rPr lang="en-US" altLang="zh-CN" dirty="0"/>
-              <a:t>Transformation</a:t>
+              <a:t>Code Transformation</a:t>
+            </a:r>
+            <a:endParaRPr lang="zh-CN" altLang="en-US" dirty="0"/>
+          </a:p>
+        </p:txBody>
+      </p:sp>
+      <p:sp>
+        <p:nvSpPr>
+          <p:cNvPr id="16" name="矩形 15">
+            <a:extLst>
+              <a:ext uri="{FF2B5EF4-FFF2-40B4-BE49-F238E27FC236}">
+                <a16:creationId xmlns:a16="http://schemas.microsoft.com/office/drawing/2014/main" id="{AD91E28A-BA31-4092-B897-8B1F81337DCE}"/>
+              </a:ext>
+            </a:extLst>
+          </p:cNvPr>
+          <p:cNvSpPr/>
+          <p:nvPr/>
+        </p:nvSpPr>
+        <p:spPr>
+          <a:xfrm>
+            <a:off x="1821602" y="5753667"/>
+            <a:ext cx="1495922" cy="369332"/>
+          </a:xfrm>
+          <a:prstGeom prst="rect">
+            <a:avLst/>
+          </a:prstGeom>
+        </p:spPr>
+        <p:txBody>
+          <a:bodyPr wrap="none">
+            <a:spAutoFit/>
+          </a:bodyPr>
+          <a:lstStyle/>
+          <a:p>
+            <a:r>
+              <a:rPr lang="en-US" altLang="zh-CN" dirty="0"/>
+              <a:t>Compatibility</a:t>
             </a:r>
             <a:endParaRPr lang="zh-CN" altLang="en-US" dirty="0"/>
           </a:p>
@@ -4670,35 +4824,309 @@
           <a:bodyPr/>
           <a:lstStyle/>
           <a:p>
-            <a:endParaRPr lang="zh-CN" altLang="en-US"/>
-          </a:p>
-        </p:txBody>
-      </p:sp>
-      <p:sp>
-        <p:nvSpPr>
-          <p:cNvPr id="3" name="内容占位符 2">
-            <a:extLst>
-              <a:ext uri="{FF2B5EF4-FFF2-40B4-BE49-F238E27FC236}">
-                <a16:creationId xmlns:a16="http://schemas.microsoft.com/office/drawing/2014/main" id="{12978C9A-12A0-43E3-95A6-44096C6AC602}"/>
-              </a:ext>
-            </a:extLst>
-          </p:cNvPr>
-          <p:cNvSpPr>
-            <a:spLocks noGrp="1"/>
-          </p:cNvSpPr>
+            <a:r>
+              <a:rPr lang="en-US" altLang="zh-CN" dirty="0"/>
+              <a:t>Tag Isolation Policy</a:t>
+            </a:r>
+            <a:endParaRPr lang="zh-CN" altLang="en-US" dirty="0"/>
+          </a:p>
+        </p:txBody>
+      </p:sp>
+      <p:pic>
+        <p:nvPicPr>
+          <p:cNvPr id="4" name="内容占位符 3">
+            <a:extLst>
+              <a:ext uri="{FF2B5EF4-FFF2-40B4-BE49-F238E27FC236}">
+                <a16:creationId xmlns:a16="http://schemas.microsoft.com/office/drawing/2014/main" id="{26C4BACA-BBA6-4D67-ADC4-F58675B4299A}"/>
+              </a:ext>
+            </a:extLst>
+          </p:cNvPr>
+          <p:cNvPicPr>
+            <a:picLocks noGrp="1" noChangeAspect="1"/>
+          </p:cNvPicPr>
           <p:nvPr>
             <p:ph idx="1"/>
           </p:nvPr>
-        </p:nvSpPr>
-        <p:spPr/>
-        <p:txBody>
-          <a:bodyPr/>
-          <a:lstStyle/>
-          <a:p>
-            <a:endParaRPr lang="zh-CN" altLang="en-US"/>
-          </a:p>
-        </p:txBody>
-      </p:sp>
+        </p:nvPicPr>
+        <p:blipFill>
+          <a:blip r:embed="rId2"/>
+          <a:stretch>
+            <a:fillRect/>
+          </a:stretch>
+        </p:blipFill>
+        <p:spPr>
+          <a:xfrm>
+            <a:off x="694266" y="1991254"/>
+            <a:ext cx="4460917" cy="3440112"/>
+          </a:xfrm>
+          <a:prstGeom prst="rect">
+            <a:avLst/>
+          </a:prstGeom>
+        </p:spPr>
+      </p:pic>
+      <p:pic>
+        <p:nvPicPr>
+          <p:cNvPr id="7" name="图片 6">
+            <a:extLst>
+              <a:ext uri="{FF2B5EF4-FFF2-40B4-BE49-F238E27FC236}">
+                <a16:creationId xmlns:a16="http://schemas.microsoft.com/office/drawing/2014/main" id="{15CE6B75-D357-47EE-AC9B-E06F9ECFC896}"/>
+              </a:ext>
+            </a:extLst>
+          </p:cNvPr>
+          <p:cNvPicPr>
+            <a:picLocks noChangeAspect="1"/>
+          </p:cNvPicPr>
+          <p:nvPr/>
+        </p:nvPicPr>
+        <p:blipFill>
+          <a:blip r:embed="rId3"/>
+          <a:stretch>
+            <a:fillRect/>
+          </a:stretch>
+        </p:blipFill>
+        <p:spPr>
+          <a:xfrm>
+            <a:off x="6096000" y="409992"/>
+            <a:ext cx="5554134" cy="1514764"/>
+          </a:xfrm>
+          <a:prstGeom prst="rect">
+            <a:avLst/>
+          </a:prstGeom>
+        </p:spPr>
+      </p:pic>
+      <p:pic>
+        <p:nvPicPr>
+          <p:cNvPr id="9" name="图片 8">
+            <a:extLst>
+              <a:ext uri="{FF2B5EF4-FFF2-40B4-BE49-F238E27FC236}">
+                <a16:creationId xmlns:a16="http://schemas.microsoft.com/office/drawing/2014/main" id="{75915759-9F45-4B6D-B2CE-052CED53E042}"/>
+              </a:ext>
+            </a:extLst>
+          </p:cNvPr>
+          <p:cNvPicPr>
+            <a:picLocks noChangeAspect="1"/>
+          </p:cNvPicPr>
+          <p:nvPr/>
+        </p:nvPicPr>
+        <p:blipFill rotWithShape="1">
+          <a:blip r:embed="rId4"/>
+          <a:srcRect t="5269"/>
+          <a:stretch/>
+        </p:blipFill>
+        <p:spPr>
+          <a:xfrm>
+            <a:off x="6544731" y="2058657"/>
+            <a:ext cx="4656667" cy="1678684"/>
+          </a:xfrm>
+          <a:prstGeom prst="rect">
+            <a:avLst/>
+          </a:prstGeom>
+        </p:spPr>
+      </p:pic>
+      <p:sp>
+        <p:nvSpPr>
+          <p:cNvPr id="10" name="矩形 9">
+            <a:extLst>
+              <a:ext uri="{FF2B5EF4-FFF2-40B4-BE49-F238E27FC236}">
+                <a16:creationId xmlns:a16="http://schemas.microsoft.com/office/drawing/2014/main" id="{B35E7A2A-629F-41E3-B8AD-75DCB2E0349A}"/>
+              </a:ext>
+            </a:extLst>
+          </p:cNvPr>
+          <p:cNvSpPr/>
+          <p:nvPr/>
+        </p:nvSpPr>
+        <p:spPr>
+          <a:xfrm>
+            <a:off x="694265" y="2671233"/>
+            <a:ext cx="4460916" cy="1210733"/>
+          </a:xfrm>
+          <a:prstGeom prst="rect">
+            <a:avLst/>
+          </a:prstGeom>
+          <a:noFill/>
+          <a:ln w="38100">
+            <a:solidFill>
+              <a:srgbClr val="FF0000"/>
+            </a:solidFill>
+          </a:ln>
+        </p:spPr>
+        <p:style>
+          <a:lnRef idx="2">
+            <a:schemeClr val="accent1">
+              <a:shade val="50000"/>
+            </a:schemeClr>
+          </a:lnRef>
+          <a:fillRef idx="1">
+            <a:schemeClr val="accent1"/>
+          </a:fillRef>
+          <a:effectRef idx="0">
+            <a:schemeClr val="accent1"/>
+          </a:effectRef>
+          <a:fontRef idx="minor">
+            <a:schemeClr val="lt1"/>
+          </a:fontRef>
+        </p:style>
+        <p:txBody>
+          <a:bodyPr rtlCol="0" anchor="ctr"/>
+          <a:lstStyle/>
+          <a:p>
+            <a:pPr algn="ctr"/>
+            <a:endParaRPr lang="zh-CN" altLang="en-US" dirty="0"/>
+          </a:p>
+        </p:txBody>
+      </p:sp>
+      <p:sp>
+        <p:nvSpPr>
+          <p:cNvPr id="12" name="矩形 11">
+            <a:extLst>
+              <a:ext uri="{FF2B5EF4-FFF2-40B4-BE49-F238E27FC236}">
+                <a16:creationId xmlns:a16="http://schemas.microsoft.com/office/drawing/2014/main" id="{531E07F0-455D-4FDC-B910-55383DE11922}"/>
+              </a:ext>
+            </a:extLst>
+          </p:cNvPr>
+          <p:cNvSpPr/>
+          <p:nvPr/>
+        </p:nvSpPr>
+        <p:spPr>
+          <a:xfrm>
+            <a:off x="694265" y="4220633"/>
+            <a:ext cx="4460916" cy="601133"/>
+          </a:xfrm>
+          <a:prstGeom prst="rect">
+            <a:avLst/>
+          </a:prstGeom>
+          <a:noFill/>
+          <a:ln w="38100">
+            <a:solidFill>
+              <a:srgbClr val="FF0000"/>
+            </a:solidFill>
+          </a:ln>
+        </p:spPr>
+        <p:style>
+          <a:lnRef idx="2">
+            <a:schemeClr val="accent1">
+              <a:shade val="50000"/>
+            </a:schemeClr>
+          </a:lnRef>
+          <a:fillRef idx="1">
+            <a:schemeClr val="accent1"/>
+          </a:fillRef>
+          <a:effectRef idx="0">
+            <a:schemeClr val="accent1"/>
+          </a:effectRef>
+          <a:fontRef idx="minor">
+            <a:schemeClr val="lt1"/>
+          </a:fontRef>
+        </p:style>
+        <p:txBody>
+          <a:bodyPr rtlCol="0" anchor="ctr"/>
+          <a:lstStyle/>
+          <a:p>
+            <a:pPr algn="ctr"/>
+            <a:endParaRPr lang="zh-CN" altLang="en-US" dirty="0"/>
+          </a:p>
+        </p:txBody>
+      </p:sp>
+      <p:sp>
+        <p:nvSpPr>
+          <p:cNvPr id="13" name="矩形 12">
+            <a:extLst>
+              <a:ext uri="{FF2B5EF4-FFF2-40B4-BE49-F238E27FC236}">
+                <a16:creationId xmlns:a16="http://schemas.microsoft.com/office/drawing/2014/main" id="{0A71F44D-D852-4ACA-BDB9-3C75ACB5768A}"/>
+              </a:ext>
+            </a:extLst>
+          </p:cNvPr>
+          <p:cNvSpPr/>
+          <p:nvPr/>
+        </p:nvSpPr>
+        <p:spPr>
+          <a:xfrm>
+            <a:off x="6096000" y="3821134"/>
+            <a:ext cx="5833533" cy="923330"/>
+          </a:xfrm>
+          <a:prstGeom prst="rect">
+            <a:avLst/>
+          </a:prstGeom>
+        </p:spPr>
+        <p:txBody>
+          <a:bodyPr wrap="square">
+            <a:spAutoFit/>
+          </a:bodyPr>
+          <a:lstStyle/>
+          <a:p>
+            <a:r>
+              <a:rPr lang="en-US" altLang="zh-CN" dirty="0">
+                <a:latin typeface="CMR10"/>
+              </a:rPr>
+              <a:t>At any time, a RISC-V </a:t>
+            </a:r>
+            <a:r>
+              <a:rPr lang="en-US" altLang="zh-CN" b="1" dirty="0">
+                <a:solidFill>
+                  <a:srgbClr val="FF0000"/>
+                </a:solidFill>
+                <a:latin typeface="CMR10"/>
+              </a:rPr>
+              <a:t>hardware thread (</a:t>
+            </a:r>
+            <a:r>
+              <a:rPr lang="en-US" altLang="zh-CN" b="1" dirty="0">
+                <a:solidFill>
+                  <a:srgbClr val="FF0000"/>
+                </a:solidFill>
+                <a:latin typeface="CMTI10"/>
+              </a:rPr>
+              <a:t>hart</a:t>
+            </a:r>
+            <a:r>
+              <a:rPr lang="en-US" altLang="zh-CN" b="1" dirty="0">
+                <a:solidFill>
+                  <a:srgbClr val="FF0000"/>
+                </a:solidFill>
+                <a:latin typeface="CMR10"/>
+              </a:rPr>
+              <a:t>)</a:t>
+            </a:r>
+            <a:r>
+              <a:rPr lang="en-US" altLang="zh-CN" dirty="0">
+                <a:latin typeface="CMR10"/>
+              </a:rPr>
+              <a:t> is running at some privilege level encoded as a mode in one or more CSRs (control and status registers).</a:t>
+            </a:r>
+            <a:endParaRPr lang="zh-CN" altLang="en-US" dirty="0"/>
+          </a:p>
+        </p:txBody>
+      </p:sp>
+      <p:pic>
+        <p:nvPicPr>
+          <p:cNvPr id="14" name="图片 13">
+            <a:extLst>
+              <a:ext uri="{FF2B5EF4-FFF2-40B4-BE49-F238E27FC236}">
+                <a16:creationId xmlns:a16="http://schemas.microsoft.com/office/drawing/2014/main" id="{DBFAB888-7F8B-4DE2-9816-0D02D214E2C8}"/>
+              </a:ext>
+            </a:extLst>
+          </p:cNvPr>
+          <p:cNvPicPr>
+            <a:picLocks noChangeAspect="1"/>
+          </p:cNvPicPr>
+          <p:nvPr/>
+        </p:nvPicPr>
+        <p:blipFill>
+          <a:blip r:embed="rId5"/>
+          <a:stretch>
+            <a:fillRect/>
+          </a:stretch>
+        </p:blipFill>
+        <p:spPr>
+          <a:xfrm>
+            <a:off x="6095998" y="4821766"/>
+            <a:ext cx="5554134" cy="1794651"/>
+          </a:xfrm>
+          <a:prstGeom prst="rect">
+            <a:avLst/>
+          </a:prstGeom>
+        </p:spPr>
+      </p:pic>
     </p:spTree>
     <p:extLst>
       <p:ext uri="{BB962C8B-B14F-4D97-AF65-F5344CB8AC3E}">

--- a/新建 Microsoft PowerPoint 演示文稿.pptx
+++ b/新建 Microsoft PowerPoint 演示文稿.pptx
@@ -10,6 +10,10 @@
     <p:sldId id="260" r:id="rId4"/>
     <p:sldId id="258" r:id="rId5"/>
     <p:sldId id="259" r:id="rId6"/>
+    <p:sldId id="261" r:id="rId7"/>
+    <p:sldId id="262" r:id="rId8"/>
+    <p:sldId id="263" r:id="rId9"/>
+    <p:sldId id="264" r:id="rId10"/>
   </p:sldIdLst>
   <p:sldSz cx="12192000" cy="6858000"/>
   <p:notesSz cx="6858000" cy="9144000"/>
@@ -4574,31 +4578,217 @@
           <a:bodyPr/>
           <a:lstStyle/>
           <a:p>
+            <a:r>
+              <a:rPr lang="en-US" altLang="zh-CN" dirty="0" smtClean="0"/>
+              <a:t>TagRoot: Trust Manager</a:t>
+            </a:r>
+            <a:endParaRPr lang="zh-CN" altLang="en-US" dirty="0"/>
+          </a:p>
+        </p:txBody>
+      </p:sp>
+      <p:sp>
+        <p:nvSpPr>
+          <p:cNvPr id="4" name="文本框 3"/>
+          <p:cNvSpPr txBox="1"/>
+          <p:nvPr/>
+        </p:nvSpPr>
+        <p:spPr>
+          <a:xfrm>
+            <a:off x="838200" y="2996419"/>
+            <a:ext cx="2116015" cy="584775"/>
+          </a:xfrm>
+          <a:prstGeom prst="rect">
+            <a:avLst/>
+          </a:prstGeom>
+          <a:noFill/>
+        </p:spPr>
+        <p:txBody>
+          <a:bodyPr wrap="square" rtlCol="0">
+            <a:spAutoFit/>
+          </a:bodyPr>
+          <a:lstStyle/>
+          <a:p>
+            <a:r>
+              <a:rPr lang="en-US" altLang="zh-CN" sz="3200" dirty="0" smtClean="0"/>
+              <a:t>TagRoot</a:t>
+            </a:r>
+            <a:endParaRPr lang="zh-CN" altLang="en-US" sz="3200" dirty="0"/>
+          </a:p>
+        </p:txBody>
+      </p:sp>
+      <p:sp>
+        <p:nvSpPr>
+          <p:cNvPr id="5" name="左大括号 4">
+            <a:extLst>
+              <a:ext uri="{FF2B5EF4-FFF2-40B4-BE49-F238E27FC236}">
+                <a16:creationId xmlns:a16="http://schemas.microsoft.com/office/drawing/2014/main" id="{1930E1DC-E711-4C0C-A966-6923D29141DA}"/>
+              </a:ext>
+            </a:extLst>
+          </p:cNvPr>
+          <p:cNvSpPr/>
+          <p:nvPr/>
+        </p:nvSpPr>
+        <p:spPr>
+          <a:xfrm>
+            <a:off x="2742873" y="2216040"/>
+            <a:ext cx="422683" cy="2589627"/>
+          </a:xfrm>
+          <a:prstGeom prst="leftBrace">
+            <a:avLst>
+              <a:gd name="adj1" fmla="val 154333"/>
+              <a:gd name="adj2" fmla="val 41648"/>
+            </a:avLst>
+          </a:prstGeom>
+        </p:spPr>
+        <p:style>
+          <a:lnRef idx="3">
+            <a:schemeClr val="dk1"/>
+          </a:lnRef>
+          <a:fillRef idx="0">
+            <a:schemeClr val="dk1"/>
+          </a:fillRef>
+          <a:effectRef idx="2">
+            <a:schemeClr val="dk1"/>
+          </a:effectRef>
+          <a:fontRef idx="minor">
+            <a:schemeClr val="tx1"/>
+          </a:fontRef>
+        </p:style>
+        <p:txBody>
+          <a:bodyPr rtlCol="0" anchor="ctr"/>
+          <a:lstStyle/>
+          <a:p>
+            <a:pPr algn="ctr"/>
             <a:endParaRPr lang="zh-CN" altLang="en-US"/>
           </a:p>
         </p:txBody>
       </p:sp>
       <p:sp>
         <p:nvSpPr>
-          <p:cNvPr id="3" name="内容占位符 2">
-            <a:extLst>
-              <a:ext uri="{FF2B5EF4-FFF2-40B4-BE49-F238E27FC236}">
-                <a16:creationId xmlns:a16="http://schemas.microsoft.com/office/drawing/2014/main" id="{12978C9A-12A0-43E3-95A6-44096C6AC602}"/>
-              </a:ext>
-            </a:extLst>
-          </p:cNvPr>
-          <p:cNvSpPr>
-            <a:spLocks noGrp="1"/>
-          </p:cNvSpPr>
-          <p:nvPr>
-            <p:ph idx="1"/>
-          </p:nvPr>
-        </p:nvSpPr>
-        <p:spPr/>
-        <p:txBody>
-          <a:bodyPr/>
-          <a:lstStyle/>
-          <a:p>
+          <p:cNvPr id="6" name="文本框 5"/>
+          <p:cNvSpPr txBox="1"/>
+          <p:nvPr/>
+        </p:nvSpPr>
+        <p:spPr>
+          <a:xfrm>
+            <a:off x="3165556" y="1989170"/>
+            <a:ext cx="3319650" cy="461665"/>
+          </a:xfrm>
+          <a:prstGeom prst="rect">
+            <a:avLst/>
+          </a:prstGeom>
+          <a:noFill/>
+        </p:spPr>
+        <p:txBody>
+          <a:bodyPr wrap="square" rtlCol="0">
+            <a:spAutoFit/>
+          </a:bodyPr>
+          <a:lstStyle/>
+          <a:p>
+            <a:r>
+              <a:rPr lang="en-US" altLang="zh-CN" sz="2400" dirty="0" smtClean="0"/>
+              <a:t>Trusted OS Services</a:t>
+            </a:r>
+            <a:endParaRPr lang="zh-CN" altLang="en-US" sz="2400" dirty="0"/>
+          </a:p>
+        </p:txBody>
+      </p:sp>
+      <p:sp>
+        <p:nvSpPr>
+          <p:cNvPr id="7" name="文本框 6"/>
+          <p:cNvSpPr txBox="1"/>
+          <p:nvPr/>
+        </p:nvSpPr>
+        <p:spPr>
+          <a:xfrm>
+            <a:off x="3165556" y="4606933"/>
+            <a:ext cx="3927825" cy="461665"/>
+          </a:xfrm>
+          <a:prstGeom prst="rect">
+            <a:avLst/>
+          </a:prstGeom>
+          <a:noFill/>
+        </p:spPr>
+        <p:txBody>
+          <a:bodyPr wrap="square" rtlCol="0">
+            <a:spAutoFit/>
+          </a:bodyPr>
+          <a:lstStyle/>
+          <a:p>
+            <a:r>
+              <a:rPr lang="en-US" altLang="zh-CN" sz="2400" dirty="0" smtClean="0"/>
+              <a:t>Trusted Enclave Services</a:t>
+            </a:r>
+            <a:endParaRPr lang="zh-CN" altLang="en-US" sz="2400" dirty="0"/>
+          </a:p>
+        </p:txBody>
+      </p:sp>
+      <p:pic>
+        <p:nvPicPr>
+          <p:cNvPr id="8" name="图片 7"/>
+          <p:cNvPicPr>
+            <a:picLocks noChangeAspect="1"/>
+          </p:cNvPicPr>
+          <p:nvPr/>
+        </p:nvPicPr>
+        <p:blipFill>
+          <a:blip r:embed="rId2"/>
+          <a:stretch>
+            <a:fillRect/>
+          </a:stretch>
+        </p:blipFill>
+        <p:spPr>
+          <a:xfrm>
+            <a:off x="6442990" y="1760710"/>
+            <a:ext cx="4910810" cy="3640967"/>
+          </a:xfrm>
+          <a:prstGeom prst="rect">
+            <a:avLst/>
+          </a:prstGeom>
+        </p:spPr>
+      </p:pic>
+      <p:sp>
+        <p:nvSpPr>
+          <p:cNvPr id="9" name="矩形 8"/>
+          <p:cNvSpPr/>
+          <p:nvPr/>
+        </p:nvSpPr>
+        <p:spPr>
+          <a:xfrm>
+            <a:off x="9284677" y="4149969"/>
+            <a:ext cx="2069123" cy="687796"/>
+          </a:xfrm>
+          <a:prstGeom prst="rect">
+            <a:avLst/>
+          </a:prstGeom>
+          <a:noFill/>
+          <a:ln w="38100">
+            <a:solidFill>
+              <a:srgbClr val="FFFF00"/>
+            </a:solidFill>
+          </a:ln>
+        </p:spPr>
+        <p:style>
+          <a:lnRef idx="2">
+            <a:schemeClr val="accent1">
+              <a:shade val="50000"/>
+            </a:schemeClr>
+          </a:lnRef>
+          <a:fillRef idx="1">
+            <a:schemeClr val="accent1"/>
+          </a:fillRef>
+          <a:effectRef idx="0">
+            <a:schemeClr val="accent1"/>
+          </a:effectRef>
+          <a:fontRef idx="minor">
+            <a:schemeClr val="lt1"/>
+          </a:fontRef>
+        </p:style>
+        <p:txBody>
+          <a:bodyPr rtlCol="0" anchor="ctr"/>
+          <a:lstStyle/>
+          <a:p>
+            <a:pPr algn="ctr"/>
             <a:endParaRPr lang="zh-CN" altLang="en-US"/>
           </a:p>
         </p:txBody>
@@ -4613,6 +4803,1006 @@
   <p:clrMapOvr>
     <a:masterClrMapping/>
   </p:clrMapOvr>
+  <p:timing>
+    <p:tnLst>
+      <p:par>
+        <p:cTn id="1" dur="indefinite" restart="never" nodeType="tmRoot"/>
+      </p:par>
+    </p:tnLst>
+  </p:timing>
+</p:sld>
+</file>
+
+<file path=ppt/slides/slide6.xml><?xml version="1.0" encoding="utf-8"?>
+<p:sld xmlns:a="http://schemas.openxmlformats.org/drawingml/2006/main" xmlns:r="http://schemas.openxmlformats.org/officeDocument/2006/relationships" xmlns:p="http://schemas.openxmlformats.org/presentationml/2006/main">
+  <p:cSld>
+    <p:spTree>
+      <p:nvGrpSpPr>
+        <p:cNvPr id="1" name=""/>
+        <p:cNvGrpSpPr/>
+        <p:nvPr/>
+      </p:nvGrpSpPr>
+      <p:grpSpPr>
+        <a:xfrm>
+          <a:off x="0" y="0"/>
+          <a:ext cx="0" cy="0"/>
+          <a:chOff x="0" y="0"/>
+          <a:chExt cx="0" cy="0"/>
+        </a:xfrm>
+      </p:grpSpPr>
+      <p:sp>
+        <p:nvSpPr>
+          <p:cNvPr id="2" name="标题 1"/>
+          <p:cNvSpPr>
+            <a:spLocks noGrp="1"/>
+          </p:cNvSpPr>
+          <p:nvPr>
+            <p:ph type="title"/>
+          </p:nvPr>
+        </p:nvSpPr>
+        <p:spPr>
+          <a:xfrm>
+            <a:off x="419099" y="393261"/>
+            <a:ext cx="10515600" cy="1325563"/>
+          </a:xfrm>
+        </p:spPr>
+        <p:txBody>
+          <a:bodyPr/>
+          <a:lstStyle/>
+          <a:p>
+            <a:r>
+              <a:rPr lang="en-US" altLang="zh-CN" dirty="0" smtClean="0"/>
+              <a:t>Trusted OS Service</a:t>
+            </a:r>
+            <a:endParaRPr lang="zh-CN" altLang="en-US" dirty="0"/>
+          </a:p>
+        </p:txBody>
+      </p:sp>
+      <p:sp>
+        <p:nvSpPr>
+          <p:cNvPr id="3" name="内容占位符 2"/>
+          <p:cNvSpPr>
+            <a:spLocks noGrp="1"/>
+          </p:cNvSpPr>
+          <p:nvPr>
+            <p:ph idx="1"/>
+          </p:nvPr>
+        </p:nvSpPr>
+        <p:spPr>
+          <a:xfrm>
+            <a:off x="419099" y="1839693"/>
+            <a:ext cx="11454033" cy="4350092"/>
+          </a:xfrm>
+        </p:spPr>
+        <p:txBody>
+          <a:bodyPr/>
+          <a:lstStyle/>
+          <a:p>
+            <a:r>
+              <a:rPr lang="en-US" altLang="zh-CN" dirty="0" smtClean="0"/>
+              <a:t>Enclave </a:t>
+            </a:r>
+            <a:r>
+              <a:rPr lang="en-US" altLang="zh-CN" dirty="0" err="1" smtClean="0"/>
+              <a:t>Management</a:t>
+            </a:r>
+            <a:r>
+              <a:rPr lang="en-US" altLang="zh-CN" dirty="0" err="1"/>
+              <a:t>In</a:t>
+            </a:r>
+            <a:r>
+              <a:rPr lang="en-US" altLang="zh-CN" dirty="0"/>
+              <a:t>-Process</a:t>
+            </a:r>
+            <a:endParaRPr lang="zh-CN" altLang="en-US" dirty="0"/>
+          </a:p>
+          <a:p>
+            <a:endParaRPr lang="en-US" altLang="zh-CN" dirty="0" smtClean="0"/>
+          </a:p>
+          <a:p>
+            <a:pPr lvl="1"/>
+            <a:r>
+              <a:rPr lang="en-US" altLang="zh-CN" dirty="0" smtClean="0"/>
+              <a:t>Create: Enclave Control Block(ECB)</a:t>
+            </a:r>
+          </a:p>
+          <a:p>
+            <a:pPr marL="457200" lvl="1" indent="0">
+              <a:buNone/>
+            </a:pPr>
+            <a:r>
+              <a:rPr lang="en-US" altLang="zh-CN" dirty="0"/>
+              <a:t> </a:t>
+            </a:r>
+            <a:r>
+              <a:rPr lang="en-US" altLang="zh-CN" dirty="0" smtClean="0"/>
+              <a:t>	         create-enclave </a:t>
+            </a:r>
+            <a:r>
+              <a:rPr lang="en-US" altLang="zh-CN" dirty="0" smtClean="0">
+                <a:sym typeface="Wingdings" panose="05000000000000000000" pitchFamily="2" charset="2"/>
+              </a:rPr>
+              <a:t> add-region  add-data  add-entries  </a:t>
+            </a:r>
+            <a:r>
+              <a:rPr lang="en-US" altLang="zh-CN" dirty="0" err="1" smtClean="0">
+                <a:sym typeface="Wingdings" panose="05000000000000000000" pitchFamily="2" charset="2"/>
+              </a:rPr>
+              <a:t>init</a:t>
+            </a:r>
+            <a:r>
+              <a:rPr lang="en-US" altLang="zh-CN" dirty="0" smtClean="0">
+                <a:sym typeface="Wingdings" panose="05000000000000000000" pitchFamily="2" charset="2"/>
+              </a:rPr>
+              <a:t> enclave</a:t>
+            </a:r>
+            <a:endParaRPr lang="en-US" altLang="zh-CN" dirty="0" smtClean="0"/>
+          </a:p>
+          <a:p>
+            <a:pPr lvl="1"/>
+            <a:r>
+              <a:rPr lang="en-US" altLang="zh-CN" dirty="0" smtClean="0"/>
+              <a:t>Cleanup: destroy-enclave</a:t>
+            </a:r>
+          </a:p>
+          <a:p>
+            <a:pPr lvl="1"/>
+            <a:r>
+              <a:rPr lang="en-US" altLang="zh-CN" dirty="0" smtClean="0"/>
+              <a:t>Load: load to MPU slots </a:t>
+            </a:r>
+            <a:r>
+              <a:rPr lang="en-US" altLang="zh-CN" dirty="0" smtClean="0">
+                <a:sym typeface="Wingdings" panose="05000000000000000000" pitchFamily="2" charset="2"/>
+              </a:rPr>
+              <a:t> mark as runnable</a:t>
+            </a:r>
+            <a:endParaRPr lang="en-US" altLang="zh-CN" dirty="0" smtClean="0"/>
+          </a:p>
+          <a:p>
+            <a:pPr lvl="1"/>
+            <a:r>
+              <a:rPr lang="en-US" altLang="zh-CN" dirty="0" smtClean="0"/>
+              <a:t>Interrupt: save context </a:t>
+            </a:r>
+            <a:r>
+              <a:rPr lang="en-US" altLang="zh-CN" dirty="0" smtClean="0">
+                <a:sym typeface="Wingdings" panose="05000000000000000000" pitchFamily="2" charset="2"/>
+              </a:rPr>
+              <a:t> clear up  resume</a:t>
+            </a:r>
+          </a:p>
+          <a:p>
+            <a:pPr marL="1828800" lvl="4" indent="0">
+              <a:buNone/>
+            </a:pPr>
+            <a:r>
+              <a:rPr lang="en-US" altLang="zh-CN" dirty="0">
+                <a:sym typeface="Wingdings" panose="05000000000000000000" pitchFamily="2" charset="2"/>
+              </a:rPr>
+              <a:t> </a:t>
+            </a:r>
+            <a:r>
+              <a:rPr lang="en-US" altLang="zh-CN" dirty="0" smtClean="0">
+                <a:sym typeface="Wingdings" panose="05000000000000000000" pitchFamily="2" charset="2"/>
+              </a:rPr>
+              <a:t>  </a:t>
+            </a:r>
+            <a:r>
+              <a:rPr lang="en-US" altLang="zh-CN" sz="2400" dirty="0" smtClean="0">
+                <a:sym typeface="Wingdings" panose="05000000000000000000" pitchFamily="2" charset="2"/>
+              </a:rPr>
+              <a:t>transparent</a:t>
+            </a:r>
+            <a:endParaRPr lang="en-US" altLang="zh-CN" dirty="0"/>
+          </a:p>
+          <a:p>
+            <a:r>
+              <a:rPr lang="en-US" altLang="zh-CN" dirty="0" smtClean="0"/>
+              <a:t>Enclave Identity(EID)</a:t>
+            </a:r>
+          </a:p>
+          <a:p>
+            <a:pPr marL="457200" lvl="1" indent="0">
+              <a:buNone/>
+            </a:pPr>
+            <a:r>
+              <a:rPr lang="en-US" altLang="zh-CN" dirty="0" smtClean="0"/>
+              <a:t>Sequence of trusted OS services calls + their </a:t>
+            </a:r>
+            <a:r>
+              <a:rPr lang="en-US" altLang="zh-CN" dirty="0" err="1" smtClean="0"/>
+              <a:t>parament</a:t>
+            </a:r>
+            <a:r>
+              <a:rPr lang="en-US" altLang="zh-CN" dirty="0" smtClean="0"/>
+              <a:t> </a:t>
+            </a:r>
+            <a:r>
+              <a:rPr lang="en-US" altLang="zh-CN" dirty="0" smtClean="0">
+                <a:sym typeface="Wingdings" panose="05000000000000000000" pitchFamily="2" charset="2"/>
+              </a:rPr>
+              <a:t>-------&gt;  EID </a:t>
+            </a:r>
+            <a:endParaRPr lang="zh-CN" altLang="en-US" dirty="0"/>
+          </a:p>
+        </p:txBody>
+      </p:sp>
+      <p:sp>
+        <p:nvSpPr>
+          <p:cNvPr id="4" name="文本框 3"/>
+          <p:cNvSpPr txBox="1"/>
+          <p:nvPr/>
+        </p:nvSpPr>
+        <p:spPr>
+          <a:xfrm>
+            <a:off x="8243668" y="5001065"/>
+            <a:ext cx="976549" cy="369332"/>
+          </a:xfrm>
+          <a:prstGeom prst="rect">
+            <a:avLst/>
+          </a:prstGeom>
+          <a:noFill/>
+        </p:spPr>
+        <p:txBody>
+          <a:bodyPr wrap="none" rtlCol="0">
+            <a:spAutoFit/>
+          </a:bodyPr>
+          <a:lstStyle/>
+          <a:p>
+            <a:r>
+              <a:rPr lang="en-US" altLang="zh-CN" dirty="0" smtClean="0"/>
+              <a:t>SHA256</a:t>
+            </a:r>
+            <a:endParaRPr lang="zh-CN" altLang="en-US" dirty="0"/>
+          </a:p>
+        </p:txBody>
+      </p:sp>
+      <p:sp>
+        <p:nvSpPr>
+          <p:cNvPr id="5" name="文本框 4"/>
+          <p:cNvSpPr txBox="1"/>
+          <p:nvPr/>
+        </p:nvSpPr>
+        <p:spPr>
+          <a:xfrm>
+            <a:off x="7441809" y="1454972"/>
+            <a:ext cx="3066757" cy="769441"/>
+          </a:xfrm>
+          <a:prstGeom prst="rect">
+            <a:avLst/>
+          </a:prstGeom>
+          <a:noFill/>
+        </p:spPr>
+        <p:txBody>
+          <a:bodyPr wrap="square" rtlCol="0">
+            <a:spAutoFit/>
+          </a:bodyPr>
+          <a:lstStyle/>
+          <a:p>
+            <a:r>
+              <a:rPr lang="en-US" altLang="zh-CN" sz="4400" dirty="0" smtClean="0">
+                <a:solidFill>
+                  <a:schemeClr val="accent5">
+                    <a:lumMod val="75000"/>
+                  </a:schemeClr>
+                </a:solidFill>
+              </a:rPr>
+              <a:t>In-Process !</a:t>
+            </a:r>
+            <a:endParaRPr lang="zh-CN" altLang="en-US" sz="4400" dirty="0">
+              <a:solidFill>
+                <a:schemeClr val="accent5">
+                  <a:lumMod val="75000"/>
+                </a:schemeClr>
+              </a:solidFill>
+            </a:endParaRPr>
+          </a:p>
+        </p:txBody>
+      </p:sp>
+    </p:spTree>
+    <p:extLst>
+      <p:ext uri="{BB962C8B-B14F-4D97-AF65-F5344CB8AC3E}">
+        <p14:creationId xmlns:p14="http://schemas.microsoft.com/office/powerpoint/2010/main" val="352768799"/>
+      </p:ext>
+    </p:extLst>
+  </p:cSld>
+  <p:clrMapOvr>
+    <a:masterClrMapping/>
+  </p:clrMapOvr>
+  <p:timing>
+    <p:tnLst>
+      <p:par>
+        <p:cTn id="1" dur="indefinite" restart="never" nodeType="tmRoot">
+          <p:childTnLst>
+            <p:seq concurrent="1" nextAc="seek">
+              <p:cTn id="2" dur="indefinite" nodeType="mainSeq">
+                <p:childTnLst>
+                  <p:par>
+                    <p:cTn id="3" fill="hold">
+                      <p:stCondLst>
+                        <p:cond delay="indefinite"/>
+                      </p:stCondLst>
+                      <p:childTnLst>
+                        <p:par>
+                          <p:cTn id="4" fill="hold">
+                            <p:stCondLst>
+                              <p:cond delay="0"/>
+                            </p:stCondLst>
+                            <p:childTnLst>
+                              <p:par>
+                                <p:cTn id="5" presetID="2" presetClass="entr" presetSubtype="3" fill="hold" grpId="0" nodeType="clickEffect">
+                                  <p:stCondLst>
+                                    <p:cond delay="0"/>
+                                  </p:stCondLst>
+                                  <p:childTnLst>
+                                    <p:set>
+                                      <p:cBhvr>
+                                        <p:cTn id="6" dur="1" fill="hold">
+                                          <p:stCondLst>
+                                            <p:cond delay="0"/>
+                                          </p:stCondLst>
+                                        </p:cTn>
+                                        <p:tgtEl>
+                                          <p:spTgt spid="5"/>
+                                        </p:tgtEl>
+                                        <p:attrNameLst>
+                                          <p:attrName>style.visibility</p:attrName>
+                                        </p:attrNameLst>
+                                      </p:cBhvr>
+                                      <p:to>
+                                        <p:strVal val="visible"/>
+                                      </p:to>
+                                    </p:set>
+                                    <p:anim calcmode="lin" valueType="num">
+                                      <p:cBhvr additive="base">
+                                        <p:cTn id="7" dur="500" fill="hold"/>
+                                        <p:tgtEl>
+                                          <p:spTgt spid="5"/>
+                                        </p:tgtEl>
+                                        <p:attrNameLst>
+                                          <p:attrName>ppt_x</p:attrName>
+                                        </p:attrNameLst>
+                                      </p:cBhvr>
+                                      <p:tavLst>
+                                        <p:tav tm="0">
+                                          <p:val>
+                                            <p:strVal val="1+#ppt_w/2"/>
+                                          </p:val>
+                                        </p:tav>
+                                        <p:tav tm="100000">
+                                          <p:val>
+                                            <p:strVal val="#ppt_x"/>
+                                          </p:val>
+                                        </p:tav>
+                                      </p:tavLst>
+                                    </p:anim>
+                                    <p:anim calcmode="lin" valueType="num">
+                                      <p:cBhvr additive="base">
+                                        <p:cTn id="8" dur="500" fill="hold"/>
+                                        <p:tgtEl>
+                                          <p:spTgt spid="5"/>
+                                        </p:tgtEl>
+                                        <p:attrNameLst>
+                                          <p:attrName>ppt_y</p:attrName>
+                                        </p:attrNameLst>
+                                      </p:cBhvr>
+                                      <p:tavLst>
+                                        <p:tav tm="0">
+                                          <p:val>
+                                            <p:strVal val="0-#ppt_h/2"/>
+                                          </p:val>
+                                        </p:tav>
+                                        <p:tav tm="100000">
+                                          <p:val>
+                                            <p:strVal val="#ppt_y"/>
+                                          </p:val>
+                                        </p:tav>
+                                      </p:tavLst>
+                                    </p:anim>
+                                  </p:childTnLst>
+                                </p:cTn>
+                              </p:par>
+                            </p:childTnLst>
+                          </p:cTn>
+                        </p:par>
+                      </p:childTnLst>
+                    </p:cTn>
+                  </p:par>
+                </p:childTnLst>
+              </p:cTn>
+              <p:prevCondLst>
+                <p:cond evt="onPrev" delay="0">
+                  <p:tgtEl>
+                    <p:sldTgt/>
+                  </p:tgtEl>
+                </p:cond>
+              </p:prevCondLst>
+              <p:nextCondLst>
+                <p:cond evt="onNext" delay="0">
+                  <p:tgtEl>
+                    <p:sldTgt/>
+                  </p:tgtEl>
+                </p:cond>
+              </p:nextCondLst>
+            </p:seq>
+          </p:childTnLst>
+        </p:cTn>
+      </p:par>
+    </p:tnLst>
+    <p:bldLst>
+      <p:bldP spid="5" grpId="0"/>
+    </p:bldLst>
+  </p:timing>
+</p:sld>
+</file>
+
+<file path=ppt/slides/slide7.xml><?xml version="1.0" encoding="utf-8"?>
+<p:sld xmlns:a="http://schemas.openxmlformats.org/drawingml/2006/main" xmlns:r="http://schemas.openxmlformats.org/officeDocument/2006/relationships" xmlns:p="http://schemas.openxmlformats.org/presentationml/2006/main">
+  <p:cSld>
+    <p:spTree>
+      <p:nvGrpSpPr>
+        <p:cNvPr id="1" name=""/>
+        <p:cNvGrpSpPr/>
+        <p:nvPr/>
+      </p:nvGrpSpPr>
+      <p:grpSpPr>
+        <a:xfrm>
+          <a:off x="0" y="0"/>
+          <a:ext cx="0" cy="0"/>
+          <a:chOff x="0" y="0"/>
+          <a:chExt cx="0" cy="0"/>
+        </a:xfrm>
+      </p:grpSpPr>
+      <p:sp>
+        <p:nvSpPr>
+          <p:cNvPr id="2" name="标题 1"/>
+          <p:cNvSpPr>
+            <a:spLocks noGrp="1"/>
+          </p:cNvSpPr>
+          <p:nvPr>
+            <p:ph type="title"/>
+          </p:nvPr>
+        </p:nvSpPr>
+        <p:spPr/>
+        <p:txBody>
+          <a:bodyPr/>
+          <a:lstStyle/>
+          <a:p>
+            <a:r>
+              <a:rPr lang="en-US" altLang="zh-CN" dirty="0" smtClean="0"/>
+              <a:t>Trusted Enclave Services</a:t>
+            </a:r>
+            <a:endParaRPr lang="zh-CN" altLang="en-US" dirty="0"/>
+          </a:p>
+        </p:txBody>
+      </p:sp>
+      <mc:AlternateContent xmlns:mc="http://schemas.openxmlformats.org/markup-compatibility/2006">
+        <mc:Choice xmlns:a14="http://schemas.microsoft.com/office/drawing/2010/main" Requires="a14">
+          <p:sp>
+            <p:nvSpPr>
+              <p:cNvPr id="3" name="内容占位符 2"/>
+              <p:cNvSpPr>
+                <a:spLocks noGrp="1"/>
+              </p:cNvSpPr>
+              <p:nvPr>
+                <p:ph idx="1"/>
+              </p:nvPr>
+            </p:nvSpPr>
+            <p:spPr/>
+            <p:txBody>
+              <a:bodyPr>
+                <a:normAutofit/>
+              </a:bodyPr>
+              <a:lstStyle/>
+              <a:p>
+                <a:r>
+                  <a:rPr lang="en-US" altLang="zh-CN" dirty="0" smtClean="0"/>
+                  <a:t>Sealing and Remote Attestation</a:t>
+                </a:r>
+              </a:p>
+              <a:p>
+                <a:pPr lvl="1"/>
+                <a:r>
+                  <a:rPr lang="en-US" altLang="zh-CN" dirty="0" smtClean="0"/>
+                  <a:t>Call get-key</a:t>
+                </a:r>
+              </a:p>
+              <a:p>
+                <a:pPr lvl="1"/>
+                <a14:m>
+                  <m:oMath xmlns:m="http://schemas.openxmlformats.org/officeDocument/2006/math">
+                    <m:sSubSup>
+                      <m:sSubSupPr>
+                        <m:ctrlPr>
+                          <a:rPr lang="en-US" altLang="zh-CN" b="0" i="1" smtClean="0">
+                            <a:latin typeface="Cambria Math" panose="02040503050406030204" pitchFamily="18" charset="0"/>
+                          </a:rPr>
+                        </m:ctrlPr>
+                      </m:sSubSupPr>
+                      <m:e>
+                        <m:r>
+                          <a:rPr lang="en-US" altLang="zh-CN" b="0" i="1" smtClean="0">
+                            <a:latin typeface="Cambria Math" panose="02040503050406030204" pitchFamily="18" charset="0"/>
+                          </a:rPr>
+                          <m:t>𝐾</m:t>
+                        </m:r>
+                      </m:e>
+                      <m:sub>
+                        <m:r>
+                          <a:rPr lang="en-US" altLang="zh-CN" b="0" i="1" smtClean="0">
+                            <a:latin typeface="Cambria Math" panose="02040503050406030204" pitchFamily="18" charset="0"/>
+                          </a:rPr>
+                          <m:t>𝐸𝐼𝐷</m:t>
+                        </m:r>
+                      </m:sub>
+                      <m:sup>
+                        <m:r>
+                          <a:rPr lang="en-US" altLang="zh-CN" b="0" i="1" smtClean="0">
+                            <a:latin typeface="Cambria Math" panose="02040503050406030204" pitchFamily="18" charset="0"/>
+                          </a:rPr>
+                          <m:t>𝑖𝑑</m:t>
+                        </m:r>
+                      </m:sup>
+                    </m:sSubSup>
+                    <m:r>
+                      <a:rPr lang="en-US" altLang="zh-CN" b="0" i="1" smtClean="0">
+                        <a:latin typeface="Cambria Math" panose="02040503050406030204" pitchFamily="18" charset="0"/>
+                      </a:rPr>
+                      <m:t>=</m:t>
+                    </m:r>
+                    <m:r>
+                      <a:rPr lang="en-US" altLang="zh-CN" b="0" i="0" smtClean="0">
+                        <a:latin typeface="Cambria Math" panose="02040503050406030204" pitchFamily="18" charset="0"/>
+                      </a:rPr>
+                      <m:t> </m:t>
+                    </m:r>
+                    <m:sSub>
+                      <m:sSubPr>
+                        <m:ctrlPr>
+                          <a:rPr lang="en-US" altLang="zh-CN" b="0" i="1" smtClean="0">
+                            <a:latin typeface="Cambria Math" panose="02040503050406030204" pitchFamily="18" charset="0"/>
+                          </a:rPr>
+                        </m:ctrlPr>
+                      </m:sSubPr>
+                      <m:e>
+                        <m:r>
+                          <a:rPr lang="en-US" altLang="zh-CN" b="0" i="1" smtClean="0">
+                            <a:latin typeface="Cambria Math" panose="02040503050406030204" pitchFamily="18" charset="0"/>
+                          </a:rPr>
+                          <m:t>𝐻𝑀𝐴𝐶</m:t>
+                        </m:r>
+                      </m:e>
+                      <m:sub>
+                        <m:sSub>
+                          <m:sSubPr>
+                            <m:ctrlPr>
+                              <a:rPr lang="en-US" altLang="zh-CN" b="0" i="1" smtClean="0">
+                                <a:latin typeface="Cambria Math" panose="02040503050406030204" pitchFamily="18" charset="0"/>
+                              </a:rPr>
+                            </m:ctrlPr>
+                          </m:sSubPr>
+                          <m:e>
+                            <m:r>
+                              <a:rPr lang="en-US" altLang="zh-CN" b="0" i="1" smtClean="0">
+                                <a:latin typeface="Cambria Math" panose="02040503050406030204" pitchFamily="18" charset="0"/>
+                              </a:rPr>
+                              <m:t>𝐾</m:t>
+                            </m:r>
+                          </m:e>
+                          <m:sub>
+                            <m:r>
+                              <a:rPr lang="en-US" altLang="zh-CN" b="0" i="1" smtClean="0">
+                                <a:latin typeface="Cambria Math" panose="02040503050406030204" pitchFamily="18" charset="0"/>
+                              </a:rPr>
+                              <m:t>𝑝</m:t>
+                            </m:r>
+                          </m:sub>
+                        </m:sSub>
+                      </m:sub>
+                    </m:sSub>
+                    <m:d>
+                      <m:dPr>
+                        <m:ctrlPr>
+                          <a:rPr lang="en-US" altLang="zh-CN" b="0" i="1" smtClean="0">
+                            <a:latin typeface="Cambria Math" panose="02040503050406030204" pitchFamily="18" charset="0"/>
+                          </a:rPr>
+                        </m:ctrlPr>
+                      </m:dPr>
+                      <m:e>
+                        <m:r>
+                          <a:rPr lang="en-US" altLang="zh-CN" b="0" i="1" smtClean="0">
+                            <a:latin typeface="Cambria Math" panose="02040503050406030204" pitchFamily="18" charset="0"/>
+                          </a:rPr>
+                          <m:t>𝐸𝐼𝐷</m:t>
+                        </m:r>
+                        <m:r>
+                          <a:rPr lang="en-US" altLang="zh-CN" b="0" i="1" smtClean="0">
+                            <a:latin typeface="Cambria Math" panose="02040503050406030204" pitchFamily="18" charset="0"/>
+                          </a:rPr>
+                          <m:t>, </m:t>
+                        </m:r>
+                        <m:r>
+                          <a:rPr lang="en-US" altLang="zh-CN" b="0" i="1" smtClean="0">
+                            <a:latin typeface="Cambria Math" panose="02040503050406030204" pitchFamily="18" charset="0"/>
+                          </a:rPr>
+                          <m:t>𝑖𝑑</m:t>
+                        </m:r>
+                      </m:e>
+                    </m:d>
+                  </m:oMath>
+                </a14:m>
+                <a:endParaRPr lang="en-US" altLang="zh-CN" b="0" dirty="0" smtClean="0"/>
+              </a:p>
+              <a:p>
+                <a:pPr lvl="1"/>
+                <a:endParaRPr lang="en-US" altLang="zh-CN" dirty="0"/>
+              </a:p>
+              <a:p>
+                <a:r>
+                  <a:rPr lang="en-US" altLang="zh-CN" dirty="0" smtClean="0"/>
+                  <a:t>Secure Shared Memory : Inter-Enclave Communication</a:t>
+                </a:r>
+                <a:endParaRPr lang="en-US" altLang="zh-CN" dirty="0"/>
+              </a:p>
+              <a:p>
+                <a:pPr lvl="1"/>
+                <a:r>
+                  <a:rPr lang="en-US" altLang="zh-CN" dirty="0" err="1"/>
+                  <a:t>shm</a:t>
+                </a:r>
+                <a:r>
+                  <a:rPr lang="en-US" altLang="zh-CN" dirty="0"/>
+                  <a:t>-offer</a:t>
+                </a:r>
+              </a:p>
+              <a:p>
+                <a:pPr lvl="1"/>
+                <a:r>
+                  <a:rPr lang="en-US" altLang="zh-CN" dirty="0" err="1" smtClean="0"/>
+                  <a:t>shm</a:t>
+                </a:r>
+                <a:r>
+                  <a:rPr lang="en-US" altLang="zh-CN" dirty="0" smtClean="0"/>
+                  <a:t>-accept</a:t>
+                </a:r>
+              </a:p>
+              <a:p>
+                <a:pPr marL="457200" lvl="1" indent="0">
+                  <a:buNone/>
+                </a:pPr>
+                <a:endParaRPr lang="en-US" altLang="zh-CN" dirty="0"/>
+              </a:p>
+              <a:p>
+                <a:r>
+                  <a:rPr lang="en-US" altLang="zh-CN" dirty="0" smtClean="0"/>
+                  <a:t>Local Attestation</a:t>
+                </a:r>
+              </a:p>
+              <a:p>
+                <a:endParaRPr lang="en-US" altLang="zh-CN" dirty="0" smtClean="0"/>
+              </a:p>
+            </p:txBody>
+          </p:sp>
+        </mc:Choice>
+        <mc:Fallback>
+          <p:sp>
+            <p:nvSpPr>
+              <p:cNvPr id="3" name="内容占位符 2"/>
+              <p:cNvSpPr>
+                <a:spLocks noGrp="1" noRot="1" noChangeAspect="1" noMove="1" noResize="1" noEditPoints="1" noAdjustHandles="1" noChangeArrowheads="1" noChangeShapeType="1" noTextEdit="1"/>
+              </p:cNvSpPr>
+              <p:nvPr>
+                <p:ph idx="1"/>
+              </p:nvPr>
+            </p:nvSpPr>
+            <p:spPr>
+              <a:blipFill>
+                <a:blip r:embed="rId2"/>
+                <a:stretch>
+                  <a:fillRect l="-1043" t="-2521"/>
+                </a:stretch>
+              </a:blipFill>
+            </p:spPr>
+            <p:txBody>
+              <a:bodyPr/>
+              <a:lstStyle/>
+              <a:p>
+                <a:r>
+                  <a:rPr lang="zh-CN" altLang="en-US">
+                    <a:noFill/>
+                  </a:rPr>
+                  <a:t> </a:t>
+                </a:r>
+              </a:p>
+            </p:txBody>
+          </p:sp>
+        </mc:Fallback>
+      </mc:AlternateContent>
+    </p:spTree>
+    <p:extLst>
+      <p:ext uri="{BB962C8B-B14F-4D97-AF65-F5344CB8AC3E}">
+        <p14:creationId xmlns:p14="http://schemas.microsoft.com/office/powerpoint/2010/main" val="1545593971"/>
+      </p:ext>
+    </p:extLst>
+  </p:cSld>
+  <p:clrMapOvr>
+    <a:masterClrMapping/>
+  </p:clrMapOvr>
+  <p:timing>
+    <p:tnLst>
+      <p:par>
+        <p:cTn id="1" dur="indefinite" restart="never" nodeType="tmRoot"/>
+      </p:par>
+    </p:tnLst>
+  </p:timing>
+</p:sld>
+</file>
+
+<file path=ppt/slides/slide8.xml><?xml version="1.0" encoding="utf-8"?>
+<p:sld xmlns:a="http://schemas.openxmlformats.org/drawingml/2006/main" xmlns:r="http://schemas.openxmlformats.org/officeDocument/2006/relationships" xmlns:p="http://schemas.openxmlformats.org/presentationml/2006/main">
+  <p:cSld>
+    <p:spTree>
+      <p:nvGrpSpPr>
+        <p:cNvPr id="1" name=""/>
+        <p:cNvGrpSpPr/>
+        <p:nvPr/>
+      </p:nvGrpSpPr>
+      <p:grpSpPr>
+        <a:xfrm>
+          <a:off x="0" y="0"/>
+          <a:ext cx="0" cy="0"/>
+          <a:chOff x="0" y="0"/>
+          <a:chExt cx="0" cy="0"/>
+        </a:xfrm>
+      </p:grpSpPr>
+      <p:sp>
+        <p:nvSpPr>
+          <p:cNvPr id="2" name="标题 1"/>
+          <p:cNvSpPr>
+            <a:spLocks noGrp="1"/>
+          </p:cNvSpPr>
+          <p:nvPr>
+            <p:ph type="title"/>
+          </p:nvPr>
+        </p:nvSpPr>
+        <p:spPr/>
+        <p:txBody>
+          <a:bodyPr/>
+          <a:lstStyle/>
+          <a:p>
+            <a:r>
+              <a:rPr lang="en-US" altLang="zh-CN" dirty="0" smtClean="0"/>
+              <a:t>Security Analysis</a:t>
+            </a:r>
+            <a:endParaRPr lang="zh-CN" altLang="en-US" dirty="0"/>
+          </a:p>
+        </p:txBody>
+      </p:sp>
+      <p:sp>
+        <p:nvSpPr>
+          <p:cNvPr id="3" name="内容占位符 2"/>
+          <p:cNvSpPr>
+            <a:spLocks noGrp="1"/>
+          </p:cNvSpPr>
+          <p:nvPr>
+            <p:ph idx="1"/>
+          </p:nvPr>
+        </p:nvSpPr>
+        <p:spPr/>
+        <p:txBody>
+          <a:bodyPr/>
+          <a:lstStyle/>
+          <a:p>
+            <a:pPr>
+              <a:lnSpc>
+                <a:spcPct val="150000"/>
+              </a:lnSpc>
+            </a:pPr>
+            <a:r>
+              <a:rPr lang="en-US" altLang="zh-CN" dirty="0" smtClean="0"/>
+              <a:t>OS manipulation during loading? </a:t>
+            </a:r>
+            <a:r>
+              <a:rPr lang="en-US" altLang="zh-CN" dirty="0" smtClean="0">
+                <a:sym typeface="Wingdings" panose="05000000000000000000" pitchFamily="2" charset="2"/>
+              </a:rPr>
+              <a:t> load-time attestation(EID)</a:t>
+            </a:r>
+          </a:p>
+          <a:p>
+            <a:pPr>
+              <a:lnSpc>
+                <a:spcPct val="150000"/>
+              </a:lnSpc>
+            </a:pPr>
+            <a:r>
+              <a:rPr lang="en-US" altLang="zh-CN" dirty="0" smtClean="0">
+                <a:sym typeface="Wingdings" panose="05000000000000000000" pitchFamily="2" charset="2"/>
+              </a:rPr>
+              <a:t>Interruption leakage?  secure interruption</a:t>
+            </a:r>
+          </a:p>
+          <a:p>
+            <a:pPr>
+              <a:lnSpc>
+                <a:spcPct val="150000"/>
+              </a:lnSpc>
+            </a:pPr>
+            <a:r>
+              <a:rPr lang="en-US" altLang="zh-CN" dirty="0" smtClean="0">
+                <a:sym typeface="Wingdings" panose="05000000000000000000" pitchFamily="2" charset="2"/>
+              </a:rPr>
+              <a:t>Shared memory misuse?  mutual authentication</a:t>
+            </a:r>
+          </a:p>
+          <a:p>
+            <a:pPr>
+              <a:lnSpc>
+                <a:spcPct val="150000"/>
+              </a:lnSpc>
+            </a:pPr>
+            <a:r>
+              <a:rPr lang="en-US" altLang="zh-CN" dirty="0" err="1" smtClean="0">
+                <a:sym typeface="Wingdings" panose="05000000000000000000" pitchFamily="2" charset="2"/>
+              </a:rPr>
+              <a:t>TagRoot’s</a:t>
+            </a:r>
+            <a:r>
+              <a:rPr lang="en-US" altLang="zh-CN" dirty="0" smtClean="0">
+                <a:sym typeface="Wingdings" panose="05000000000000000000" pitchFamily="2" charset="2"/>
+              </a:rPr>
+              <a:t> integrity?  isolation via TS-tag</a:t>
+            </a:r>
+            <a:endParaRPr lang="zh-CN" altLang="en-US" dirty="0"/>
+          </a:p>
+        </p:txBody>
+      </p:sp>
+    </p:spTree>
+    <p:extLst>
+      <p:ext uri="{BB962C8B-B14F-4D97-AF65-F5344CB8AC3E}">
+        <p14:creationId xmlns:p14="http://schemas.microsoft.com/office/powerpoint/2010/main" val="3398676782"/>
+      </p:ext>
+    </p:extLst>
+  </p:cSld>
+  <p:clrMapOvr>
+    <a:masterClrMapping/>
+  </p:clrMapOvr>
+  <p:timing>
+    <p:tnLst>
+      <p:par>
+        <p:cTn id="1" dur="indefinite" restart="never" nodeType="tmRoot"/>
+      </p:par>
+    </p:tnLst>
+  </p:timing>
+</p:sld>
+</file>
+
+<file path=ppt/slides/slide9.xml><?xml version="1.0" encoding="utf-8"?>
+<p:sld xmlns:a="http://schemas.openxmlformats.org/drawingml/2006/main" xmlns:r="http://schemas.openxmlformats.org/officeDocument/2006/relationships" xmlns:p="http://schemas.openxmlformats.org/presentationml/2006/main">
+  <p:cSld>
+    <p:spTree>
+      <p:nvGrpSpPr>
+        <p:cNvPr id="1" name=""/>
+        <p:cNvGrpSpPr/>
+        <p:nvPr/>
+      </p:nvGrpSpPr>
+      <p:grpSpPr>
+        <a:xfrm>
+          <a:off x="0" y="0"/>
+          <a:ext cx="0" cy="0"/>
+          <a:chOff x="0" y="0"/>
+          <a:chExt cx="0" cy="0"/>
+        </a:xfrm>
+      </p:grpSpPr>
+      <p:sp>
+        <p:nvSpPr>
+          <p:cNvPr id="2" name="标题 1"/>
+          <p:cNvSpPr>
+            <a:spLocks noGrp="1"/>
+          </p:cNvSpPr>
+          <p:nvPr>
+            <p:ph type="title"/>
+          </p:nvPr>
+        </p:nvSpPr>
+        <p:spPr/>
+        <p:txBody>
+          <a:bodyPr/>
+          <a:lstStyle/>
+          <a:p>
+            <a:r>
+              <a:rPr lang="en-US" altLang="zh-CN" dirty="0" smtClean="0"/>
+              <a:t>Evaluation</a:t>
+            </a:r>
+            <a:endParaRPr lang="zh-CN" altLang="en-US" dirty="0"/>
+          </a:p>
+        </p:txBody>
+      </p:sp>
+      <p:pic>
+        <p:nvPicPr>
+          <p:cNvPr id="4" name="图片 3"/>
+          <p:cNvPicPr>
+            <a:picLocks noChangeAspect="1"/>
+          </p:cNvPicPr>
+          <p:nvPr/>
+        </p:nvPicPr>
+        <p:blipFill>
+          <a:blip r:embed="rId2"/>
+          <a:stretch>
+            <a:fillRect/>
+          </a:stretch>
+        </p:blipFill>
+        <p:spPr>
+          <a:xfrm>
+            <a:off x="5717432" y="1690688"/>
+            <a:ext cx="5636368" cy="4710112"/>
+          </a:xfrm>
+          <a:prstGeom prst="rect">
+            <a:avLst/>
+          </a:prstGeom>
+        </p:spPr>
+      </p:pic>
+      <p:sp>
+        <p:nvSpPr>
+          <p:cNvPr id="5" name="内容占位符 2"/>
+          <p:cNvSpPr>
+            <a:spLocks noGrp="1"/>
+          </p:cNvSpPr>
+          <p:nvPr>
+            <p:ph idx="1"/>
+          </p:nvPr>
+        </p:nvSpPr>
+        <p:spPr>
+          <a:xfrm>
+            <a:off x="838200" y="1825625"/>
+            <a:ext cx="10515600" cy="4351338"/>
+          </a:xfrm>
+        </p:spPr>
+        <p:txBody>
+          <a:bodyPr/>
+          <a:lstStyle/>
+          <a:p>
+            <a:pPr>
+              <a:lnSpc>
+                <a:spcPct val="150000"/>
+              </a:lnSpc>
+            </a:pPr>
+            <a:r>
+              <a:rPr lang="en-US" altLang="zh-CN" dirty="0" smtClean="0"/>
+              <a:t>Performance</a:t>
+            </a:r>
+          </a:p>
+          <a:p>
+            <a:pPr>
+              <a:lnSpc>
+                <a:spcPct val="150000"/>
+              </a:lnSpc>
+            </a:pPr>
+            <a:r>
+              <a:rPr lang="en-US" altLang="zh-CN" dirty="0" smtClean="0"/>
+              <a:t>TagRoot code size</a:t>
+            </a:r>
+            <a:endParaRPr lang="zh-CN" altLang="en-US" dirty="0"/>
+          </a:p>
+        </p:txBody>
+      </p:sp>
+    </p:spTree>
+    <p:extLst>
+      <p:ext uri="{BB962C8B-B14F-4D97-AF65-F5344CB8AC3E}">
+        <p14:creationId xmlns:p14="http://schemas.microsoft.com/office/powerpoint/2010/main" val="3495994797"/>
+      </p:ext>
+    </p:extLst>
+  </p:cSld>
+  <p:clrMapOvr>
+    <a:masterClrMapping/>
+  </p:clrMapOvr>
+  <p:timing>
+    <p:tnLst>
+      <p:par>
+        <p:cTn id="1" dur="indefinite" restart="never" nodeType="tmRoot"/>
+      </p:par>
+    </p:tnLst>
+  </p:timing>
 </p:sld>
 </file>
 

--- a/新建 Microsoft PowerPoint 演示文稿.pptx
+++ b/新建 Microsoft PowerPoint 演示文稿.pptx
@@ -4,12 +4,21 @@
   <p:sldMasterIdLst>
     <p:sldMasterId id="2147483648" r:id="rId1"/>
   </p:sldMasterIdLst>
+  <p:notesMasterIdLst>
+    <p:notesMasterId r:id="rId13"/>
+  </p:notesMasterIdLst>
   <p:sldIdLst>
     <p:sldId id="256" r:id="rId2"/>
     <p:sldId id="257" r:id="rId3"/>
     <p:sldId id="260" r:id="rId4"/>
     <p:sldId id="258" r:id="rId5"/>
     <p:sldId id="259" r:id="rId6"/>
+    <p:sldId id="262" r:id="rId7"/>
+    <p:sldId id="263" r:id="rId8"/>
+    <p:sldId id="264" r:id="rId9"/>
+    <p:sldId id="261" r:id="rId10"/>
+    <p:sldId id="266" r:id="rId11"/>
+    <p:sldId id="265" r:id="rId12"/>
   </p:sldIdLst>
   <p:sldSz cx="12192000" cy="6858000"/>
   <p:notesSz cx="6858000" cy="9144000"/>
@@ -128,8 +137,8 @@
 <pc:chgInfo xmlns:a="http://schemas.openxmlformats.org/drawingml/2006/main" xmlns:r="http://schemas.openxmlformats.org/officeDocument/2006/relationships" xmlns:ac="http://schemas.microsoft.com/office/drawing/2013/main/command" xmlns:pc="http://schemas.microsoft.com/office/powerpoint/2013/main/command">
   <pc:docChgLst>
     <pc:chgData name="0308 Phantom" userId="d189c7b077a883f0" providerId="LiveId" clId="{CCB372FA-C8CD-4060-9A70-83504401E0E3}"/>
-    <pc:docChg chg="undo custSel addSld modSld">
-      <pc:chgData name="0308 Phantom" userId="d189c7b077a883f0" providerId="LiveId" clId="{CCB372FA-C8CD-4060-9A70-83504401E0E3}" dt="2019-03-30T12:14:30.127" v="526" actId="1076"/>
+    <pc:docChg chg="undo custSel addSld delSld modSld sldOrd">
+      <pc:chgData name="0308 Phantom" userId="d189c7b077a883f0" providerId="LiveId" clId="{CCB372FA-C8CD-4060-9A70-83504401E0E3}" dt="2019-03-30T13:49:40.935" v="1138" actId="1076"/>
       <pc:docMkLst>
         <pc:docMk/>
       </pc:docMkLst>
@@ -275,8 +284,8 @@
           </ac:spMkLst>
         </pc:spChg>
       </pc:sldChg>
-      <pc:sldChg chg="addSp delSp modSp">
-        <pc:chgData name="0308 Phantom" userId="d189c7b077a883f0" providerId="LiveId" clId="{CCB372FA-C8CD-4060-9A70-83504401E0E3}" dt="2019-03-30T12:14:30.127" v="526" actId="1076"/>
+      <pc:sldChg chg="addSp delSp modSp ord modNotesTx">
+        <pc:chgData name="0308 Phantom" userId="d189c7b077a883f0" providerId="LiveId" clId="{CCB372FA-C8CD-4060-9A70-83504401E0E3}" dt="2019-03-30T13:05:13.212" v="772" actId="20577"/>
         <pc:sldMkLst>
           <pc:docMk/>
           <pc:sldMk cId="728413835" sldId="259"/>
@@ -305,8 +314,8 @@
             <ac:spMk id="6" creationId="{BD7792EA-AD3F-4B71-BA8C-C4720961EAB8}"/>
           </ac:spMkLst>
         </pc:spChg>
-        <pc:spChg chg="add mod">
-          <ac:chgData name="0308 Phantom" userId="d189c7b077a883f0" providerId="LiveId" clId="{CCB372FA-C8CD-4060-9A70-83504401E0E3}" dt="2019-03-30T12:12:27.696" v="508" actId="1076"/>
+        <pc:spChg chg="add del mod">
+          <ac:chgData name="0308 Phantom" userId="d189c7b077a883f0" providerId="LiveId" clId="{CCB372FA-C8CD-4060-9A70-83504401E0E3}" dt="2019-03-30T12:39:11.088" v="557" actId="478"/>
           <ac:spMkLst>
             <pc:docMk/>
             <pc:sldMk cId="728413835" sldId="259"/>
@@ -321,24 +330,40 @@
             <ac:spMk id="11" creationId="{22F619C2-FA00-4B9D-BD26-C1F78933DBC0}"/>
           </ac:spMkLst>
         </pc:spChg>
-        <pc:spChg chg="add mod">
-          <ac:chgData name="0308 Phantom" userId="d189c7b077a883f0" providerId="LiveId" clId="{CCB372FA-C8CD-4060-9A70-83504401E0E3}" dt="2019-03-30T12:12:27.696" v="508" actId="1076"/>
+        <pc:spChg chg="add del mod">
+          <ac:chgData name="0308 Phantom" userId="d189c7b077a883f0" providerId="LiveId" clId="{CCB372FA-C8CD-4060-9A70-83504401E0E3}" dt="2019-03-30T12:39:13.594" v="558" actId="478"/>
           <ac:spMkLst>
             <pc:docMk/>
             <pc:sldMk cId="728413835" sldId="259"/>
             <ac:spMk id="12" creationId="{531E07F0-455D-4FDC-B910-55383DE11922}"/>
           </ac:spMkLst>
         </pc:spChg>
-        <pc:spChg chg="add mod">
-          <ac:chgData name="0308 Phantom" userId="d189c7b077a883f0" providerId="LiveId" clId="{CCB372FA-C8CD-4060-9A70-83504401E0E3}" dt="2019-03-30T12:13:32.062" v="518" actId="1076"/>
+        <pc:spChg chg="add del mod">
+          <ac:chgData name="0308 Phantom" userId="d189c7b077a883f0" providerId="LiveId" clId="{CCB372FA-C8CD-4060-9A70-83504401E0E3}" dt="2019-03-30T12:40:58.272" v="565"/>
           <ac:spMkLst>
             <pc:docMk/>
             <pc:sldMk cId="728413835" sldId="259"/>
             <ac:spMk id="13" creationId="{0A71F44D-D852-4ACA-BDB9-3C75ACB5768A}"/>
           </ac:spMkLst>
         </pc:spChg>
-        <pc:picChg chg="add mod">
-          <ac:chgData name="0308 Phantom" userId="d189c7b077a883f0" providerId="LiveId" clId="{CCB372FA-C8CD-4060-9A70-83504401E0E3}" dt="2019-03-30T12:12:27.696" v="508" actId="1076"/>
+        <pc:spChg chg="add del mod">
+          <ac:chgData name="0308 Phantom" userId="d189c7b077a883f0" providerId="LiveId" clId="{CCB372FA-C8CD-4060-9A70-83504401E0E3}" dt="2019-03-30T12:41:01.698" v="567" actId="478"/>
+          <ac:spMkLst>
+            <pc:docMk/>
+            <pc:sldMk cId="728413835" sldId="259"/>
+            <ac:spMk id="16" creationId="{80A0D88E-19AD-4C9A-AD4E-537725B15A72}"/>
+          </ac:spMkLst>
+        </pc:spChg>
+        <pc:spChg chg="add mod">
+          <ac:chgData name="0308 Phantom" userId="d189c7b077a883f0" providerId="LiveId" clId="{CCB372FA-C8CD-4060-9A70-83504401E0E3}" dt="2019-03-30T13:05:13.212" v="772" actId="20577"/>
+          <ac:spMkLst>
+            <pc:docMk/>
+            <pc:sldMk cId="728413835" sldId="259"/>
+            <ac:spMk id="17" creationId="{C9B37487-63F1-4622-9B5C-06FC9E7D4799}"/>
+          </ac:spMkLst>
+        </pc:spChg>
+        <pc:picChg chg="add del mod">
+          <ac:chgData name="0308 Phantom" userId="d189c7b077a883f0" providerId="LiveId" clId="{CCB372FA-C8CD-4060-9A70-83504401E0E3}" dt="2019-03-30T12:39:06.720" v="556" actId="478"/>
           <ac:picMkLst>
             <pc:docMk/>
             <pc:sldMk cId="728413835" sldId="259"/>
@@ -353,8 +378,8 @@
             <ac:picMk id="5" creationId="{DF6B75A4-6D4A-4792-99E9-E25B8169575B}"/>
           </ac:picMkLst>
         </pc:picChg>
-        <pc:picChg chg="add mod">
-          <ac:chgData name="0308 Phantom" userId="d189c7b077a883f0" providerId="LiveId" clId="{CCB372FA-C8CD-4060-9A70-83504401E0E3}" dt="2019-03-30T12:12:34.638" v="509" actId="1076"/>
+        <pc:picChg chg="add del mod">
+          <ac:chgData name="0308 Phantom" userId="d189c7b077a883f0" providerId="LiveId" clId="{CCB372FA-C8CD-4060-9A70-83504401E0E3}" dt="2019-03-30T12:40:35.875" v="559" actId="478"/>
           <ac:picMkLst>
             <pc:docMk/>
             <pc:sldMk cId="728413835" sldId="259"/>
@@ -369,25 +394,33 @@
             <ac:picMk id="8" creationId="{794392B0-144B-4522-ABFE-C55D5EC61CEA}"/>
           </ac:picMkLst>
         </pc:picChg>
-        <pc:picChg chg="add mod modCrop">
-          <ac:chgData name="0308 Phantom" userId="d189c7b077a883f0" providerId="LiveId" clId="{CCB372FA-C8CD-4060-9A70-83504401E0E3}" dt="2019-03-30T12:14:30.127" v="526" actId="1076"/>
+        <pc:picChg chg="add del mod modCrop">
+          <ac:chgData name="0308 Phantom" userId="d189c7b077a883f0" providerId="LiveId" clId="{CCB372FA-C8CD-4060-9A70-83504401E0E3}" dt="2019-03-30T12:40:58.260" v="563" actId="478"/>
           <ac:picMkLst>
             <pc:docMk/>
             <pc:sldMk cId="728413835" sldId="259"/>
             <ac:picMk id="9" creationId="{75915759-9F45-4B6D-B2CE-052CED53E042}"/>
           </ac:picMkLst>
         </pc:picChg>
-        <pc:picChg chg="add mod">
-          <ac:chgData name="0308 Phantom" userId="d189c7b077a883f0" providerId="LiveId" clId="{CCB372FA-C8CD-4060-9A70-83504401E0E3}" dt="2019-03-30T12:14:07.430" v="524" actId="1076"/>
+        <pc:picChg chg="add del mod">
+          <ac:chgData name="0308 Phantom" userId="d189c7b077a883f0" providerId="LiveId" clId="{CCB372FA-C8CD-4060-9A70-83504401E0E3}" dt="2019-03-30T12:43:06.542" v="645"/>
           <ac:picMkLst>
             <pc:docMk/>
             <pc:sldMk cId="728413835" sldId="259"/>
             <ac:picMk id="14" creationId="{DBFAB888-7F8B-4DE2-9816-0D02D214E2C8}"/>
           </ac:picMkLst>
         </pc:picChg>
+        <pc:picChg chg="add mod">
+          <ac:chgData name="0308 Phantom" userId="d189c7b077a883f0" providerId="LiveId" clId="{CCB372FA-C8CD-4060-9A70-83504401E0E3}" dt="2019-03-30T13:05:11.401" v="771" actId="1076"/>
+          <ac:picMkLst>
+            <pc:docMk/>
+            <pc:sldMk cId="728413835" sldId="259"/>
+            <ac:picMk id="18" creationId="{50F8469C-6679-431E-ACA6-176B7867DB47}"/>
+          </ac:picMkLst>
+        </pc:picChg>
       </pc:sldChg>
-      <pc:sldChg chg="modSp add">
-        <pc:chgData name="0308 Phantom" userId="d189c7b077a883f0" providerId="LiveId" clId="{CCB372FA-C8CD-4060-9A70-83504401E0E3}" dt="2019-03-30T11:28:17.403" v="260" actId="6549"/>
+      <pc:sldChg chg="addSp modSp add">
+        <pc:chgData name="0308 Phantom" userId="d189c7b077a883f0" providerId="LiveId" clId="{CCB372FA-C8CD-4060-9A70-83504401E0E3}" dt="2019-03-30T12:17:05.005" v="541" actId="113"/>
         <pc:sldMkLst>
           <pc:docMk/>
           <pc:sldMk cId="2262985119" sldId="260"/>
@@ -408,6 +441,303 @@
             <ac:spMk id="3" creationId="{2B4F8F6E-0F47-423C-A04E-9ADF85EACD9E}"/>
           </ac:spMkLst>
         </pc:spChg>
+        <pc:spChg chg="add mod">
+          <ac:chgData name="0308 Phantom" userId="d189c7b077a883f0" providerId="LiveId" clId="{CCB372FA-C8CD-4060-9A70-83504401E0E3}" dt="2019-03-30T12:17:05.005" v="541" actId="113"/>
+          <ac:spMkLst>
+            <pc:docMk/>
+            <pc:sldMk cId="2262985119" sldId="260"/>
+            <ac:spMk id="4" creationId="{EC5A6D9B-E6D7-4513-AEC5-B06014512410}"/>
+          </ac:spMkLst>
+        </pc:spChg>
+      </pc:sldChg>
+      <pc:sldChg chg="addSp delSp modSp add modNotesTx">
+        <pc:chgData name="0308 Phantom" userId="d189c7b077a883f0" providerId="LiveId" clId="{CCB372FA-C8CD-4060-9A70-83504401E0E3}" dt="2019-03-30T12:50:33.472" v="749" actId="6549"/>
+        <pc:sldMkLst>
+          <pc:docMk/>
+          <pc:sldMk cId="4027224355" sldId="261"/>
+        </pc:sldMkLst>
+        <pc:spChg chg="mod">
+          <ac:chgData name="0308 Phantom" userId="d189c7b077a883f0" providerId="LiveId" clId="{CCB372FA-C8CD-4060-9A70-83504401E0E3}" dt="2019-03-30T12:15:17.404" v="528"/>
+          <ac:spMkLst>
+            <pc:docMk/>
+            <pc:sldMk cId="4027224355" sldId="261"/>
+            <ac:spMk id="2" creationId="{6FF7B7ED-7385-4C01-A9E6-53567B6BEEEB}"/>
+          </ac:spMkLst>
+        </pc:spChg>
+        <pc:spChg chg="del">
+          <ac:chgData name="0308 Phantom" userId="d189c7b077a883f0" providerId="LiveId" clId="{CCB372FA-C8CD-4060-9A70-83504401E0E3}" dt="2019-03-30T12:15:37.629" v="529"/>
+          <ac:spMkLst>
+            <pc:docMk/>
+            <pc:sldMk cId="4027224355" sldId="261"/>
+            <ac:spMk id="3" creationId="{33DDF142-8681-4E88-B3FF-6D64D2AB5A77}"/>
+          </ac:spMkLst>
+        </pc:spChg>
+        <pc:picChg chg="add mod">
+          <ac:chgData name="0308 Phantom" userId="d189c7b077a883f0" providerId="LiveId" clId="{CCB372FA-C8CD-4060-9A70-83504401E0E3}" dt="2019-03-30T12:15:41.589" v="530" actId="1076"/>
+          <ac:picMkLst>
+            <pc:docMk/>
+            <pc:sldMk cId="4027224355" sldId="261"/>
+            <ac:picMk id="4" creationId="{7267F75D-08FC-4F28-9277-FE12CF803451}"/>
+          </ac:picMkLst>
+        </pc:picChg>
+      </pc:sldChg>
+      <pc:sldChg chg="addSp delSp modSp add ord">
+        <pc:chgData name="0308 Phantom" userId="d189c7b077a883f0" providerId="LiveId" clId="{CCB372FA-C8CD-4060-9A70-83504401E0E3}" dt="2019-03-30T12:43:26.180" v="653" actId="1076"/>
+        <pc:sldMkLst>
+          <pc:docMk/>
+          <pc:sldMk cId="339623835" sldId="262"/>
+        </pc:sldMkLst>
+        <pc:spChg chg="mod">
+          <ac:chgData name="0308 Phantom" userId="d189c7b077a883f0" providerId="LiveId" clId="{CCB372FA-C8CD-4060-9A70-83504401E0E3}" dt="2019-03-30T12:43:22.660" v="652" actId="1076"/>
+          <ac:spMkLst>
+            <pc:docMk/>
+            <pc:sldMk cId="339623835" sldId="262"/>
+            <ac:spMk id="13" creationId="{0A71F44D-D852-4ACA-BDB9-3C75ACB5768A}"/>
+          </ac:spMkLst>
+        </pc:spChg>
+        <pc:picChg chg="mod">
+          <ac:chgData name="0308 Phantom" userId="d189c7b077a883f0" providerId="LiveId" clId="{CCB372FA-C8CD-4060-9A70-83504401E0E3}" dt="2019-03-30T12:43:17.836" v="650" actId="1076"/>
+          <ac:picMkLst>
+            <pc:docMk/>
+            <pc:sldMk cId="339623835" sldId="262"/>
+            <ac:picMk id="7" creationId="{15CE6B75-D357-47EE-AC9B-E06F9ECFC896}"/>
+          </ac:picMkLst>
+        </pc:picChg>
+        <pc:picChg chg="mod">
+          <ac:chgData name="0308 Phantom" userId="d189c7b077a883f0" providerId="LiveId" clId="{CCB372FA-C8CD-4060-9A70-83504401E0E3}" dt="2019-03-30T12:43:19.603" v="651" actId="1076"/>
+          <ac:picMkLst>
+            <pc:docMk/>
+            <pc:sldMk cId="339623835" sldId="262"/>
+            <ac:picMk id="9" creationId="{75915759-9F45-4B6D-B2CE-052CED53E042}"/>
+          </ac:picMkLst>
+        </pc:picChg>
+        <pc:picChg chg="add mod">
+          <ac:chgData name="0308 Phantom" userId="d189c7b077a883f0" providerId="LiveId" clId="{CCB372FA-C8CD-4060-9A70-83504401E0E3}" dt="2019-03-30T12:43:26.180" v="653" actId="1076"/>
+          <ac:picMkLst>
+            <pc:docMk/>
+            <pc:sldMk cId="339623835" sldId="262"/>
+            <ac:picMk id="11" creationId="{32707989-2EC6-4E18-B74B-57A69B44CD20}"/>
+          </ac:picMkLst>
+        </pc:picChg>
+        <pc:picChg chg="del">
+          <ac:chgData name="0308 Phantom" userId="d189c7b077a883f0" providerId="LiveId" clId="{CCB372FA-C8CD-4060-9A70-83504401E0E3}" dt="2019-03-30T12:31:18.240" v="551" actId="478"/>
+          <ac:picMkLst>
+            <pc:docMk/>
+            <pc:sldMk cId="339623835" sldId="262"/>
+            <ac:picMk id="14" creationId="{DBFAB888-7F8B-4DE2-9816-0D02D214E2C8}"/>
+          </ac:picMkLst>
+        </pc:picChg>
+      </pc:sldChg>
+      <pc:sldChg chg="addSp delSp modSp add del modNotesTx">
+        <pc:chgData name="0308 Phantom" userId="d189c7b077a883f0" providerId="LiveId" clId="{CCB372FA-C8CD-4060-9A70-83504401E0E3}" dt="2019-03-30T13:17:22.908" v="782" actId="2696"/>
+        <pc:sldMkLst>
+          <pc:docMk/>
+          <pc:sldMk cId="122240134" sldId="263"/>
+        </pc:sldMkLst>
+        <pc:spChg chg="add mod">
+          <ac:chgData name="0308 Phantom" userId="d189c7b077a883f0" providerId="LiveId" clId="{CCB372FA-C8CD-4060-9A70-83504401E0E3}" dt="2019-03-30T13:10:54.567" v="778" actId="478"/>
+          <ac:spMkLst>
+            <pc:docMk/>
+            <pc:sldMk cId="122240134" sldId="263"/>
+            <ac:spMk id="5" creationId="{B4630896-9AFF-4485-A168-61BA618F5F48}"/>
+          </ac:spMkLst>
+        </pc:spChg>
+        <pc:spChg chg="del">
+          <ac:chgData name="0308 Phantom" userId="d189c7b077a883f0" providerId="LiveId" clId="{CCB372FA-C8CD-4060-9A70-83504401E0E3}" dt="2019-03-30T13:10:56.753" v="779" actId="478"/>
+          <ac:spMkLst>
+            <pc:docMk/>
+            <pc:sldMk cId="122240134" sldId="263"/>
+            <ac:spMk id="10" creationId="{B35E7A2A-629F-41E3-B8AD-75DCB2E0349A}"/>
+          </ac:spMkLst>
+        </pc:spChg>
+        <pc:spChg chg="del">
+          <ac:chgData name="0308 Phantom" userId="d189c7b077a883f0" providerId="LiveId" clId="{CCB372FA-C8CD-4060-9A70-83504401E0E3}" dt="2019-03-30T13:10:57.497" v="780" actId="478"/>
+          <ac:spMkLst>
+            <pc:docMk/>
+            <pc:sldMk cId="122240134" sldId="263"/>
+            <ac:spMk id="12" creationId="{531E07F0-455D-4FDC-B910-55383DE11922}"/>
+          </ac:spMkLst>
+        </pc:spChg>
+        <pc:spChg chg="del">
+          <ac:chgData name="0308 Phantom" userId="d189c7b077a883f0" providerId="LiveId" clId="{CCB372FA-C8CD-4060-9A70-83504401E0E3}" dt="2019-03-30T13:10:52.481" v="775" actId="478"/>
+          <ac:spMkLst>
+            <pc:docMk/>
+            <pc:sldMk cId="122240134" sldId="263"/>
+            <ac:spMk id="13" creationId="{0A71F44D-D852-4ACA-BDB9-3C75ACB5768A}"/>
+          </ac:spMkLst>
+        </pc:spChg>
+        <pc:picChg chg="del">
+          <ac:chgData name="0308 Phantom" userId="d189c7b077a883f0" providerId="LiveId" clId="{CCB372FA-C8CD-4060-9A70-83504401E0E3}" dt="2019-03-30T13:10:54.567" v="778" actId="478"/>
+          <ac:picMkLst>
+            <pc:docMk/>
+            <pc:sldMk cId="122240134" sldId="263"/>
+            <ac:picMk id="4" creationId="{26C4BACA-BBA6-4D67-ADC4-F58675B4299A}"/>
+          </ac:picMkLst>
+        </pc:picChg>
+        <pc:picChg chg="del">
+          <ac:chgData name="0308 Phantom" userId="d189c7b077a883f0" providerId="LiveId" clId="{CCB372FA-C8CD-4060-9A70-83504401E0E3}" dt="2019-03-30T13:10:53.688" v="777" actId="478"/>
+          <ac:picMkLst>
+            <pc:docMk/>
+            <pc:sldMk cId="122240134" sldId="263"/>
+            <ac:picMk id="7" creationId="{15CE6B75-D357-47EE-AC9B-E06F9ECFC896}"/>
+          </ac:picMkLst>
+        </pc:picChg>
+        <pc:picChg chg="del">
+          <ac:chgData name="0308 Phantom" userId="d189c7b077a883f0" providerId="LiveId" clId="{CCB372FA-C8CD-4060-9A70-83504401E0E3}" dt="2019-03-30T13:10:51.097" v="774" actId="478"/>
+          <ac:picMkLst>
+            <pc:docMk/>
+            <pc:sldMk cId="122240134" sldId="263"/>
+            <ac:picMk id="9" creationId="{75915759-9F45-4B6D-B2CE-052CED53E042}"/>
+          </ac:picMkLst>
+        </pc:picChg>
+        <pc:picChg chg="del">
+          <ac:chgData name="0308 Phantom" userId="d189c7b077a883f0" providerId="LiveId" clId="{CCB372FA-C8CD-4060-9A70-83504401E0E3}" dt="2019-03-30T13:10:53.073" v="776" actId="478"/>
+          <ac:picMkLst>
+            <pc:docMk/>
+            <pc:sldMk cId="122240134" sldId="263"/>
+            <ac:picMk id="11" creationId="{32707989-2EC6-4E18-B74B-57A69B44CD20}"/>
+          </ac:picMkLst>
+        </pc:picChg>
+      </pc:sldChg>
+      <pc:sldChg chg="modSp add ord modNotesTx">
+        <pc:chgData name="0308 Phantom" userId="d189c7b077a883f0" providerId="LiveId" clId="{CCB372FA-C8CD-4060-9A70-83504401E0E3}" dt="2019-03-30T13:35:08.656" v="1029"/>
+        <pc:sldMkLst>
+          <pc:docMk/>
+          <pc:sldMk cId="604618024" sldId="263"/>
+        </pc:sldMkLst>
+        <pc:spChg chg="mod">
+          <ac:chgData name="0308 Phantom" userId="d189c7b077a883f0" providerId="LiveId" clId="{CCB372FA-C8CD-4060-9A70-83504401E0E3}" dt="2019-03-30T13:31:00.552" v="1000"/>
+          <ac:spMkLst>
+            <pc:docMk/>
+            <pc:sldMk cId="604618024" sldId="263"/>
+            <ac:spMk id="2" creationId="{3260E7B0-F99C-4356-B2EE-771F102484D2}"/>
+          </ac:spMkLst>
+        </pc:spChg>
+        <pc:spChg chg="mod">
+          <ac:chgData name="0308 Phantom" userId="d189c7b077a883f0" providerId="LiveId" clId="{CCB372FA-C8CD-4060-9A70-83504401E0E3}" dt="2019-03-30T13:30:40.152" v="999" actId="5793"/>
+          <ac:spMkLst>
+            <pc:docMk/>
+            <pc:sldMk cId="604618024" sldId="263"/>
+            <ac:spMk id="3" creationId="{694439DE-C8E5-4E28-8C34-E64582D2689C}"/>
+          </ac:spMkLst>
+        </pc:spChg>
+      </pc:sldChg>
+      <pc:sldChg chg="addSp modSp add">
+        <pc:chgData name="0308 Phantom" userId="d189c7b077a883f0" providerId="LiveId" clId="{CCB372FA-C8CD-4060-9A70-83504401E0E3}" dt="2019-03-30T13:40:07.792" v="1111" actId="1076"/>
+        <pc:sldMkLst>
+          <pc:docMk/>
+          <pc:sldMk cId="1878355151" sldId="264"/>
+        </pc:sldMkLst>
+        <pc:spChg chg="mod">
+          <ac:chgData name="0308 Phantom" userId="d189c7b077a883f0" providerId="LiveId" clId="{CCB372FA-C8CD-4060-9A70-83504401E0E3}" dt="2019-03-30T13:23:15.589" v="857"/>
+          <ac:spMkLst>
+            <pc:docMk/>
+            <pc:sldMk cId="1878355151" sldId="264"/>
+            <ac:spMk id="2" creationId="{574D70BD-AB94-402B-B5FE-FFCFE07C6DE1}"/>
+          </ac:spMkLst>
+        </pc:spChg>
+        <pc:spChg chg="mod">
+          <ac:chgData name="0308 Phantom" userId="d189c7b077a883f0" providerId="LiveId" clId="{CCB372FA-C8CD-4060-9A70-83504401E0E3}" dt="2019-03-30T13:40:05.799" v="1110" actId="1076"/>
+          <ac:spMkLst>
+            <pc:docMk/>
+            <pc:sldMk cId="1878355151" sldId="264"/>
+            <ac:spMk id="3" creationId="{251B5A8E-B5B4-43CB-A9B8-BC8683A8F236}"/>
+          </ac:spMkLst>
+        </pc:spChg>
+        <pc:picChg chg="add mod">
+          <ac:chgData name="0308 Phantom" userId="d189c7b077a883f0" providerId="LiveId" clId="{CCB372FA-C8CD-4060-9A70-83504401E0E3}" dt="2019-03-30T13:40:07.792" v="1111" actId="1076"/>
+          <ac:picMkLst>
+            <pc:docMk/>
+            <pc:sldMk cId="1878355151" sldId="264"/>
+            <ac:picMk id="4" creationId="{DCE3436C-02FF-4495-8808-C368534861F0}"/>
+          </ac:picMkLst>
+        </pc:picChg>
+      </pc:sldChg>
+      <pc:sldChg chg="addSp delSp modSp add">
+        <pc:chgData name="0308 Phantom" userId="d189c7b077a883f0" providerId="LiveId" clId="{CCB372FA-C8CD-4060-9A70-83504401E0E3}" dt="2019-03-30T13:49:40.935" v="1138" actId="1076"/>
+        <pc:sldMkLst>
+          <pc:docMk/>
+          <pc:sldMk cId="880744957" sldId="265"/>
+        </pc:sldMkLst>
+        <pc:spChg chg="mod">
+          <ac:chgData name="0308 Phantom" userId="d189c7b077a883f0" providerId="LiveId" clId="{CCB372FA-C8CD-4060-9A70-83504401E0E3}" dt="2019-03-30T13:40:55.973" v="1113"/>
+          <ac:spMkLst>
+            <pc:docMk/>
+            <pc:sldMk cId="880744957" sldId="265"/>
+            <ac:spMk id="2" creationId="{D245DDAE-3741-4EDF-B59B-C7FD50FE0607}"/>
+          </ac:spMkLst>
+        </pc:spChg>
+        <pc:spChg chg="del">
+          <ac:chgData name="0308 Phantom" userId="d189c7b077a883f0" providerId="LiveId" clId="{CCB372FA-C8CD-4060-9A70-83504401E0E3}" dt="2019-03-30T13:46:25.166" v="1120"/>
+          <ac:spMkLst>
+            <pc:docMk/>
+            <pc:sldMk cId="880744957" sldId="265"/>
+            <ac:spMk id="3" creationId="{597F1100-6D3F-49F3-976D-D3DD82C710CE}"/>
+          </ac:spMkLst>
+        </pc:spChg>
+        <pc:picChg chg="add mod modCrop">
+          <ac:chgData name="0308 Phantom" userId="d189c7b077a883f0" providerId="LiveId" clId="{CCB372FA-C8CD-4060-9A70-83504401E0E3}" dt="2019-03-30T13:49:40.935" v="1138" actId="1076"/>
+          <ac:picMkLst>
+            <pc:docMk/>
+            <pc:sldMk cId="880744957" sldId="265"/>
+            <ac:picMk id="4" creationId="{DAEAC3D3-7B5B-45EA-8D4D-5CA8C803339C}"/>
+          </ac:picMkLst>
+        </pc:picChg>
+        <pc:picChg chg="add mod">
+          <ac:chgData name="0308 Phantom" userId="d189c7b077a883f0" providerId="LiveId" clId="{CCB372FA-C8CD-4060-9A70-83504401E0E3}" dt="2019-03-30T13:47:55.807" v="1130" actId="1076"/>
+          <ac:picMkLst>
+            <pc:docMk/>
+            <pc:sldMk cId="880744957" sldId="265"/>
+            <ac:picMk id="2050" creationId="{C747A81E-E7DD-4210-8F7C-733BA29D7732}"/>
+          </ac:picMkLst>
+        </pc:picChg>
+        <pc:picChg chg="add mod">
+          <ac:chgData name="0308 Phantom" userId="d189c7b077a883f0" providerId="LiveId" clId="{CCB372FA-C8CD-4060-9A70-83504401E0E3}" dt="2019-03-30T13:48:01.141" v="1132" actId="1076"/>
+          <ac:picMkLst>
+            <pc:docMk/>
+            <pc:sldMk cId="880744957" sldId="265"/>
+            <ac:picMk id="2052" creationId="{3DCF8941-8A3F-4FCC-B62B-944CBE02F4D9}"/>
+          </ac:picMkLst>
+        </pc:picChg>
+        <pc:picChg chg="add mod modCrop">
+          <ac:chgData name="0308 Phantom" userId="d189c7b077a883f0" providerId="LiveId" clId="{CCB372FA-C8CD-4060-9A70-83504401E0E3}" dt="2019-03-30T13:48:06.783" v="1133" actId="1076"/>
+          <ac:picMkLst>
+            <pc:docMk/>
+            <pc:sldMk cId="880744957" sldId="265"/>
+            <ac:picMk id="2054" creationId="{B5C7B7BD-01A1-4199-BE5A-B070B14C86F9}"/>
+          </ac:picMkLst>
+        </pc:picChg>
+      </pc:sldChg>
+      <pc:sldChg chg="addSp delSp modSp add ord">
+        <pc:chgData name="0308 Phantom" userId="d189c7b077a883f0" providerId="LiveId" clId="{CCB372FA-C8CD-4060-9A70-83504401E0E3}" dt="2019-03-30T13:46:10.169" v="1119"/>
+        <pc:sldMkLst>
+          <pc:docMk/>
+          <pc:sldMk cId="2485775207" sldId="266"/>
+        </pc:sldMkLst>
+        <pc:spChg chg="del">
+          <ac:chgData name="0308 Phantom" userId="d189c7b077a883f0" providerId="LiveId" clId="{CCB372FA-C8CD-4060-9A70-83504401E0E3}" dt="2019-03-30T13:45:09.938" v="1115"/>
+          <ac:spMkLst>
+            <pc:docMk/>
+            <pc:sldMk cId="2485775207" sldId="266"/>
+            <ac:spMk id="3" creationId="{597F1100-6D3F-49F3-976D-D3DD82C710CE}"/>
+          </ac:spMkLst>
+        </pc:spChg>
+        <pc:picChg chg="add mod">
+          <ac:chgData name="0308 Phantom" userId="d189c7b077a883f0" providerId="LiveId" clId="{CCB372FA-C8CD-4060-9A70-83504401E0E3}" dt="2019-03-30T13:45:13.031" v="1116" actId="1076"/>
+          <ac:picMkLst>
+            <pc:docMk/>
+            <pc:sldMk cId="2485775207" sldId="266"/>
+            <ac:picMk id="1026" creationId="{DA860683-898B-43F4-ABC3-9F529F373505}"/>
+          </ac:picMkLst>
+        </pc:picChg>
+        <pc:picChg chg="add mod">
+          <ac:chgData name="0308 Phantom" userId="d189c7b077a883f0" providerId="LiveId" clId="{CCB372FA-C8CD-4060-9A70-83504401E0E3}" dt="2019-03-30T13:45:24.879" v="1118" actId="1076"/>
+          <ac:picMkLst>
+            <pc:docMk/>
+            <pc:sldMk cId="2485775207" sldId="266"/>
+            <ac:picMk id="1028" creationId="{7940B2C5-77B9-4360-A86B-A2E6C6C570C6}"/>
+          </ac:picMkLst>
+        </pc:picChg>
       </pc:sldChg>
     </pc:docChg>
   </pc:docChgLst>
@@ -545,6 +875,928 @@
     </pc:docChg>
   </pc:docChgLst>
 </pc:chgInfo>
+</file>
+
+<file path=ppt/notesMasters/notesMaster1.xml><?xml version="1.0" encoding="utf-8"?>
+<p:notesMaster xmlns:a="http://schemas.openxmlformats.org/drawingml/2006/main" xmlns:r="http://schemas.openxmlformats.org/officeDocument/2006/relationships" xmlns:p="http://schemas.openxmlformats.org/presentationml/2006/main">
+  <p:cSld>
+    <p:bg>
+      <p:bgRef idx="1001">
+        <a:schemeClr val="bg1"/>
+      </p:bgRef>
+    </p:bg>
+    <p:spTree>
+      <p:nvGrpSpPr>
+        <p:cNvPr id="1" name=""/>
+        <p:cNvGrpSpPr/>
+        <p:nvPr/>
+      </p:nvGrpSpPr>
+      <p:grpSpPr>
+        <a:xfrm>
+          <a:off x="0" y="0"/>
+          <a:ext cx="0" cy="0"/>
+          <a:chOff x="0" y="0"/>
+          <a:chExt cx="0" cy="0"/>
+        </a:xfrm>
+      </p:grpSpPr>
+      <p:sp>
+        <p:nvSpPr>
+          <p:cNvPr id="2" name="页眉占位符 1"/>
+          <p:cNvSpPr>
+            <a:spLocks noGrp="1"/>
+          </p:cNvSpPr>
+          <p:nvPr>
+            <p:ph type="hdr" sz="quarter"/>
+          </p:nvPr>
+        </p:nvSpPr>
+        <p:spPr>
+          <a:xfrm>
+            <a:off x="0" y="0"/>
+            <a:ext cx="2971800" cy="458788"/>
+          </a:xfrm>
+          <a:prstGeom prst="rect">
+            <a:avLst/>
+          </a:prstGeom>
+        </p:spPr>
+        <p:txBody>
+          <a:bodyPr vert="horz" lIns="91440" tIns="45720" rIns="91440" bIns="45720" rtlCol="0"/>
+          <a:lstStyle>
+            <a:lvl1pPr algn="l">
+              <a:defRPr sz="1200"/>
+            </a:lvl1pPr>
+          </a:lstStyle>
+          <a:p>
+            <a:endParaRPr lang="zh-CN" altLang="en-US"/>
+          </a:p>
+        </p:txBody>
+      </p:sp>
+      <p:sp>
+        <p:nvSpPr>
+          <p:cNvPr id="3" name="日期占位符 2"/>
+          <p:cNvSpPr>
+            <a:spLocks noGrp="1"/>
+          </p:cNvSpPr>
+          <p:nvPr>
+            <p:ph type="dt" idx="1"/>
+          </p:nvPr>
+        </p:nvSpPr>
+        <p:spPr>
+          <a:xfrm>
+            <a:off x="3884613" y="0"/>
+            <a:ext cx="2971800" cy="458788"/>
+          </a:xfrm>
+          <a:prstGeom prst="rect">
+            <a:avLst/>
+          </a:prstGeom>
+        </p:spPr>
+        <p:txBody>
+          <a:bodyPr vert="horz" lIns="91440" tIns="45720" rIns="91440" bIns="45720" rtlCol="0"/>
+          <a:lstStyle>
+            <a:lvl1pPr algn="r">
+              <a:defRPr sz="1200"/>
+            </a:lvl1pPr>
+          </a:lstStyle>
+          <a:p>
+            <a:fld id="{9AFCDB49-D9C8-450E-BE46-79698F24D5E8}" type="datetimeFigureOut">
+              <a:rPr lang="zh-CN" altLang="en-US" smtClean="0"/>
+              <a:t>2019/3/30</a:t>
+            </a:fld>
+            <a:endParaRPr lang="zh-CN" altLang="en-US"/>
+          </a:p>
+        </p:txBody>
+      </p:sp>
+      <p:sp>
+        <p:nvSpPr>
+          <p:cNvPr id="4" name="幻灯片图像占位符 3"/>
+          <p:cNvSpPr>
+            <a:spLocks noGrp="1" noRot="1" noChangeAspect="1"/>
+          </p:cNvSpPr>
+          <p:nvPr>
+            <p:ph type="sldImg" idx="2"/>
+          </p:nvPr>
+        </p:nvSpPr>
+        <p:spPr>
+          <a:xfrm>
+            <a:off x="685800" y="1143000"/>
+            <a:ext cx="5486400" cy="3086100"/>
+          </a:xfrm>
+          <a:prstGeom prst="rect">
+            <a:avLst/>
+          </a:prstGeom>
+          <a:noFill/>
+          <a:ln w="12700">
+            <a:solidFill>
+              <a:prstClr val="black"/>
+            </a:solidFill>
+          </a:ln>
+        </p:spPr>
+        <p:txBody>
+          <a:bodyPr vert="horz" lIns="91440" tIns="45720" rIns="91440" bIns="45720" rtlCol="0" anchor="ctr"/>
+          <a:lstStyle/>
+          <a:p>
+            <a:endParaRPr lang="zh-CN" altLang="en-US"/>
+          </a:p>
+        </p:txBody>
+      </p:sp>
+      <p:sp>
+        <p:nvSpPr>
+          <p:cNvPr id="5" name="备注占位符 4"/>
+          <p:cNvSpPr>
+            <a:spLocks noGrp="1"/>
+          </p:cNvSpPr>
+          <p:nvPr>
+            <p:ph type="body" sz="quarter" idx="3"/>
+          </p:nvPr>
+        </p:nvSpPr>
+        <p:spPr>
+          <a:xfrm>
+            <a:off x="685800" y="4400550"/>
+            <a:ext cx="5486400" cy="3600450"/>
+          </a:xfrm>
+          <a:prstGeom prst="rect">
+            <a:avLst/>
+          </a:prstGeom>
+        </p:spPr>
+        <p:txBody>
+          <a:bodyPr vert="horz" lIns="91440" tIns="45720" rIns="91440" bIns="45720" rtlCol="0"/>
+          <a:lstStyle/>
+          <a:p>
+            <a:pPr lvl="0"/>
+            <a:r>
+              <a:rPr lang="zh-CN" altLang="en-US"/>
+              <a:t>单击此处编辑母版文本样式</a:t>
+            </a:r>
+          </a:p>
+          <a:p>
+            <a:pPr lvl="1"/>
+            <a:r>
+              <a:rPr lang="zh-CN" altLang="en-US"/>
+              <a:t>二级</a:t>
+            </a:r>
+          </a:p>
+          <a:p>
+            <a:pPr lvl="2"/>
+            <a:r>
+              <a:rPr lang="zh-CN" altLang="en-US"/>
+              <a:t>三级</a:t>
+            </a:r>
+          </a:p>
+          <a:p>
+            <a:pPr lvl="3"/>
+            <a:r>
+              <a:rPr lang="zh-CN" altLang="en-US"/>
+              <a:t>四级</a:t>
+            </a:r>
+          </a:p>
+          <a:p>
+            <a:pPr lvl="4"/>
+            <a:r>
+              <a:rPr lang="zh-CN" altLang="en-US"/>
+              <a:t>五级</a:t>
+            </a:r>
+          </a:p>
+        </p:txBody>
+      </p:sp>
+      <p:sp>
+        <p:nvSpPr>
+          <p:cNvPr id="6" name="页脚占位符 5"/>
+          <p:cNvSpPr>
+            <a:spLocks noGrp="1"/>
+          </p:cNvSpPr>
+          <p:nvPr>
+            <p:ph type="ftr" sz="quarter" idx="4"/>
+          </p:nvPr>
+        </p:nvSpPr>
+        <p:spPr>
+          <a:xfrm>
+            <a:off x="0" y="8685213"/>
+            <a:ext cx="2971800" cy="458787"/>
+          </a:xfrm>
+          <a:prstGeom prst="rect">
+            <a:avLst/>
+          </a:prstGeom>
+        </p:spPr>
+        <p:txBody>
+          <a:bodyPr vert="horz" lIns="91440" tIns="45720" rIns="91440" bIns="45720" rtlCol="0" anchor="b"/>
+          <a:lstStyle>
+            <a:lvl1pPr algn="l">
+              <a:defRPr sz="1200"/>
+            </a:lvl1pPr>
+          </a:lstStyle>
+          <a:p>
+            <a:endParaRPr lang="zh-CN" altLang="en-US"/>
+          </a:p>
+        </p:txBody>
+      </p:sp>
+      <p:sp>
+        <p:nvSpPr>
+          <p:cNvPr id="7" name="灯片编号占位符 6"/>
+          <p:cNvSpPr>
+            <a:spLocks noGrp="1"/>
+          </p:cNvSpPr>
+          <p:nvPr>
+            <p:ph type="sldNum" sz="quarter" idx="5"/>
+          </p:nvPr>
+        </p:nvSpPr>
+        <p:spPr>
+          <a:xfrm>
+            <a:off x="3884613" y="8685213"/>
+            <a:ext cx="2971800" cy="458787"/>
+          </a:xfrm>
+          <a:prstGeom prst="rect">
+            <a:avLst/>
+          </a:prstGeom>
+        </p:spPr>
+        <p:txBody>
+          <a:bodyPr vert="horz" lIns="91440" tIns="45720" rIns="91440" bIns="45720" rtlCol="0" anchor="b"/>
+          <a:lstStyle>
+            <a:lvl1pPr algn="r">
+              <a:defRPr sz="1200"/>
+            </a:lvl1pPr>
+          </a:lstStyle>
+          <a:p>
+            <a:fld id="{75202468-E1DA-47C7-87D9-878A75E9BE11}" type="slidenum">
+              <a:rPr lang="zh-CN" altLang="en-US" smtClean="0"/>
+              <a:t>‹#›</a:t>
+            </a:fld>
+            <a:endParaRPr lang="zh-CN" altLang="en-US"/>
+          </a:p>
+        </p:txBody>
+      </p:sp>
+    </p:spTree>
+    <p:extLst>
+      <p:ext uri="{BB962C8B-B14F-4D97-AF65-F5344CB8AC3E}">
+        <p14:creationId xmlns:p14="http://schemas.microsoft.com/office/powerpoint/2010/main" val="879274856"/>
+      </p:ext>
+    </p:extLst>
+  </p:cSld>
+  <p:clrMap bg1="lt1" tx1="dk1" bg2="lt2" tx2="dk2" accent1="accent1" accent2="accent2" accent3="accent3" accent4="accent4" accent5="accent5" accent6="accent6" hlink="hlink" folHlink="folHlink"/>
+  <p:notesStyle>
+    <a:lvl1pPr marL="0" algn="l" defTabSz="914400" rtl="0" eaLnBrk="1" latinLnBrk="0" hangingPunct="1">
+      <a:defRPr sz="1200" kern="1200">
+        <a:solidFill>
+          <a:schemeClr val="tx1"/>
+        </a:solidFill>
+        <a:latin typeface="+mn-lt"/>
+        <a:ea typeface="+mn-ea"/>
+        <a:cs typeface="+mn-cs"/>
+      </a:defRPr>
+    </a:lvl1pPr>
+    <a:lvl2pPr marL="457200" algn="l" defTabSz="914400" rtl="0" eaLnBrk="1" latinLnBrk="0" hangingPunct="1">
+      <a:defRPr sz="1200" kern="1200">
+        <a:solidFill>
+          <a:schemeClr val="tx1"/>
+        </a:solidFill>
+        <a:latin typeface="+mn-lt"/>
+        <a:ea typeface="+mn-ea"/>
+        <a:cs typeface="+mn-cs"/>
+      </a:defRPr>
+    </a:lvl2pPr>
+    <a:lvl3pPr marL="914400" algn="l" defTabSz="914400" rtl="0" eaLnBrk="1" latinLnBrk="0" hangingPunct="1">
+      <a:defRPr sz="1200" kern="1200">
+        <a:solidFill>
+          <a:schemeClr val="tx1"/>
+        </a:solidFill>
+        <a:latin typeface="+mn-lt"/>
+        <a:ea typeface="+mn-ea"/>
+        <a:cs typeface="+mn-cs"/>
+      </a:defRPr>
+    </a:lvl3pPr>
+    <a:lvl4pPr marL="1371600" algn="l" defTabSz="914400" rtl="0" eaLnBrk="1" latinLnBrk="0" hangingPunct="1">
+      <a:defRPr sz="1200" kern="1200">
+        <a:solidFill>
+          <a:schemeClr val="tx1"/>
+        </a:solidFill>
+        <a:latin typeface="+mn-lt"/>
+        <a:ea typeface="+mn-ea"/>
+        <a:cs typeface="+mn-cs"/>
+      </a:defRPr>
+    </a:lvl4pPr>
+    <a:lvl5pPr marL="1828800" algn="l" defTabSz="914400" rtl="0" eaLnBrk="1" latinLnBrk="0" hangingPunct="1">
+      <a:defRPr sz="1200" kern="1200">
+        <a:solidFill>
+          <a:schemeClr val="tx1"/>
+        </a:solidFill>
+        <a:latin typeface="+mn-lt"/>
+        <a:ea typeface="+mn-ea"/>
+        <a:cs typeface="+mn-cs"/>
+      </a:defRPr>
+    </a:lvl5pPr>
+    <a:lvl6pPr marL="2286000" algn="l" defTabSz="914400" rtl="0" eaLnBrk="1" latinLnBrk="0" hangingPunct="1">
+      <a:defRPr sz="1200" kern="1200">
+        <a:solidFill>
+          <a:schemeClr val="tx1"/>
+        </a:solidFill>
+        <a:latin typeface="+mn-lt"/>
+        <a:ea typeface="+mn-ea"/>
+        <a:cs typeface="+mn-cs"/>
+      </a:defRPr>
+    </a:lvl6pPr>
+    <a:lvl7pPr marL="2743200" algn="l" defTabSz="914400" rtl="0" eaLnBrk="1" latinLnBrk="0" hangingPunct="1">
+      <a:defRPr sz="1200" kern="1200">
+        <a:solidFill>
+          <a:schemeClr val="tx1"/>
+        </a:solidFill>
+        <a:latin typeface="+mn-lt"/>
+        <a:ea typeface="+mn-ea"/>
+        <a:cs typeface="+mn-cs"/>
+      </a:defRPr>
+    </a:lvl7pPr>
+    <a:lvl8pPr marL="3200400" algn="l" defTabSz="914400" rtl="0" eaLnBrk="1" latinLnBrk="0" hangingPunct="1">
+      <a:defRPr sz="1200" kern="1200">
+        <a:solidFill>
+          <a:schemeClr val="tx1"/>
+        </a:solidFill>
+        <a:latin typeface="+mn-lt"/>
+        <a:ea typeface="+mn-ea"/>
+        <a:cs typeface="+mn-cs"/>
+      </a:defRPr>
+    </a:lvl8pPr>
+    <a:lvl9pPr marL="3657600" algn="l" defTabSz="914400" rtl="0" eaLnBrk="1" latinLnBrk="0" hangingPunct="1">
+      <a:defRPr sz="1200" kern="1200">
+        <a:solidFill>
+          <a:schemeClr val="tx1"/>
+        </a:solidFill>
+        <a:latin typeface="+mn-lt"/>
+        <a:ea typeface="+mn-ea"/>
+        <a:cs typeface="+mn-cs"/>
+      </a:defRPr>
+    </a:lvl9pPr>
+  </p:notesStyle>
+</p:notesMaster>
+</file>
+
+<file path=ppt/notesSlides/notesSlide1.xml><?xml version="1.0" encoding="utf-8"?>
+<p:notes xmlns:a="http://schemas.openxmlformats.org/drawingml/2006/main" xmlns:r="http://schemas.openxmlformats.org/officeDocument/2006/relationships" xmlns:p="http://schemas.openxmlformats.org/presentationml/2006/main">
+  <p:cSld>
+    <p:spTree>
+      <p:nvGrpSpPr>
+        <p:cNvPr id="1" name=""/>
+        <p:cNvGrpSpPr/>
+        <p:nvPr/>
+      </p:nvGrpSpPr>
+      <p:grpSpPr>
+        <a:xfrm>
+          <a:off x="0" y="0"/>
+          <a:ext cx="0" cy="0"/>
+          <a:chOff x="0" y="0"/>
+          <a:chExt cx="0" cy="0"/>
+        </a:xfrm>
+      </p:grpSpPr>
+      <p:sp>
+        <p:nvSpPr>
+          <p:cNvPr id="2" name="幻灯片图像占位符 1"/>
+          <p:cNvSpPr>
+            <a:spLocks noGrp="1" noRot="1" noChangeAspect="1"/>
+          </p:cNvSpPr>
+          <p:nvPr>
+            <p:ph type="sldImg"/>
+          </p:nvPr>
+        </p:nvSpPr>
+        <p:spPr/>
+      </p:sp>
+      <p:sp>
+        <p:nvSpPr>
+          <p:cNvPr id="3" name="备注占位符 2"/>
+          <p:cNvSpPr>
+            <a:spLocks noGrp="1"/>
+          </p:cNvSpPr>
+          <p:nvPr>
+            <p:ph type="body" idx="1"/>
+          </p:nvPr>
+        </p:nvSpPr>
+        <p:spPr/>
+        <p:txBody>
+          <a:bodyPr/>
+          <a:lstStyle/>
+          <a:p>
+            <a:endParaRPr lang="zh-CN" altLang="en-US" dirty="0"/>
+          </a:p>
+        </p:txBody>
+      </p:sp>
+      <p:sp>
+        <p:nvSpPr>
+          <p:cNvPr id="4" name="灯片编号占位符 3"/>
+          <p:cNvSpPr>
+            <a:spLocks noGrp="1"/>
+          </p:cNvSpPr>
+          <p:nvPr>
+            <p:ph type="sldNum" sz="quarter" idx="5"/>
+          </p:nvPr>
+        </p:nvSpPr>
+        <p:spPr/>
+        <p:txBody>
+          <a:bodyPr/>
+          <a:lstStyle/>
+          <a:p>
+            <a:fld id="{75202468-E1DA-47C7-87D9-878A75E9BE11}" type="slidenum">
+              <a:rPr lang="zh-CN" altLang="en-US" smtClean="0"/>
+              <a:t>5</a:t>
+            </a:fld>
+            <a:endParaRPr lang="zh-CN" altLang="en-US"/>
+          </a:p>
+        </p:txBody>
+      </p:sp>
+    </p:spTree>
+    <p:extLst>
+      <p:ext uri="{BB962C8B-B14F-4D97-AF65-F5344CB8AC3E}">
+        <p14:creationId xmlns:p14="http://schemas.microsoft.com/office/powerpoint/2010/main" val="2355983460"/>
+      </p:ext>
+    </p:extLst>
+  </p:cSld>
+  <p:clrMapOvr>
+    <a:masterClrMapping/>
+  </p:clrMapOvr>
+</p:notes>
+</file>
+
+<file path=ppt/notesSlides/notesSlide2.xml><?xml version="1.0" encoding="utf-8"?>
+<p:notes xmlns:a="http://schemas.openxmlformats.org/drawingml/2006/main" xmlns:r="http://schemas.openxmlformats.org/officeDocument/2006/relationships" xmlns:p="http://schemas.openxmlformats.org/presentationml/2006/main">
+  <p:cSld>
+    <p:spTree>
+      <p:nvGrpSpPr>
+        <p:cNvPr id="1" name=""/>
+        <p:cNvGrpSpPr/>
+        <p:nvPr/>
+      </p:nvGrpSpPr>
+      <p:grpSpPr>
+        <a:xfrm>
+          <a:off x="0" y="0"/>
+          <a:ext cx="0" cy="0"/>
+          <a:chOff x="0" y="0"/>
+          <a:chExt cx="0" cy="0"/>
+        </a:xfrm>
+      </p:grpSpPr>
+      <p:sp>
+        <p:nvSpPr>
+          <p:cNvPr id="2" name="幻灯片图像占位符 1"/>
+          <p:cNvSpPr>
+            <a:spLocks noGrp="1" noRot="1" noChangeAspect="1"/>
+          </p:cNvSpPr>
+          <p:nvPr>
+            <p:ph type="sldImg"/>
+          </p:nvPr>
+        </p:nvSpPr>
+        <p:spPr/>
+      </p:sp>
+      <p:sp>
+        <p:nvSpPr>
+          <p:cNvPr id="3" name="备注占位符 2"/>
+          <p:cNvSpPr>
+            <a:spLocks noGrp="1"/>
+          </p:cNvSpPr>
+          <p:nvPr>
+            <p:ph type="body" idx="1"/>
+          </p:nvPr>
+        </p:nvSpPr>
+        <p:spPr/>
+        <p:txBody>
+          <a:bodyPr/>
+          <a:lstStyle/>
+          <a:p>
+            <a:r>
+              <a:rPr lang="en-US" altLang="zh-CN" sz="1200" b="0" i="0" kern="1200" dirty="0">
+                <a:solidFill>
+                  <a:schemeClr val="tx1"/>
+                </a:solidFill>
+                <a:effectLst/>
+                <a:latin typeface="+mn-lt"/>
+                <a:ea typeface="+mn-ea"/>
+                <a:cs typeface="+mn-cs"/>
+              </a:rPr>
+              <a:t>TIMBER-V supports four security domains. </a:t>
+            </a:r>
+          </a:p>
+          <a:p>
+            <a:r>
+              <a:rPr lang="en-US" altLang="zh-CN" sz="1200" b="0" i="0" kern="1200" dirty="0">
+                <a:solidFill>
+                  <a:schemeClr val="tx1"/>
+                </a:solidFill>
+                <a:effectLst/>
+                <a:latin typeface="+mn-lt"/>
+                <a:ea typeface="+mn-ea"/>
+                <a:cs typeface="+mn-cs"/>
+              </a:rPr>
+              <a:t>The operating system and apps live in the normal N-domains, which are considered untrusted. The N domains support the traditional split between user (U-mode) and supervisor (S-mode) and allow existing code to run without modification (goal G3). </a:t>
+            </a:r>
+          </a:p>
+          <a:p>
+            <a:r>
+              <a:rPr lang="en-US" altLang="zh-CN" sz="1200" b="0" i="0" kern="1200" dirty="0">
+                <a:solidFill>
+                  <a:schemeClr val="tx1"/>
+                </a:solidFill>
+                <a:effectLst/>
+                <a:latin typeface="+mn-lt"/>
+                <a:ea typeface="+mn-ea"/>
+                <a:cs typeface="+mn-cs"/>
+              </a:rPr>
+              <a:t>Sensitive memory is protected via fine-grained memory tagging, which creates islands of trusted memory inside the N-domains. </a:t>
+            </a:r>
+          </a:p>
+          <a:p>
+            <a:r>
+              <a:rPr lang="en-US" altLang="zh-CN" sz="1200" b="0" i="0" kern="1200" dirty="0">
+                <a:solidFill>
+                  <a:schemeClr val="tx1"/>
+                </a:solidFill>
+                <a:effectLst/>
+                <a:latin typeface="+mn-lt"/>
+                <a:ea typeface="+mn-ea"/>
+                <a:cs typeface="+mn-cs"/>
+              </a:rPr>
+              <a:t>Trusted user mode (TU-mode) can be leveraged for isolated execution environments, called enclaves. </a:t>
+            </a:r>
+          </a:p>
+          <a:p>
+            <a:r>
+              <a:rPr lang="en-US" altLang="zh-CN" sz="1200" b="0" i="0" kern="1200" dirty="0">
+                <a:solidFill>
+                  <a:schemeClr val="tx1"/>
+                </a:solidFill>
+                <a:effectLst/>
+                <a:latin typeface="+mn-lt"/>
+                <a:ea typeface="+mn-ea"/>
+                <a:cs typeface="+mn-cs"/>
+              </a:rPr>
+              <a:t>Moreover, trusted supervisor mode (TS-mode) allows to run a trust manager like </a:t>
+            </a:r>
+            <a:r>
+              <a:rPr lang="en-US" altLang="zh-CN" sz="1200" b="0" i="0" kern="1200" dirty="0" err="1">
+                <a:solidFill>
+                  <a:schemeClr val="tx1"/>
+                </a:solidFill>
+                <a:effectLst/>
+                <a:latin typeface="+mn-lt"/>
+                <a:ea typeface="+mn-ea"/>
+                <a:cs typeface="+mn-cs"/>
+              </a:rPr>
+              <a:t>TagRoot</a:t>
+            </a:r>
+            <a:r>
+              <a:rPr lang="en-US" altLang="zh-CN" sz="1200" b="0" i="0" kern="1200" dirty="0">
+                <a:solidFill>
+                  <a:schemeClr val="tx1"/>
+                </a:solidFill>
+                <a:effectLst/>
+                <a:latin typeface="+mn-lt"/>
+                <a:ea typeface="+mn-ea"/>
+                <a:cs typeface="+mn-cs"/>
+              </a:rPr>
+              <a:t>, augmenting the untrusted operating system with trusted services. </a:t>
+            </a:r>
+          </a:p>
+          <a:p>
+            <a:r>
+              <a:rPr lang="en-US" altLang="zh-CN" sz="1200" b="0" i="0" kern="1200" dirty="0">
+                <a:solidFill>
+                  <a:schemeClr val="tx1"/>
+                </a:solidFill>
+                <a:effectLst/>
+                <a:latin typeface="+mn-lt"/>
+                <a:ea typeface="+mn-ea"/>
+                <a:cs typeface="+mn-cs"/>
+              </a:rPr>
+              <a:t>To achieve this, TIMBER-V combines security domain isolation with MPU based process isolation. The trusted domains are protected by a strict tagged memory policy, which we denote as tag isolation. Individual processes or enclaves are protected via MPU isolation. Memory accesses are only permitted if both mechanisms agree . This allows a variety of different programming models, as demanded by goal G2. For example, we achieve </a:t>
+            </a:r>
+            <a:r>
+              <a:rPr lang="en-US" altLang="zh-CN" sz="1200" b="0" i="0" kern="1200" dirty="0" err="1">
+                <a:solidFill>
+                  <a:schemeClr val="tx1"/>
+                </a:solidFill>
+                <a:effectLst/>
+                <a:latin typeface="+mn-lt"/>
+                <a:ea typeface="+mn-ea"/>
+                <a:cs typeface="+mn-cs"/>
+              </a:rPr>
+              <a:t>TrustZone</a:t>
+            </a:r>
+            <a:r>
+              <a:rPr lang="en-US" altLang="zh-CN" sz="1200" b="0" i="0" kern="1200" dirty="0">
+                <a:solidFill>
+                  <a:schemeClr val="tx1"/>
+                </a:solidFill>
+                <a:effectLst/>
+                <a:latin typeface="+mn-lt"/>
+                <a:ea typeface="+mn-ea"/>
+                <a:cs typeface="+mn-cs"/>
+              </a:rPr>
+              <a:t> s [3] security split via memory tags, however with much finer and highly dynamic isolation boundaries. Also, TIMBER-V can embed enclaves directly in user processes, as done in Intel SGX-like designs [37], however, again with the benefits of tagged memory.</a:t>
+            </a:r>
+            <a:endParaRPr lang="zh-CN" altLang="en-US" dirty="0"/>
+          </a:p>
+        </p:txBody>
+      </p:sp>
+      <p:sp>
+        <p:nvSpPr>
+          <p:cNvPr id="4" name="灯片编号占位符 3"/>
+          <p:cNvSpPr>
+            <a:spLocks noGrp="1"/>
+          </p:cNvSpPr>
+          <p:nvPr>
+            <p:ph type="sldNum" sz="quarter" idx="5"/>
+          </p:nvPr>
+        </p:nvSpPr>
+        <p:spPr/>
+        <p:txBody>
+          <a:bodyPr/>
+          <a:lstStyle/>
+          <a:p>
+            <a:fld id="{75202468-E1DA-47C7-87D9-878A75E9BE11}" type="slidenum">
+              <a:rPr lang="zh-CN" altLang="en-US" smtClean="0"/>
+              <a:t>6</a:t>
+            </a:fld>
+            <a:endParaRPr lang="zh-CN" altLang="en-US"/>
+          </a:p>
+        </p:txBody>
+      </p:sp>
+    </p:spTree>
+    <p:extLst>
+      <p:ext uri="{BB962C8B-B14F-4D97-AF65-F5344CB8AC3E}">
+        <p14:creationId xmlns:p14="http://schemas.microsoft.com/office/powerpoint/2010/main" val="4254629698"/>
+      </p:ext>
+    </p:extLst>
+  </p:cSld>
+  <p:clrMapOvr>
+    <a:masterClrMapping/>
+  </p:clrMapOvr>
+</p:notes>
+</file>
+
+<file path=ppt/notesSlides/notesSlide3.xml><?xml version="1.0" encoding="utf-8"?>
+<p:notes xmlns:a="http://schemas.openxmlformats.org/drawingml/2006/main" xmlns:r="http://schemas.openxmlformats.org/officeDocument/2006/relationships" xmlns:p="http://schemas.openxmlformats.org/presentationml/2006/main">
+  <p:cSld>
+    <p:spTree>
+      <p:nvGrpSpPr>
+        <p:cNvPr id="1" name=""/>
+        <p:cNvGrpSpPr/>
+        <p:nvPr/>
+      </p:nvGrpSpPr>
+      <p:grpSpPr>
+        <a:xfrm>
+          <a:off x="0" y="0"/>
+          <a:ext cx="0" cy="0"/>
+          <a:chOff x="0" y="0"/>
+          <a:chExt cx="0" cy="0"/>
+        </a:xfrm>
+      </p:grpSpPr>
+      <p:sp>
+        <p:nvSpPr>
+          <p:cNvPr id="2" name="幻灯片图像占位符 1"/>
+          <p:cNvSpPr>
+            <a:spLocks noGrp="1" noRot="1" noChangeAspect="1"/>
+          </p:cNvSpPr>
+          <p:nvPr>
+            <p:ph type="sldImg"/>
+          </p:nvPr>
+        </p:nvSpPr>
+        <p:spPr/>
+      </p:sp>
+      <p:sp>
+        <p:nvSpPr>
+          <p:cNvPr id="3" name="备注占位符 2"/>
+          <p:cNvSpPr>
+            <a:spLocks noGrp="1"/>
+          </p:cNvSpPr>
+          <p:nvPr>
+            <p:ph type="body" idx="1"/>
+          </p:nvPr>
+        </p:nvSpPr>
+        <p:spPr/>
+        <p:txBody>
+          <a:bodyPr/>
+          <a:lstStyle/>
+          <a:p>
+            <a:r>
+              <a:rPr lang="en-US" altLang="zh-CN" dirty="0"/>
+              <a:t>If not cleanly separated, this would allow confusion attacks between </a:t>
+            </a:r>
+            <a:r>
+              <a:rPr lang="en-US" altLang="zh-CN" dirty="0" err="1"/>
+              <a:t>TUenter</a:t>
+            </a:r>
+            <a:r>
+              <a:rPr lang="en-US" altLang="zh-CN" dirty="0"/>
+              <a:t> and </a:t>
+            </a:r>
+            <a:r>
+              <a:rPr lang="en-US" altLang="zh-CN" dirty="0" err="1"/>
+              <a:t>TSenter</a:t>
+            </a:r>
+            <a:r>
+              <a:rPr lang="en-US" altLang="zh-CN" dirty="0"/>
+              <a:t>. For example, an attacker could spawn a malicious enclave (TU-mode). While this malicious</a:t>
+            </a:r>
+          </a:p>
+          <a:p>
+            <a:r>
+              <a:rPr lang="en-US" altLang="zh-CN" dirty="0"/>
+              <a:t>enclave normally cannot access other benign enclaves, the attacker could invoke the enclave via a </a:t>
+            </a:r>
+            <a:r>
+              <a:rPr lang="en-US" altLang="zh-CN" dirty="0" err="1"/>
+              <a:t>TSenter</a:t>
+            </a:r>
+            <a:r>
+              <a:rPr lang="en-US" altLang="zh-CN" dirty="0"/>
+              <a:t> from S-mode rather than a </a:t>
+            </a:r>
+            <a:r>
+              <a:rPr lang="en-US" altLang="zh-CN" dirty="0" err="1"/>
+              <a:t>TUenter</a:t>
+            </a:r>
+            <a:r>
+              <a:rPr lang="en-US" altLang="zh-CN" dirty="0"/>
+              <a:t> from U-mode. Hence, the malicious</a:t>
+            </a:r>
+          </a:p>
+          <a:p>
+            <a:r>
+              <a:rPr lang="en-US" altLang="zh-CN" dirty="0"/>
+              <a:t>enclave would execute in higher-privileged TS-mode, thus undermining all of </a:t>
+            </a:r>
+            <a:r>
+              <a:rPr lang="en-US" altLang="zh-CN" dirty="0" err="1"/>
+              <a:t>TagRoot’s</a:t>
+            </a:r>
+            <a:r>
+              <a:rPr lang="en-US" altLang="zh-CN" dirty="0"/>
+              <a:t> security guarantees. We prevent such attacks by constraining horizontal transitions to MPU</a:t>
+            </a:r>
+          </a:p>
+          <a:p>
+            <a:r>
+              <a:rPr lang="en-US" altLang="zh-CN" dirty="0"/>
+              <a:t>regions of the same privilege mode: </a:t>
+            </a:r>
+            <a:r>
+              <a:rPr lang="en-US" altLang="zh-CN" dirty="0" err="1"/>
+              <a:t>TUenter</a:t>
+            </a:r>
+            <a:r>
+              <a:rPr lang="en-US" altLang="zh-CN" dirty="0"/>
+              <a:t> is only allowed for user mode MPU slots, while </a:t>
+            </a:r>
+            <a:r>
+              <a:rPr lang="en-US" altLang="zh-CN" dirty="0" err="1"/>
+              <a:t>TSenter</a:t>
+            </a:r>
+            <a:r>
+              <a:rPr lang="en-US" altLang="zh-CN" dirty="0"/>
+              <a:t> can only target MPU slots marked for TS-mode. TS-mode slots cannot be</a:t>
+            </a:r>
+          </a:p>
+          <a:p>
+            <a:r>
+              <a:rPr lang="en-US" altLang="zh-CN" dirty="0"/>
+              <a:t>manipulated from the untrusted OS. Again, this resembles supervisor mode execution prevention [29].</a:t>
+            </a:r>
+            <a:endParaRPr lang="zh-CN" altLang="en-US" dirty="0"/>
+          </a:p>
+          <a:p>
+            <a:endParaRPr lang="zh-CN" altLang="en-US" dirty="0"/>
+          </a:p>
+        </p:txBody>
+      </p:sp>
+      <p:sp>
+        <p:nvSpPr>
+          <p:cNvPr id="4" name="灯片编号占位符 3"/>
+          <p:cNvSpPr>
+            <a:spLocks noGrp="1"/>
+          </p:cNvSpPr>
+          <p:nvPr>
+            <p:ph type="sldNum" sz="quarter" idx="5"/>
+          </p:nvPr>
+        </p:nvSpPr>
+        <p:spPr/>
+        <p:txBody>
+          <a:bodyPr/>
+          <a:lstStyle/>
+          <a:p>
+            <a:fld id="{75202468-E1DA-47C7-87D9-878A75E9BE11}" type="slidenum">
+              <a:rPr lang="zh-CN" altLang="en-US" smtClean="0"/>
+              <a:t>7</a:t>
+            </a:fld>
+            <a:endParaRPr lang="zh-CN" altLang="en-US"/>
+          </a:p>
+        </p:txBody>
+      </p:sp>
+    </p:spTree>
+    <p:extLst>
+      <p:ext uri="{BB962C8B-B14F-4D97-AF65-F5344CB8AC3E}">
+        <p14:creationId xmlns:p14="http://schemas.microsoft.com/office/powerpoint/2010/main" val="3908466097"/>
+      </p:ext>
+    </p:extLst>
+  </p:cSld>
+  <p:clrMapOvr>
+    <a:masterClrMapping/>
+  </p:clrMapOvr>
+</p:notes>
+</file>
+
+<file path=ppt/notesSlides/notesSlide4.xml><?xml version="1.0" encoding="utf-8"?>
+<p:notes xmlns:a="http://schemas.openxmlformats.org/drawingml/2006/main" xmlns:r="http://schemas.openxmlformats.org/officeDocument/2006/relationships" xmlns:p="http://schemas.openxmlformats.org/presentationml/2006/main">
+  <p:cSld>
+    <p:spTree>
+      <p:nvGrpSpPr>
+        <p:cNvPr id="1" name=""/>
+        <p:cNvGrpSpPr/>
+        <p:nvPr/>
+      </p:nvGrpSpPr>
+      <p:grpSpPr>
+        <a:xfrm>
+          <a:off x="0" y="0"/>
+          <a:ext cx="0" cy="0"/>
+          <a:chOff x="0" y="0"/>
+          <a:chExt cx="0" cy="0"/>
+        </a:xfrm>
+      </p:grpSpPr>
+      <p:sp>
+        <p:nvSpPr>
+          <p:cNvPr id="2" name="幻灯片图像占位符 1"/>
+          <p:cNvSpPr>
+            <a:spLocks noGrp="1" noRot="1" noChangeAspect="1"/>
+          </p:cNvSpPr>
+          <p:nvPr>
+            <p:ph type="sldImg"/>
+          </p:nvPr>
+        </p:nvSpPr>
+        <p:spPr/>
+      </p:sp>
+      <p:sp>
+        <p:nvSpPr>
+          <p:cNvPr id="3" name="备注占位符 2"/>
+          <p:cNvSpPr>
+            <a:spLocks noGrp="1"/>
+          </p:cNvSpPr>
+          <p:nvPr>
+            <p:ph type="body" idx="1"/>
+          </p:nvPr>
+        </p:nvSpPr>
+        <p:spPr/>
+        <p:txBody>
+          <a:bodyPr/>
+          <a:lstStyle/>
+          <a:p>
+            <a:r>
+              <a:rPr lang="en-US" altLang="zh-CN" dirty="0"/>
+              <a:t>At every memory access, a hardware tag engine ensures that trusted memory cannot be accessed from untrusted code (</a:t>
+            </a:r>
+            <a:r>
+              <a:rPr lang="en-US" altLang="zh-CN" dirty="0" err="1"/>
+              <a:t>i</a:t>
+            </a:r>
+            <a:r>
+              <a:rPr lang="en-US" altLang="zh-CN" dirty="0"/>
+              <a:t>). Moreover, trusted supervisor memory (TS-tag) used for </a:t>
+            </a:r>
+            <a:r>
+              <a:rPr lang="en-US" altLang="zh-CN" dirty="0" err="1"/>
+              <a:t>TagRoot</a:t>
+            </a:r>
+            <a:r>
+              <a:rPr lang="en-US" altLang="zh-CN" dirty="0"/>
+              <a:t> cannot be accessed from enclaves (TU-tag). In contrast, trusted domains can access lesser trusted memory (ii), as long as the MPU isolation policy allows it.</a:t>
+            </a:r>
+            <a:endParaRPr lang="zh-CN" altLang="en-US" dirty="0"/>
+          </a:p>
+        </p:txBody>
+      </p:sp>
+      <p:sp>
+        <p:nvSpPr>
+          <p:cNvPr id="4" name="灯片编号占位符 3"/>
+          <p:cNvSpPr>
+            <a:spLocks noGrp="1"/>
+          </p:cNvSpPr>
+          <p:nvPr>
+            <p:ph type="sldNum" sz="quarter" idx="5"/>
+          </p:nvPr>
+        </p:nvSpPr>
+        <p:spPr/>
+        <p:txBody>
+          <a:bodyPr/>
+          <a:lstStyle/>
+          <a:p>
+            <a:fld id="{75202468-E1DA-47C7-87D9-878A75E9BE11}" type="slidenum">
+              <a:rPr lang="zh-CN" altLang="en-US" smtClean="0"/>
+              <a:t>9</a:t>
+            </a:fld>
+            <a:endParaRPr lang="zh-CN" altLang="en-US"/>
+          </a:p>
+        </p:txBody>
+      </p:sp>
+    </p:spTree>
+    <p:extLst>
+      <p:ext uri="{BB962C8B-B14F-4D97-AF65-F5344CB8AC3E}">
+        <p14:creationId xmlns:p14="http://schemas.microsoft.com/office/powerpoint/2010/main" val="3320331439"/>
+      </p:ext>
+    </p:extLst>
+  </p:cSld>
+  <p:clrMapOvr>
+    <a:masterClrMapping/>
+  </p:clrMapOvr>
+</p:notes>
 </file>
 
 <file path=ppt/slideLayouts/slideLayout1.xml><?xml version="1.0" encoding="utf-8"?>
@@ -3931,6 +5183,390 @@
 </p:sld>
 </file>
 
+<file path=ppt/slides/slide10.xml><?xml version="1.0" encoding="utf-8"?>
+<p:sld xmlns:a="http://schemas.openxmlformats.org/drawingml/2006/main" xmlns:r="http://schemas.openxmlformats.org/officeDocument/2006/relationships" xmlns:p="http://schemas.openxmlformats.org/presentationml/2006/main">
+  <p:cSld>
+    <p:spTree>
+      <p:nvGrpSpPr>
+        <p:cNvPr id="1" name=""/>
+        <p:cNvGrpSpPr/>
+        <p:nvPr/>
+      </p:nvGrpSpPr>
+      <p:grpSpPr>
+        <a:xfrm>
+          <a:off x="0" y="0"/>
+          <a:ext cx="0" cy="0"/>
+          <a:chOff x="0" y="0"/>
+          <a:chExt cx="0" cy="0"/>
+        </a:xfrm>
+      </p:grpSpPr>
+      <p:sp>
+        <p:nvSpPr>
+          <p:cNvPr id="2" name="标题 1">
+            <a:extLst>
+              <a:ext uri="{FF2B5EF4-FFF2-40B4-BE49-F238E27FC236}">
+                <a16:creationId xmlns:a16="http://schemas.microsoft.com/office/drawing/2014/main" id="{D245DDAE-3741-4EDF-B59B-C7FD50FE0607}"/>
+              </a:ext>
+            </a:extLst>
+          </p:cNvPr>
+          <p:cNvSpPr>
+            <a:spLocks noGrp="1"/>
+          </p:cNvSpPr>
+          <p:nvPr>
+            <p:ph type="title"/>
+          </p:nvPr>
+        </p:nvSpPr>
+        <p:spPr/>
+        <p:txBody>
+          <a:bodyPr/>
+          <a:lstStyle/>
+          <a:p>
+            <a:r>
+              <a:rPr lang="en-US" altLang="zh-CN" dirty="0"/>
+              <a:t>Tag-aware Instructions</a:t>
+            </a:r>
+            <a:endParaRPr lang="zh-CN" altLang="en-US" dirty="0"/>
+          </a:p>
+        </p:txBody>
+      </p:sp>
+      <p:pic>
+        <p:nvPicPr>
+          <p:cNvPr id="1026" name="Picture 2" descr="*opcodes &#10;67 sd &#10;68 &#10;fence &#10;69 &#10;fence . t &#10;Itag &#10;72 &#10;73 sta &#10;74 &#10;tmm12ht &#10;31. &#10;31 &#10;rs2 tmm1210 14..12=3 &#10;rsl &#10;.28=tgnore pred succ &#10;.. 28=tgnore 27..20=tgnore &#10;19. .15=tgnore 14. &#10;19. .15=tgnore 14 &#10;. 12=0 11. &#10;..12=1 11. • &#10;.7=tgnore 6. &#10;.7=vgnore6 — &#10;. 2=-exe3 1. .e-3 &#10;.. 2-exo 1. .e-3 &#10;rd rsl &#10;tmm12ht &#10;rsl &#10;tmm12 14..12=0 6..2=0X15 1..0=3 &#10;rs2 tmm1210 14..12=1 6..2=0x15 1..0=3 ">
+            <a:extLst>
+              <a:ext uri="{FF2B5EF4-FFF2-40B4-BE49-F238E27FC236}">
+                <a16:creationId xmlns:a16="http://schemas.microsoft.com/office/drawing/2014/main" id="{DA860683-898B-43F4-ABC3-9F529F373505}"/>
+              </a:ext>
+            </a:extLst>
+          </p:cNvPr>
+          <p:cNvPicPr>
+            <a:picLocks noGrp="1" noChangeAspect="1" noChangeArrowheads="1"/>
+          </p:cNvPicPr>
+          <p:nvPr>
+            <p:ph idx="1"/>
+          </p:nvPr>
+        </p:nvPicPr>
+        <p:blipFill>
+          <a:blip r:embed="rId2">
+            <a:extLst>
+              <a:ext uri="{28A0092B-C50C-407E-A947-70E740481C1C}">
+                <a14:useLocalDpi xmlns:a14="http://schemas.microsoft.com/office/drawing/2010/main" val="0"/>
+              </a:ext>
+            </a:extLst>
+          </a:blip>
+          <a:srcRect/>
+          <a:stretch>
+            <a:fillRect/>
+          </a:stretch>
+        </p:blipFill>
+        <p:spPr bwMode="auto">
+          <a:xfrm>
+            <a:off x="838200" y="1690688"/>
+            <a:ext cx="8583223" cy="1819529"/>
+          </a:xfrm>
+          <a:prstGeom prst="rect">
+            <a:avLst/>
+          </a:prstGeom>
+          <a:noFill/>
+          <a:extLst>
+            <a:ext uri="{909E8E84-426E-40DD-AFC4-6F175D3DCCD1}">
+              <a14:hiddenFill xmlns:a14="http://schemas.microsoft.com/office/drawing/2010/main">
+                <a:solidFill>
+                  <a:srgbClr val="FFFFFF"/>
+                </a:solidFill>
+              </a14:hiddenFill>
+            </a:ext>
+          </a:extLst>
+        </p:spPr>
+      </p:pic>
+      <p:pic>
+        <p:nvPicPr>
+          <p:cNvPr id="1028" name="Picture 4" descr="opcodes-custom &#10;1 # custom e &#10;lbct &#10;2 &#10;Ihct &#10;3 &#10;Iwct &#10;4 &#10;Idct &#10;5 &#10;lbuct &#10;6 &#10;Ihuct &#10;7 &#10;lwuct &#10;8 &#10;9 Iłł &#10;1 # cus &#10;sbct &#10;2 &#10;shct &#10;3 &#10;swct &#10;4 &#10;sdct &#10;5 &#10;rd &#10;rd &#10;rd &#10;rd &#10;rd &#10;rd &#10;rd &#10;rd &#10;om 1 &#10;etag &#10;etag &#10;etag &#10;etag &#10;rsl &#10;rsl &#10;rsl &#10;rsl &#10;rsl &#10;rsl &#10;rsl &#10;rsl &#10;ntag &#10;ntag &#10;ntag &#10;ntag &#10;etag &#10;etag &#10;etag &#10;etag &#10;etag &#10;etag &#10;etag &#10;eta &#10;immłe &#10;immłe &#10;immłe &#10;immłe &#10;immłe &#10;immłe &#10;immłe &#10;immłe &#10;14. . 12- &#10;14. . 12 &#10;14. . 12 &#10;14. . 12 &#10;14. &#10;. 12 &#10;14. . 12 &#10;14. &#10;. 12=6 &#10;14. &#10;6..2=exe2 &#10;6. .2=exe2 &#10;6..2=exe2 &#10;6..2=exe2 &#10;6. .2=exe2 &#10;6. .2=exe2 &#10;6..2=exe2 &#10;6. .2=exe2 &#10;1..e=3 &#10;imm8hi &#10;imm8hi &#10;imm8hi &#10;imm8hi &#10;rsl &#10;rsl &#10;rsl &#10;rsl &#10;rs2 &#10;rs2 &#10;rs2 &#10;rs2 &#10;imm810 &#10;imm810 &#10;imm810 &#10;imm810 &#10;14. . 12 &#10;14. .12 &#10;14. . 12 &#10;14..12 &#10;6. .2=exeA &#10;6. .2=exeA &#10;6. .2=exeA &#10;1..e=3 &#10;-31 &#10;6. .2=exeA &#10;l..e- ">
+            <a:extLst>
+              <a:ext uri="{FF2B5EF4-FFF2-40B4-BE49-F238E27FC236}">
+                <a16:creationId xmlns:a16="http://schemas.microsoft.com/office/drawing/2014/main" id="{7940B2C5-77B9-4360-A86B-A2E6C6C570C6}"/>
+              </a:ext>
+            </a:extLst>
+          </p:cNvPr>
+          <p:cNvPicPr>
+            <a:picLocks noChangeAspect="1" noChangeArrowheads="1"/>
+          </p:cNvPicPr>
+          <p:nvPr/>
+        </p:nvPicPr>
+        <p:blipFill>
+          <a:blip r:embed="rId3">
+            <a:extLst>
+              <a:ext uri="{28A0092B-C50C-407E-A947-70E740481C1C}">
+                <a14:useLocalDpi xmlns:a14="http://schemas.microsoft.com/office/drawing/2010/main" val="0"/>
+              </a:ext>
+            </a:extLst>
+          </a:blip>
+          <a:srcRect/>
+          <a:stretch>
+            <a:fillRect/>
+          </a:stretch>
+        </p:blipFill>
+        <p:spPr bwMode="auto">
+          <a:xfrm>
+            <a:off x="838200" y="3510217"/>
+            <a:ext cx="8239125" cy="3209925"/>
+          </a:xfrm>
+          <a:prstGeom prst="rect">
+            <a:avLst/>
+          </a:prstGeom>
+          <a:noFill/>
+          <a:extLst>
+            <a:ext uri="{909E8E84-426E-40DD-AFC4-6F175D3DCCD1}">
+              <a14:hiddenFill xmlns:a14="http://schemas.microsoft.com/office/drawing/2010/main">
+                <a:solidFill>
+                  <a:srgbClr val="FFFFFF"/>
+                </a:solidFill>
+              </a14:hiddenFill>
+            </a:ext>
+          </a:extLst>
+        </p:spPr>
+      </p:pic>
+    </p:spTree>
+    <p:extLst>
+      <p:ext uri="{BB962C8B-B14F-4D97-AF65-F5344CB8AC3E}">
+        <p14:creationId xmlns:p14="http://schemas.microsoft.com/office/powerpoint/2010/main" val="2485775207"/>
+      </p:ext>
+    </p:extLst>
+  </p:cSld>
+  <p:clrMapOvr>
+    <a:masterClrMapping/>
+  </p:clrMapOvr>
+</p:sld>
+</file>
+
+<file path=ppt/slides/slide11.xml><?xml version="1.0" encoding="utf-8"?>
+<p:sld xmlns:a="http://schemas.openxmlformats.org/drawingml/2006/main" xmlns:r="http://schemas.openxmlformats.org/officeDocument/2006/relationships" xmlns:p="http://schemas.openxmlformats.org/presentationml/2006/main">
+  <p:cSld>
+    <p:spTree>
+      <p:nvGrpSpPr>
+        <p:cNvPr id="1" name=""/>
+        <p:cNvGrpSpPr/>
+        <p:nvPr/>
+      </p:nvGrpSpPr>
+      <p:grpSpPr>
+        <a:xfrm>
+          <a:off x="0" y="0"/>
+          <a:ext cx="0" cy="0"/>
+          <a:chOff x="0" y="0"/>
+          <a:chExt cx="0" cy="0"/>
+        </a:xfrm>
+      </p:grpSpPr>
+      <p:sp>
+        <p:nvSpPr>
+          <p:cNvPr id="2" name="标题 1">
+            <a:extLst>
+              <a:ext uri="{FF2B5EF4-FFF2-40B4-BE49-F238E27FC236}">
+                <a16:creationId xmlns:a16="http://schemas.microsoft.com/office/drawing/2014/main" id="{D245DDAE-3741-4EDF-B59B-C7FD50FE0607}"/>
+              </a:ext>
+            </a:extLst>
+          </p:cNvPr>
+          <p:cNvSpPr>
+            <a:spLocks noGrp="1"/>
+          </p:cNvSpPr>
+          <p:nvPr>
+            <p:ph type="title"/>
+          </p:nvPr>
+        </p:nvSpPr>
+        <p:spPr/>
+        <p:txBody>
+          <a:bodyPr/>
+          <a:lstStyle/>
+          <a:p>
+            <a:r>
+              <a:rPr lang="en-US" altLang="zh-CN" dirty="0"/>
+              <a:t>Tag-aware Instructions</a:t>
+            </a:r>
+            <a:endParaRPr lang="zh-CN" altLang="en-US" dirty="0"/>
+          </a:p>
+        </p:txBody>
+      </p:sp>
+      <p:pic>
+        <p:nvPicPr>
+          <p:cNvPr id="2050" name="Picture 2" descr="5 &#10;6 &#10;7 &#10;8 &#10;9 &#10;10 &#10;11 &#10;12 &#10;13 &#10;14 &#10;15 &#10;16 &#10;17 &#10;18 &#10;19 &#10;20 &#10;21 &#10;1 #tnclude &lt;stdto.h&gt; &#10;2 &#10;3 int main() &#10;st, &#10;ut, &#10;st, &#10;ut, &#10;st, &#10;st, &#10;// For checking if asm + disas works &#10;asm &#10;asm &#10;asm &#10;asm &#10;asm &#10;asm &#10;asm &#10;asm &#10;asm &#10;asm &#10;asm &#10;asm &#10;asm &#10;asm &#10;al, &#10;al, &#10;al, &#10;al, &#10;(al)\n&quot; &#10;(al)\n&quot; &#10;(al)\n&quot; &#10;(al)\n&quot; &#10;al, (al)\n&quot; &#10;(al)\n&quot; &#10;al, &#10;(al)\n&quot; &#10;al, &#10;(al)\n&quot; &#10;al, &#10;al, (al)\n&quot; &#10;(al)\n&quot; &#10;al, &#10;(al)\n&quot; &#10;al, &#10;al, (al)\n&quot; &#10;al, (al)\n&quot; &#10;(al)\n&quot; &#10;al, ">
+            <a:extLst>
+              <a:ext uri="{FF2B5EF4-FFF2-40B4-BE49-F238E27FC236}">
+                <a16:creationId xmlns:a16="http://schemas.microsoft.com/office/drawing/2014/main" id="{C747A81E-E7DD-4210-8F7C-733BA29D7732}"/>
+              </a:ext>
+            </a:extLst>
+          </p:cNvPr>
+          <p:cNvPicPr>
+            <a:picLocks noGrp="1" noChangeAspect="1" noChangeArrowheads="1"/>
+          </p:cNvPicPr>
+          <p:nvPr>
+            <p:ph idx="1"/>
+          </p:nvPr>
+        </p:nvPicPr>
+        <p:blipFill>
+          <a:blip r:embed="rId2">
+            <a:extLst>
+              <a:ext uri="{28A0092B-C50C-407E-A947-70E740481C1C}">
+                <a14:useLocalDpi xmlns:a14="http://schemas.microsoft.com/office/drawing/2010/main" val="0"/>
+              </a:ext>
+            </a:extLst>
+          </a:blip>
+          <a:srcRect/>
+          <a:stretch>
+            <a:fillRect/>
+          </a:stretch>
+        </p:blipFill>
+        <p:spPr bwMode="auto">
+          <a:xfrm>
+            <a:off x="600187" y="1638050"/>
+            <a:ext cx="4448796" cy="3581900"/>
+          </a:xfrm>
+          <a:prstGeom prst="rect">
+            <a:avLst/>
+          </a:prstGeom>
+          <a:noFill/>
+          <a:extLst>
+            <a:ext uri="{909E8E84-426E-40DD-AFC4-6F175D3DCCD1}">
+              <a14:hiddenFill xmlns:a14="http://schemas.microsoft.com/office/drawing/2010/main">
+                <a:solidFill>
+                  <a:srgbClr val="FFFFFF"/>
+                </a:solidFill>
+              </a14:hiddenFill>
+            </a:ext>
+          </a:extLst>
+        </p:spPr>
+      </p:pic>
+      <p:pic>
+        <p:nvPicPr>
+          <p:cNvPr id="2052" name="Picture 4" descr="rtscv64-unknown-elf-gcc test tag.c -o test &#10;rtscv64-unknown-elf-objdump -d test I less ">
+            <a:extLst>
+              <a:ext uri="{FF2B5EF4-FFF2-40B4-BE49-F238E27FC236}">
+                <a16:creationId xmlns:a16="http://schemas.microsoft.com/office/drawing/2014/main" id="{3DCF8941-8A3F-4FCC-B62B-944CBE02F4D9}"/>
+              </a:ext>
+            </a:extLst>
+          </p:cNvPr>
+          <p:cNvPicPr>
+            <a:picLocks noChangeAspect="1" noChangeArrowheads="1"/>
+          </p:cNvPicPr>
+          <p:nvPr/>
+        </p:nvPicPr>
+        <p:blipFill>
+          <a:blip r:embed="rId3">
+            <a:extLst>
+              <a:ext uri="{28A0092B-C50C-407E-A947-70E740481C1C}">
+                <a14:useLocalDpi xmlns:a14="http://schemas.microsoft.com/office/drawing/2010/main" val="0"/>
+              </a:ext>
+            </a:extLst>
+          </a:blip>
+          <a:srcRect/>
+          <a:stretch>
+            <a:fillRect/>
+          </a:stretch>
+        </p:blipFill>
+        <p:spPr bwMode="auto">
+          <a:xfrm>
+            <a:off x="142987" y="5513451"/>
+            <a:ext cx="6143625" cy="400050"/>
+          </a:xfrm>
+          <a:prstGeom prst="rect">
+            <a:avLst/>
+          </a:prstGeom>
+          <a:noFill/>
+          <a:extLst>
+            <a:ext uri="{909E8E84-426E-40DD-AFC4-6F175D3DCCD1}">
+              <a14:hiddenFill xmlns:a14="http://schemas.microsoft.com/office/drawing/2010/main">
+                <a:solidFill>
+                  <a:srgbClr val="FFFFFF"/>
+                </a:solidFill>
+              </a14:hiddenFill>
+            </a:ext>
+          </a:extLst>
+        </p:spPr>
+      </p:pic>
+      <p:pic>
+        <p:nvPicPr>
+          <p:cNvPr id="2054" name="Picture 6" descr="1019c: &#10;1019e: &#10;101ae: &#10;101a2: &#10;101a6: &#10;101aa: &#10;101ac: &#10;101ae: &#10;101 2: &#10;101 6: &#10;101ba: &#10;101be: &#10;101c2: &#10;101c6: &#10;101ca: &#10;101ce : &#10;101d2: &#10;101d6: &#10;101d8: &#10;101da: &#10;101dc: &#10;101de: &#10;1141 &#10;e422 &#10;00058583 &#10;00359583 &#10;418C &#10;618C &#10;4005858b &#10;0005958 &#10;coesa58 &#10;8005b58b &#10;4005b58b &#10;0005b58b &#10;ce35b58b &#10;8005c58b &#10;ce05d58b &#10;ceese58b &#10;4781 &#10;853e &#10;6422 &#10;0141 &#10;8382 &#10;«matn»: &#10;as,e &#10;addi &#10;sd &#10;addi &#10;lbct &#10;I ct &#10;Iwct &#10;Idct &#10;Idct &#10;Idct &#10;Idct &#10;lbuct &#10;Ihuct &#10;Iwuct &#10;addi &#10;ret &#10;sp,sp,-16 &#10;se,8(sp) &#10;se,sp,16 &#10;O al &#10;c al O al &#10;n al O al &#10;al &#10;ut,al,e(al) &#10;c,al,e(al) &#10;n,al,e(al) &#10;ut,al,e(al) &#10;st,al,e(al) &#10;st,al,e(al) &#10;se,8(sp) &#10;sp,sp,16 ">
+            <a:extLst>
+              <a:ext uri="{FF2B5EF4-FFF2-40B4-BE49-F238E27FC236}">
+                <a16:creationId xmlns:a16="http://schemas.microsoft.com/office/drawing/2014/main" id="{B5C7B7BD-01A1-4199-BE5A-B070B14C86F9}"/>
+              </a:ext>
+            </a:extLst>
+          </p:cNvPr>
+          <p:cNvPicPr>
+            <a:picLocks noChangeAspect="1" noChangeArrowheads="1"/>
+          </p:cNvPicPr>
+          <p:nvPr/>
+        </p:nvPicPr>
+        <p:blipFill rotWithShape="1">
+          <a:blip r:embed="rId4">
+            <a:extLst>
+              <a:ext uri="{28A0092B-C50C-407E-A947-70E740481C1C}">
+                <a14:useLocalDpi xmlns:a14="http://schemas.microsoft.com/office/drawing/2010/main" val="0"/>
+              </a:ext>
+            </a:extLst>
+          </a:blip>
+          <a:srcRect r="20566"/>
+          <a:stretch/>
+        </p:blipFill>
+        <p:spPr bwMode="auto">
+          <a:xfrm>
+            <a:off x="6510027" y="365125"/>
+            <a:ext cx="5334112" cy="3971925"/>
+          </a:xfrm>
+          <a:prstGeom prst="rect">
+            <a:avLst/>
+          </a:prstGeom>
+          <a:noFill/>
+          <a:extLst>
+            <a:ext uri="{909E8E84-426E-40DD-AFC4-6F175D3DCCD1}">
+              <a14:hiddenFill xmlns:a14="http://schemas.microsoft.com/office/drawing/2010/main">
+                <a:solidFill>
+                  <a:srgbClr val="FFFFFF"/>
+                </a:solidFill>
+              </a14:hiddenFill>
+            </a:ext>
+          </a:extLst>
+        </p:spPr>
+      </p:pic>
+      <p:pic>
+        <p:nvPicPr>
+          <p:cNvPr id="4" name="图片 3">
+            <a:extLst>
+              <a:ext uri="{FF2B5EF4-FFF2-40B4-BE49-F238E27FC236}">
+                <a16:creationId xmlns:a16="http://schemas.microsoft.com/office/drawing/2014/main" id="{DAEAC3D3-7B5B-45EA-8D4D-5CA8C803339C}"/>
+              </a:ext>
+            </a:extLst>
+          </p:cNvPr>
+          <p:cNvPicPr>
+            <a:picLocks noChangeAspect="1"/>
+          </p:cNvPicPr>
+          <p:nvPr/>
+        </p:nvPicPr>
+        <p:blipFill rotWithShape="1">
+          <a:blip r:embed="rId5"/>
+          <a:srcRect r="29230"/>
+          <a:stretch/>
+        </p:blipFill>
+        <p:spPr>
+          <a:xfrm>
+            <a:off x="6667133" y="4570900"/>
+            <a:ext cx="4833205" cy="1514475"/>
+          </a:xfrm>
+          <a:prstGeom prst="rect">
+            <a:avLst/>
+          </a:prstGeom>
+        </p:spPr>
+      </p:pic>
+    </p:spTree>
+    <p:extLst>
+      <p:ext uri="{BB962C8B-B14F-4D97-AF65-F5344CB8AC3E}">
+        <p14:creationId xmlns:p14="http://schemas.microsoft.com/office/powerpoint/2010/main" val="880744957"/>
+      </p:ext>
+    </p:extLst>
+  </p:cSld>
+  <p:clrMapOvr>
+    <a:masterClrMapping/>
+  </p:clrMapOvr>
+</p:sld>
+</file>
+
 <file path=ppt/slides/slide2.xml><?xml version="1.0" encoding="utf-8"?>
 <p:sld xmlns:a="http://schemas.openxmlformats.org/drawingml/2006/main" xmlns:r="http://schemas.openxmlformats.org/officeDocument/2006/relationships" xmlns:p="http://schemas.openxmlformats.org/presentationml/2006/main">
   <p:cSld>
@@ -4247,6 +5883,53 @@
           </a:p>
         </p:txBody>
       </p:sp>
+      <p:sp>
+        <p:nvSpPr>
+          <p:cNvPr id="4" name="矩形 3">
+            <a:extLst>
+              <a:ext uri="{FF2B5EF4-FFF2-40B4-BE49-F238E27FC236}">
+                <a16:creationId xmlns:a16="http://schemas.microsoft.com/office/drawing/2014/main" id="{EC5A6D9B-E6D7-4513-AEC5-B06014512410}"/>
+              </a:ext>
+            </a:extLst>
+          </p:cNvPr>
+          <p:cNvSpPr/>
+          <p:nvPr/>
+        </p:nvSpPr>
+        <p:spPr>
+          <a:xfrm>
+            <a:off x="6041081" y="6050290"/>
+            <a:ext cx="6004016" cy="523220"/>
+          </a:xfrm>
+          <a:prstGeom prst="rect">
+            <a:avLst/>
+          </a:prstGeom>
+        </p:spPr>
+        <p:txBody>
+          <a:bodyPr wrap="none">
+            <a:spAutoFit/>
+          </a:bodyPr>
+          <a:lstStyle/>
+          <a:p>
+            <a:pPr algn="ctr"/>
+            <a:r>
+              <a:rPr lang="en-US" altLang="zh-CN" sz="2800" b="1" dirty="0">
+                <a:solidFill>
+                  <a:srgbClr val="FF0000"/>
+                </a:solidFill>
+                <a:latin typeface="NimbusRomNo9L-Regu"/>
+              </a:rPr>
+              <a:t>*</a:t>
+            </a:r>
+            <a:r>
+              <a:rPr lang="en-US" altLang="zh-CN" b="1" dirty="0">
+                <a:latin typeface="NimbusRomNo9L-Regu"/>
+              </a:rPr>
+              <a:t> TIMBER-V does not prevent software side-channel attacks.</a:t>
+            </a:r>
+            <a:endParaRPr lang="zh-CN" altLang="en-US" b="1" dirty="0"/>
+          </a:p>
+        </p:txBody>
+      </p:sp>
     </p:spTree>
     <p:extLst>
       <p:ext uri="{BB962C8B-B14F-4D97-AF65-F5344CB8AC3E}">
@@ -4832,6 +6515,162 @@
           </a:p>
         </p:txBody>
       </p:sp>
+      <p:sp>
+        <p:nvSpPr>
+          <p:cNvPr id="17" name="矩形 16">
+            <a:extLst>
+              <a:ext uri="{FF2B5EF4-FFF2-40B4-BE49-F238E27FC236}">
+                <a16:creationId xmlns:a16="http://schemas.microsoft.com/office/drawing/2014/main" id="{C9B37487-63F1-4622-9B5C-06FC9E7D4799}"/>
+              </a:ext>
+            </a:extLst>
+          </p:cNvPr>
+          <p:cNvSpPr/>
+          <p:nvPr/>
+        </p:nvSpPr>
+        <p:spPr>
+          <a:xfrm>
+            <a:off x="838199" y="1841002"/>
+            <a:ext cx="10515599" cy="3970318"/>
+          </a:xfrm>
+          <a:prstGeom prst="rect">
+            <a:avLst/>
+          </a:prstGeom>
+        </p:spPr>
+        <p:txBody>
+          <a:bodyPr wrap="square">
+            <a:spAutoFit/>
+          </a:bodyPr>
+          <a:lstStyle/>
+          <a:p>
+            <a:pPr marL="342900" indent="-342900">
+              <a:buFont typeface="Arial" panose="020B0604020202020204" pitchFamily="34" charset="0"/>
+              <a:buChar char="•"/>
+            </a:pPr>
+            <a:r>
+              <a:rPr lang="en-US" altLang="zh-CN" sz="2800" dirty="0"/>
+              <a:t>Using two-bit tag per 32-bit memory word (goal G2).</a:t>
+            </a:r>
+          </a:p>
+          <a:p>
+            <a:pPr marL="342900" indent="-342900">
+              <a:buFont typeface="Arial" panose="020B0604020202020204" pitchFamily="34" charset="0"/>
+              <a:buChar char="•"/>
+            </a:pPr>
+            <a:r>
+              <a:rPr lang="en-US" altLang="zh-CN" sz="2800" dirty="0"/>
+              <a:t>Untrusted memory (N-tag), trusted user memory (TU-tag), trusted supervisor memory (TS-tag), secure entry points (TC-tag).</a:t>
+            </a:r>
+          </a:p>
+          <a:p>
+            <a:endParaRPr lang="en-US" altLang="zh-CN" sz="2800" dirty="0"/>
+          </a:p>
+          <a:p>
+            <a:endParaRPr lang="en-US" altLang="zh-CN" sz="2800" dirty="0"/>
+          </a:p>
+          <a:p>
+            <a:endParaRPr lang="en-US" altLang="zh-CN" sz="2800" dirty="0"/>
+          </a:p>
+          <a:p>
+            <a:pPr marL="457200" indent="-457200">
+              <a:buFont typeface="Arial" panose="020B0604020202020204" pitchFamily="34" charset="0"/>
+              <a:buChar char="•"/>
+            </a:pPr>
+            <a:r>
+              <a:rPr lang="en-US" altLang="zh-CN" sz="2800" dirty="0"/>
+              <a:t>The only way to enter T-domains is by fetching code tagged with TC-tag. When fetching N-tagged memory, the CPU leaves trusted execution and switches back to the N-domains.</a:t>
+            </a:r>
+          </a:p>
+        </p:txBody>
+      </p:sp>
+      <p:pic>
+        <p:nvPicPr>
+          <p:cNvPr id="18" name="图片 17">
+            <a:extLst>
+              <a:ext uri="{FF2B5EF4-FFF2-40B4-BE49-F238E27FC236}">
+                <a16:creationId xmlns:a16="http://schemas.microsoft.com/office/drawing/2014/main" id="{50F8469C-6679-431E-ACA6-176B7867DB47}"/>
+              </a:ext>
+            </a:extLst>
+          </p:cNvPr>
+          <p:cNvPicPr>
+            <a:picLocks noChangeAspect="1"/>
+          </p:cNvPicPr>
+          <p:nvPr/>
+        </p:nvPicPr>
+        <p:blipFill>
+          <a:blip r:embed="rId3"/>
+          <a:stretch>
+            <a:fillRect/>
+          </a:stretch>
+        </p:blipFill>
+        <p:spPr>
+          <a:xfrm>
+            <a:off x="3065217" y="3184058"/>
+            <a:ext cx="5686425" cy="1285875"/>
+          </a:xfrm>
+          <a:prstGeom prst="rect">
+            <a:avLst/>
+          </a:prstGeom>
+        </p:spPr>
+      </p:pic>
+    </p:spTree>
+    <p:extLst>
+      <p:ext uri="{BB962C8B-B14F-4D97-AF65-F5344CB8AC3E}">
+        <p14:creationId xmlns:p14="http://schemas.microsoft.com/office/powerpoint/2010/main" val="728413835"/>
+      </p:ext>
+    </p:extLst>
+  </p:cSld>
+  <p:clrMapOvr>
+    <a:masterClrMapping/>
+  </p:clrMapOvr>
+</p:sld>
+</file>
+
+<file path=ppt/slides/slide6.xml><?xml version="1.0" encoding="utf-8"?>
+<p:sld xmlns:a="http://schemas.openxmlformats.org/drawingml/2006/main" xmlns:r="http://schemas.openxmlformats.org/officeDocument/2006/relationships" xmlns:p="http://schemas.openxmlformats.org/presentationml/2006/main">
+  <p:cSld>
+    <p:spTree>
+      <p:nvGrpSpPr>
+        <p:cNvPr id="1" name=""/>
+        <p:cNvGrpSpPr/>
+        <p:nvPr/>
+      </p:nvGrpSpPr>
+      <p:grpSpPr>
+        <a:xfrm>
+          <a:off x="0" y="0"/>
+          <a:ext cx="0" cy="0"/>
+          <a:chOff x="0" y="0"/>
+          <a:chExt cx="0" cy="0"/>
+        </a:xfrm>
+      </p:grpSpPr>
+      <p:sp>
+        <p:nvSpPr>
+          <p:cNvPr id="2" name="标题 1">
+            <a:extLst>
+              <a:ext uri="{FF2B5EF4-FFF2-40B4-BE49-F238E27FC236}">
+                <a16:creationId xmlns:a16="http://schemas.microsoft.com/office/drawing/2014/main" id="{FC1D2328-43F7-4648-A5E2-85580602E5DA}"/>
+              </a:ext>
+            </a:extLst>
+          </p:cNvPr>
+          <p:cNvSpPr>
+            <a:spLocks noGrp="1"/>
+          </p:cNvSpPr>
+          <p:nvPr>
+            <p:ph type="title"/>
+          </p:nvPr>
+        </p:nvSpPr>
+        <p:spPr/>
+        <p:txBody>
+          <a:bodyPr/>
+          <a:lstStyle/>
+          <a:p>
+            <a:r>
+              <a:rPr lang="en-US" altLang="zh-CN" dirty="0"/>
+              <a:t>Tag Isolation Policy</a:t>
+            </a:r>
+            <a:endParaRPr lang="zh-CN" altLang="en-US" dirty="0"/>
+          </a:p>
+        </p:txBody>
+      </p:sp>
       <p:pic>
         <p:nvPicPr>
           <p:cNvPr id="4" name="内容占位符 3">
@@ -4849,7 +6688,7 @@
           </p:nvPr>
         </p:nvPicPr>
         <p:blipFill>
-          <a:blip r:embed="rId2"/>
+          <a:blip r:embed="rId3"/>
           <a:stretch>
             <a:fillRect/>
           </a:stretch>
@@ -4879,14 +6718,14 @@
           <p:nvPr/>
         </p:nvPicPr>
         <p:blipFill>
-          <a:blip r:embed="rId3"/>
+          <a:blip r:embed="rId4"/>
           <a:stretch>
             <a:fillRect/>
           </a:stretch>
         </p:blipFill>
         <p:spPr>
           <a:xfrm>
-            <a:off x="6096000" y="409992"/>
+            <a:off x="6095997" y="270524"/>
             <a:ext cx="5554134" cy="1514764"/>
           </a:xfrm>
           <a:prstGeom prst="rect">
@@ -4909,13 +6748,13 @@
           <p:nvPr/>
         </p:nvPicPr>
         <p:blipFill rotWithShape="1">
-          <a:blip r:embed="rId4"/>
+          <a:blip r:embed="rId5"/>
           <a:srcRect t="5269"/>
           <a:stretch/>
         </p:blipFill>
         <p:spPr>
           <a:xfrm>
-            <a:off x="6544731" y="2058657"/>
+            <a:off x="6544730" y="1879889"/>
             <a:ext cx="4656667" cy="1678684"/>
           </a:xfrm>
           <a:prstGeom prst="rect">
@@ -5041,7 +6880,7 @@
         </p:nvSpPr>
         <p:spPr>
           <a:xfrm>
-            <a:off x="6096000" y="3821134"/>
+            <a:off x="6095997" y="3653174"/>
             <a:ext cx="5833533" cy="923330"/>
           </a:xfrm>
           <a:prstGeom prst="rect">
@@ -5099,10 +6938,10 @@
       </p:sp>
       <p:pic>
         <p:nvPicPr>
-          <p:cNvPr id="14" name="图片 13">
-            <a:extLst>
-              <a:ext uri="{FF2B5EF4-FFF2-40B4-BE49-F238E27FC236}">
-                <a16:creationId xmlns:a16="http://schemas.microsoft.com/office/drawing/2014/main" id="{DBFAB888-7F8B-4DE2-9816-0D02D214E2C8}"/>
+          <p:cNvPr id="11" name="图片 10">
+            <a:extLst>
+              <a:ext uri="{FF2B5EF4-FFF2-40B4-BE49-F238E27FC236}">
+                <a16:creationId xmlns:a16="http://schemas.microsoft.com/office/drawing/2014/main" id="{32707989-2EC6-4E18-B74B-57A69B44CD20}"/>
               </a:ext>
             </a:extLst>
           </p:cNvPr>
@@ -5112,14 +6951,14 @@
           <p:nvPr/>
         </p:nvPicPr>
         <p:blipFill>
-          <a:blip r:embed="rId5"/>
+          <a:blip r:embed="rId6"/>
           <a:stretch>
             <a:fillRect/>
           </a:stretch>
         </p:blipFill>
         <p:spPr>
           <a:xfrm>
-            <a:off x="6095998" y="4821766"/>
+            <a:off x="6375396" y="4671105"/>
             <a:ext cx="5554134" cy="1794651"/>
           </a:xfrm>
           <a:prstGeom prst="rect">
@@ -5130,7 +6969,484 @@
     </p:spTree>
     <p:extLst>
       <p:ext uri="{BB962C8B-B14F-4D97-AF65-F5344CB8AC3E}">
-        <p14:creationId xmlns:p14="http://schemas.microsoft.com/office/powerpoint/2010/main" val="728413835"/>
+        <p14:creationId xmlns:p14="http://schemas.microsoft.com/office/powerpoint/2010/main" val="339623835"/>
+      </p:ext>
+    </p:extLst>
+  </p:cSld>
+  <p:clrMapOvr>
+    <a:masterClrMapping/>
+  </p:clrMapOvr>
+</p:sld>
+</file>
+
+<file path=ppt/slides/slide7.xml><?xml version="1.0" encoding="utf-8"?>
+<p:sld xmlns:a="http://schemas.openxmlformats.org/drawingml/2006/main" xmlns:r="http://schemas.openxmlformats.org/officeDocument/2006/relationships" xmlns:p="http://schemas.openxmlformats.org/presentationml/2006/main">
+  <p:cSld>
+    <p:spTree>
+      <p:nvGrpSpPr>
+        <p:cNvPr id="1" name=""/>
+        <p:cNvGrpSpPr/>
+        <p:nvPr/>
+      </p:nvGrpSpPr>
+      <p:grpSpPr>
+        <a:xfrm>
+          <a:off x="0" y="0"/>
+          <a:ext cx="0" cy="0"/>
+          <a:chOff x="0" y="0"/>
+          <a:chExt cx="0" cy="0"/>
+        </a:xfrm>
+      </p:grpSpPr>
+      <p:sp>
+        <p:nvSpPr>
+          <p:cNvPr id="2" name="标题 1">
+            <a:extLst>
+              <a:ext uri="{FF2B5EF4-FFF2-40B4-BE49-F238E27FC236}">
+                <a16:creationId xmlns:a16="http://schemas.microsoft.com/office/drawing/2014/main" id="{3260E7B0-F99C-4356-B2EE-771F102484D2}"/>
+              </a:ext>
+            </a:extLst>
+          </p:cNvPr>
+          <p:cNvSpPr>
+            <a:spLocks noGrp="1"/>
+          </p:cNvSpPr>
+          <p:nvPr>
+            <p:ph type="title"/>
+          </p:nvPr>
+        </p:nvSpPr>
+        <p:spPr/>
+        <p:txBody>
+          <a:bodyPr/>
+          <a:lstStyle/>
+          <a:p>
+            <a:r>
+              <a:rPr lang="en-US" altLang="zh-CN" dirty="0"/>
+              <a:t>Fast Domain Transitions</a:t>
+            </a:r>
+            <a:endParaRPr lang="zh-CN" altLang="en-US" dirty="0"/>
+          </a:p>
+        </p:txBody>
+      </p:sp>
+      <p:sp>
+        <p:nvSpPr>
+          <p:cNvPr id="3" name="内容占位符 2">
+            <a:extLst>
+              <a:ext uri="{FF2B5EF4-FFF2-40B4-BE49-F238E27FC236}">
+                <a16:creationId xmlns:a16="http://schemas.microsoft.com/office/drawing/2014/main" id="{694439DE-C8E5-4E28-8C34-E64582D2689C}"/>
+              </a:ext>
+            </a:extLst>
+          </p:cNvPr>
+          <p:cNvSpPr>
+            <a:spLocks noGrp="1"/>
+          </p:cNvSpPr>
+          <p:nvPr>
+            <p:ph idx="1"/>
+          </p:nvPr>
+        </p:nvSpPr>
+        <p:spPr/>
+        <p:txBody>
+          <a:bodyPr>
+            <a:normAutofit fontScale="92500" lnSpcReduction="10000"/>
+          </a:bodyPr>
+          <a:lstStyle/>
+          <a:p>
+            <a:r>
+              <a:rPr lang="en-US" altLang="zh-CN" dirty="0"/>
+              <a:t>Both TU-mode and TS-mode use the same TC-tag to specify secure entry points.</a:t>
+            </a:r>
+          </a:p>
+          <a:p>
+            <a:pPr marL="0" indent="0">
+              <a:buNone/>
+            </a:pPr>
+            <a:r>
+              <a:rPr lang="en-US" altLang="zh-CN" dirty="0"/>
+              <a:t>Prevent by constraining horizontal transitions to MPU regions of the same privilege mode: </a:t>
+            </a:r>
+            <a:r>
+              <a:rPr lang="en-US" altLang="zh-CN" dirty="0" err="1"/>
+              <a:t>TUenter</a:t>
+            </a:r>
+            <a:r>
+              <a:rPr lang="en-US" altLang="zh-CN" dirty="0"/>
+              <a:t> is only allowed for user mode MPU slots, while </a:t>
+            </a:r>
+            <a:r>
+              <a:rPr lang="en-US" altLang="zh-CN" dirty="0" err="1"/>
+              <a:t>TSenter</a:t>
+            </a:r>
+            <a:r>
+              <a:rPr lang="en-US" altLang="zh-CN" dirty="0"/>
+              <a:t> can only target MPU slots marked for TS-mode. TS-mode slots cannot be manipulated from the untrusted OS.</a:t>
+            </a:r>
+          </a:p>
+          <a:p>
+            <a:r>
+              <a:rPr lang="en-US" altLang="zh-CN" dirty="0"/>
+              <a:t>Vertical transitions are in fact </a:t>
+            </a:r>
+            <a:r>
+              <a:rPr lang="en-US" altLang="zh-CN" dirty="0" err="1"/>
+              <a:t>syscalls</a:t>
+            </a:r>
+            <a:r>
+              <a:rPr lang="en-US" altLang="zh-CN" dirty="0"/>
+              <a:t>. In the N domains, apps can issue </a:t>
+            </a:r>
+            <a:r>
+              <a:rPr lang="en-US" altLang="zh-CN" dirty="0" err="1"/>
+              <a:t>syscalls</a:t>
+            </a:r>
+            <a:r>
+              <a:rPr lang="en-US" altLang="zh-CN" dirty="0"/>
+              <a:t> to the operating system. In the T-domains, enclaves can request </a:t>
+            </a:r>
+            <a:r>
+              <a:rPr lang="en-US" altLang="zh-CN" dirty="0" err="1"/>
+              <a:t>TagRoot</a:t>
+            </a:r>
+            <a:r>
+              <a:rPr lang="en-US" altLang="zh-CN" dirty="0"/>
+              <a:t> services via </a:t>
+            </a:r>
+            <a:r>
+              <a:rPr lang="en-US" altLang="zh-CN" dirty="0" err="1"/>
+              <a:t>Tsyscalls</a:t>
+            </a:r>
+            <a:r>
+              <a:rPr lang="en-US" altLang="zh-CN" dirty="0"/>
+              <a:t>.</a:t>
+            </a:r>
+          </a:p>
+          <a:p>
+            <a:pPr marL="0" indent="0">
+              <a:buNone/>
+            </a:pPr>
+            <a:r>
+              <a:rPr lang="en-US" altLang="zh-CN" dirty="0"/>
+              <a:t>To cleanly separate vertical transitions, TIMBER-V adds a separate trusted </a:t>
+            </a:r>
+            <a:r>
+              <a:rPr lang="en-US" altLang="zh-CN" dirty="0" err="1"/>
+              <a:t>syscall</a:t>
+            </a:r>
+            <a:r>
+              <a:rPr lang="en-US" altLang="zh-CN" dirty="0"/>
+              <a:t> (trap) handler.</a:t>
+            </a:r>
+          </a:p>
+        </p:txBody>
+      </p:sp>
+    </p:spTree>
+    <p:extLst>
+      <p:ext uri="{BB962C8B-B14F-4D97-AF65-F5344CB8AC3E}">
+        <p14:creationId xmlns:p14="http://schemas.microsoft.com/office/powerpoint/2010/main" val="604618024"/>
+      </p:ext>
+    </p:extLst>
+  </p:cSld>
+  <p:clrMapOvr>
+    <a:masterClrMapping/>
+  </p:clrMapOvr>
+</p:sld>
+</file>
+
+<file path=ppt/slides/slide8.xml><?xml version="1.0" encoding="utf-8"?>
+<p:sld xmlns:a="http://schemas.openxmlformats.org/drawingml/2006/main" xmlns:r="http://schemas.openxmlformats.org/officeDocument/2006/relationships" xmlns:p="http://schemas.openxmlformats.org/presentationml/2006/main">
+  <p:cSld>
+    <p:spTree>
+      <p:nvGrpSpPr>
+        <p:cNvPr id="1" name=""/>
+        <p:cNvGrpSpPr/>
+        <p:nvPr/>
+      </p:nvGrpSpPr>
+      <p:grpSpPr>
+        <a:xfrm>
+          <a:off x="0" y="0"/>
+          <a:ext cx="0" cy="0"/>
+          <a:chOff x="0" y="0"/>
+          <a:chExt cx="0" cy="0"/>
+        </a:xfrm>
+      </p:grpSpPr>
+      <p:sp>
+        <p:nvSpPr>
+          <p:cNvPr id="2" name="标题 1">
+            <a:extLst>
+              <a:ext uri="{FF2B5EF4-FFF2-40B4-BE49-F238E27FC236}">
+                <a16:creationId xmlns:a16="http://schemas.microsoft.com/office/drawing/2014/main" id="{574D70BD-AB94-402B-B5FE-FFCFE07C6DE1}"/>
+              </a:ext>
+            </a:extLst>
+          </p:cNvPr>
+          <p:cNvSpPr>
+            <a:spLocks noGrp="1"/>
+          </p:cNvSpPr>
+          <p:nvPr>
+            <p:ph type="title"/>
+          </p:nvPr>
+        </p:nvSpPr>
+        <p:spPr/>
+        <p:txBody>
+          <a:bodyPr/>
+          <a:lstStyle/>
+          <a:p>
+            <a:r>
+              <a:rPr lang="en-US" altLang="zh-CN" dirty="0"/>
+              <a:t>MPU Design</a:t>
+            </a:r>
+            <a:endParaRPr lang="zh-CN" altLang="en-US" dirty="0"/>
+          </a:p>
+        </p:txBody>
+      </p:sp>
+      <p:sp>
+        <p:nvSpPr>
+          <p:cNvPr id="3" name="内容占位符 2">
+            <a:extLst>
+              <a:ext uri="{FF2B5EF4-FFF2-40B4-BE49-F238E27FC236}">
+                <a16:creationId xmlns:a16="http://schemas.microsoft.com/office/drawing/2014/main" id="{251B5A8E-B5B4-43CB-A9B8-BC8683A8F236}"/>
+              </a:ext>
+            </a:extLst>
+          </p:cNvPr>
+          <p:cNvSpPr>
+            <a:spLocks noGrp="1"/>
+          </p:cNvSpPr>
+          <p:nvPr>
+            <p:ph idx="1"/>
+          </p:nvPr>
+        </p:nvSpPr>
+        <p:spPr>
+          <a:xfrm>
+            <a:off x="322385" y="1405242"/>
+            <a:ext cx="10515600" cy="4351338"/>
+          </a:xfrm>
+        </p:spPr>
+        <p:txBody>
+          <a:bodyPr>
+            <a:normAutofit/>
+          </a:bodyPr>
+          <a:lstStyle/>
+          <a:p>
+            <a:r>
+              <a:rPr lang="en-US" altLang="zh-CN" dirty="0"/>
+              <a:t>Relying on tag isolation for process isolation would require large tags.</a:t>
+            </a:r>
+          </a:p>
+          <a:p>
+            <a:r>
+              <a:rPr lang="en-US" altLang="zh-CN" dirty="0"/>
+              <a:t>Each MPU slot holds: base and bound information together with </a:t>
+            </a:r>
+            <a:r>
+              <a:rPr lang="en-US" altLang="zh-CN" dirty="0" err="1"/>
+              <a:t>rwx</a:t>
+            </a:r>
+            <a:r>
+              <a:rPr lang="en-US" altLang="zh-CN" dirty="0"/>
+              <a:t> access permissions, a TU and a TS flag. </a:t>
+            </a:r>
+          </a:p>
+          <a:p>
+            <a:pPr lvl="1">
+              <a:buSzPct val="80000"/>
+              <a:buFont typeface="Wingdings" panose="05000000000000000000" pitchFamily="2" charset="2"/>
+              <a:buChar char="p"/>
+            </a:pPr>
+            <a:r>
+              <a:rPr lang="en-US" altLang="zh-CN" dirty="0"/>
+              <a:t> Slot with TU are shared between enclaves and untrusted apps. </a:t>
+            </a:r>
+          </a:p>
+          <a:p>
+            <a:pPr lvl="1">
+              <a:buSzPct val="80000"/>
+              <a:buFont typeface="Wingdings" panose="05000000000000000000" pitchFamily="2" charset="2"/>
+              <a:buChar char="p"/>
+            </a:pPr>
+            <a:r>
+              <a:rPr lang="en-US" altLang="zh-CN" dirty="0"/>
+              <a:t> Slots with TS cannot be manipulated from untrusted code and are used to distinguish </a:t>
+            </a:r>
+            <a:r>
+              <a:rPr lang="en-US" altLang="zh-CN" dirty="0" err="1"/>
+              <a:t>TSenter</a:t>
+            </a:r>
+            <a:r>
+              <a:rPr lang="en-US" altLang="zh-CN" dirty="0"/>
+              <a:t> from </a:t>
+            </a:r>
+            <a:r>
+              <a:rPr lang="en-US" altLang="zh-CN" dirty="0" err="1"/>
+              <a:t>TUenter</a:t>
+            </a:r>
+            <a:r>
+              <a:rPr lang="en-US" altLang="zh-CN" dirty="0"/>
+              <a:t>. </a:t>
+            </a:r>
+          </a:p>
+          <a:p>
+            <a:pPr lvl="1">
+              <a:buSzPct val="80000"/>
+              <a:buFont typeface="Wingdings" panose="05000000000000000000" pitchFamily="2" charset="2"/>
+              <a:buChar char="p"/>
+            </a:pPr>
+            <a:r>
+              <a:rPr lang="en-US" altLang="zh-CN" dirty="0"/>
+              <a:t> Only </a:t>
+            </a:r>
+            <a:r>
+              <a:rPr lang="en-US" altLang="zh-CN" dirty="0" err="1"/>
+              <a:t>TagRoot</a:t>
+            </a:r>
+            <a:r>
+              <a:rPr lang="en-US" altLang="zh-CN" dirty="0"/>
+              <a:t> can enable these flags. </a:t>
+            </a:r>
+          </a:p>
+          <a:p>
+            <a:pPr lvl="1">
+              <a:buSzPct val="80000"/>
+              <a:buFont typeface="Wingdings" panose="05000000000000000000" pitchFamily="2" charset="2"/>
+              <a:buChar char="p"/>
+            </a:pPr>
+            <a:r>
+              <a:rPr lang="en-US" altLang="zh-CN" dirty="0"/>
+              <a:t> Untrusted operating system can </a:t>
+            </a:r>
+          </a:p>
+          <a:p>
+            <a:pPr marL="457200" lvl="1" indent="0">
+              <a:buSzPct val="80000"/>
+              <a:buNone/>
+            </a:pPr>
+            <a:r>
+              <a:rPr lang="en-US" altLang="zh-CN" dirty="0"/>
+              <a:t>    overwrite TU slots.</a:t>
+            </a:r>
+            <a:endParaRPr lang="zh-CN" altLang="en-US" dirty="0"/>
+          </a:p>
+        </p:txBody>
+      </p:sp>
+      <p:pic>
+        <p:nvPicPr>
+          <p:cNvPr id="4" name="图片 3">
+            <a:extLst>
+              <a:ext uri="{FF2B5EF4-FFF2-40B4-BE49-F238E27FC236}">
+                <a16:creationId xmlns:a16="http://schemas.microsoft.com/office/drawing/2014/main" id="{DCE3436C-02FF-4495-8808-C368534861F0}"/>
+              </a:ext>
+            </a:extLst>
+          </p:cNvPr>
+          <p:cNvPicPr>
+            <a:picLocks noChangeAspect="1"/>
+          </p:cNvPicPr>
+          <p:nvPr/>
+        </p:nvPicPr>
+        <p:blipFill>
+          <a:blip r:embed="rId2"/>
+          <a:stretch>
+            <a:fillRect/>
+          </a:stretch>
+        </p:blipFill>
+        <p:spPr>
+          <a:xfrm>
+            <a:off x="6325369" y="4197960"/>
+            <a:ext cx="5866631" cy="2202840"/>
+          </a:xfrm>
+          <a:prstGeom prst="rect">
+            <a:avLst/>
+          </a:prstGeom>
+        </p:spPr>
+      </p:pic>
+    </p:spTree>
+    <p:extLst>
+      <p:ext uri="{BB962C8B-B14F-4D97-AF65-F5344CB8AC3E}">
+        <p14:creationId xmlns:p14="http://schemas.microsoft.com/office/powerpoint/2010/main" val="1878355151"/>
+      </p:ext>
+    </p:extLst>
+  </p:cSld>
+  <p:clrMapOvr>
+    <a:masterClrMapping/>
+  </p:clrMapOvr>
+</p:sld>
+</file>
+
+<file path=ppt/slides/slide9.xml><?xml version="1.0" encoding="utf-8"?>
+<p:sld xmlns:a="http://schemas.openxmlformats.org/drawingml/2006/main" xmlns:r="http://schemas.openxmlformats.org/officeDocument/2006/relationships" xmlns:p="http://schemas.openxmlformats.org/presentationml/2006/main">
+  <p:cSld>
+    <p:spTree>
+      <p:nvGrpSpPr>
+        <p:cNvPr id="1" name=""/>
+        <p:cNvGrpSpPr/>
+        <p:nvPr/>
+      </p:nvGrpSpPr>
+      <p:grpSpPr>
+        <a:xfrm>
+          <a:off x="0" y="0"/>
+          <a:ext cx="0" cy="0"/>
+          <a:chOff x="0" y="0"/>
+          <a:chExt cx="0" cy="0"/>
+        </a:xfrm>
+      </p:grpSpPr>
+      <p:sp>
+        <p:nvSpPr>
+          <p:cNvPr id="2" name="标题 1">
+            <a:extLst>
+              <a:ext uri="{FF2B5EF4-FFF2-40B4-BE49-F238E27FC236}">
+                <a16:creationId xmlns:a16="http://schemas.microsoft.com/office/drawing/2014/main" id="{6FF7B7ED-7385-4C01-A9E6-53567B6BEEEB}"/>
+              </a:ext>
+            </a:extLst>
+          </p:cNvPr>
+          <p:cNvSpPr>
+            <a:spLocks noGrp="1"/>
+          </p:cNvSpPr>
+          <p:nvPr>
+            <p:ph type="title"/>
+          </p:nvPr>
+        </p:nvSpPr>
+        <p:spPr/>
+        <p:txBody>
+          <a:bodyPr/>
+          <a:lstStyle/>
+          <a:p>
+            <a:r>
+              <a:rPr lang="en-US" altLang="zh-CN" dirty="0"/>
+              <a:t>Tag Isolation Policy</a:t>
+            </a:r>
+            <a:endParaRPr lang="zh-CN" altLang="en-US" dirty="0"/>
+          </a:p>
+        </p:txBody>
+      </p:sp>
+      <p:pic>
+        <p:nvPicPr>
+          <p:cNvPr id="4" name="内容占位符 3">
+            <a:extLst>
+              <a:ext uri="{FF2B5EF4-FFF2-40B4-BE49-F238E27FC236}">
+                <a16:creationId xmlns:a16="http://schemas.microsoft.com/office/drawing/2014/main" id="{7267F75D-08FC-4F28-9277-FE12CF803451}"/>
+              </a:ext>
+            </a:extLst>
+          </p:cNvPr>
+          <p:cNvPicPr>
+            <a:picLocks noGrp="1" noChangeAspect="1"/>
+          </p:cNvPicPr>
+          <p:nvPr>
+            <p:ph idx="1"/>
+          </p:nvPr>
+        </p:nvPicPr>
+        <p:blipFill>
+          <a:blip r:embed="rId3"/>
+          <a:stretch>
+            <a:fillRect/>
+          </a:stretch>
+        </p:blipFill>
+        <p:spPr>
+          <a:xfrm>
+            <a:off x="1829612" y="1690688"/>
+            <a:ext cx="8532775" cy="4351338"/>
+          </a:xfrm>
+          <a:prstGeom prst="rect">
+            <a:avLst/>
+          </a:prstGeom>
+        </p:spPr>
+      </p:pic>
+    </p:spTree>
+    <p:extLst>
+      <p:ext uri="{BB962C8B-B14F-4D97-AF65-F5344CB8AC3E}">
+        <p14:creationId xmlns:p14="http://schemas.microsoft.com/office/powerpoint/2010/main" val="4027224355"/>
       </p:ext>
     </p:extLst>
   </p:cSld>
@@ -5433,4 +7749,299 @@
     </a:ext>
   </a:extLst>
 </a:theme>
+</file>
+
+<file path=ppt/theme/theme2.xml><?xml version="1.0" encoding="utf-8"?>
+<a:theme xmlns:a="http://schemas.openxmlformats.org/drawingml/2006/main" name="Office 主题​​">
+  <a:themeElements>
+    <a:clrScheme name="Office">
+      <a:dk1>
+        <a:sysClr val="windowText" lastClr="000000"/>
+      </a:dk1>
+      <a:lt1>
+        <a:sysClr val="window" lastClr="FFFFFF"/>
+      </a:lt1>
+      <a:dk2>
+        <a:srgbClr val="44546A"/>
+      </a:dk2>
+      <a:lt2>
+        <a:srgbClr val="E7E6E6"/>
+      </a:lt2>
+      <a:accent1>
+        <a:srgbClr val="4472C4"/>
+      </a:accent1>
+      <a:accent2>
+        <a:srgbClr val="ED7D31"/>
+      </a:accent2>
+      <a:accent3>
+        <a:srgbClr val="A5A5A5"/>
+      </a:accent3>
+      <a:accent4>
+        <a:srgbClr val="FFC000"/>
+      </a:accent4>
+      <a:accent5>
+        <a:srgbClr val="5B9BD5"/>
+      </a:accent5>
+      <a:accent6>
+        <a:srgbClr val="70AD47"/>
+      </a:accent6>
+      <a:hlink>
+        <a:srgbClr val="0563C1"/>
+      </a:hlink>
+      <a:folHlink>
+        <a:srgbClr val="954F72"/>
+      </a:folHlink>
+    </a:clrScheme>
+    <a:fontScheme name="Office">
+      <a:majorFont>
+        <a:latin typeface="等线 Light" panose="020F0302020204030204"/>
+        <a:ea typeface=""/>
+        <a:cs typeface=""/>
+        <a:font script="Jpan" typeface="游ゴシック Light"/>
+        <a:font script="Hang" typeface="맑은 고딕"/>
+        <a:font script="Hans" typeface="等线 Light"/>
+        <a:font script="Hant" typeface="新細明體"/>
+        <a:font script="Arab" typeface="Times New Roman"/>
+        <a:font script="Hebr" typeface="Times New Roman"/>
+        <a:font script="Thai" typeface="Angsana New"/>
+        <a:font script="Ethi" typeface="Nyala"/>
+        <a:font script="Beng" typeface="Vrinda"/>
+        <a:font script="Gujr" typeface="Shruti"/>
+        <a:font script="Khmr" typeface="MoolBoran"/>
+        <a:font script="Knda" typeface="Tunga"/>
+        <a:font script="Guru" typeface="Raavi"/>
+        <a:font script="Cans" typeface="Euphemia"/>
+        <a:font script="Cher" typeface="Plantagenet Cherokee"/>
+        <a:font script="Yiii" typeface="Microsoft Yi Baiti"/>
+        <a:font script="Tibt" typeface="Microsoft Himalaya"/>
+        <a:font script="Thaa" typeface="MV Boli"/>
+        <a:font script="Deva" typeface="Mangal"/>
+        <a:font script="Telu" typeface="Gautami"/>
+        <a:font script="Taml" typeface="Latha"/>
+        <a:font script="Syrc" typeface="Estrangelo Edessa"/>
+        <a:font script="Orya" typeface="Kalinga"/>
+        <a:font script="Mlym" typeface="Kartika"/>
+        <a:font script="Laoo" typeface="DokChampa"/>
+        <a:font script="Sinh" typeface="Iskoola Pota"/>
+        <a:font script="Mong" typeface="Mongolian Baiti"/>
+        <a:font script="Viet" typeface="Times New Roman"/>
+        <a:font script="Uigh" typeface="Microsoft Uighur"/>
+        <a:font script="Geor" typeface="Sylfaen"/>
+        <a:font script="Armn" typeface="Arial"/>
+        <a:font script="Bugi" typeface="Leelawadee UI"/>
+        <a:font script="Bopo" typeface="Microsoft JhengHei"/>
+        <a:font script="Java" typeface="Javanese Text"/>
+        <a:font script="Lisu" typeface="Segoe UI"/>
+        <a:font script="Mymr" typeface="Myanmar Text"/>
+        <a:font script="Nkoo" typeface="Ebrima"/>
+        <a:font script="Olck" typeface="Nirmala UI"/>
+        <a:font script="Osma" typeface="Ebrima"/>
+        <a:font script="Phag" typeface="Phagspa"/>
+        <a:font script="Syrn" typeface="Estrangelo Edessa"/>
+        <a:font script="Syrj" typeface="Estrangelo Edessa"/>
+        <a:font script="Syre" typeface="Estrangelo Edessa"/>
+        <a:font script="Sora" typeface="Nirmala UI"/>
+        <a:font script="Tale" typeface="Microsoft Tai Le"/>
+        <a:font script="Talu" typeface="Microsoft New Tai Lue"/>
+        <a:font script="Tfng" typeface="Ebrima"/>
+      </a:majorFont>
+      <a:minorFont>
+        <a:latin typeface="等线" panose="020F0502020204030204"/>
+        <a:ea typeface=""/>
+        <a:cs typeface=""/>
+        <a:font script="Jpan" typeface="游ゴシック"/>
+        <a:font script="Hang" typeface="맑은 고딕"/>
+        <a:font script="Hans" typeface="等线"/>
+        <a:font script="Hant" typeface="新細明體"/>
+        <a:font script="Arab" typeface="Arial"/>
+        <a:font script="Hebr" typeface="Arial"/>
+        <a:font script="Thai" typeface="Cordia New"/>
+        <a:font script="Ethi" typeface="Nyala"/>
+        <a:font script="Beng" typeface="Vrinda"/>
+        <a:font script="Gujr" typeface="Shruti"/>
+        <a:font script="Khmr" typeface="DaunPenh"/>
+        <a:font script="Knda" typeface="Tunga"/>
+        <a:font script="Guru" typeface="Raavi"/>
+        <a:font script="Cans" typeface="Euphemia"/>
+        <a:font script="Cher" typeface="Plantagenet Cherokee"/>
+        <a:font script="Yiii" typeface="Microsoft Yi Baiti"/>
+        <a:font script="Tibt" typeface="Microsoft Himalaya"/>
+        <a:font script="Thaa" typeface="MV Boli"/>
+        <a:font script="Deva" typeface="Mangal"/>
+        <a:font script="Telu" typeface="Gautami"/>
+        <a:font script="Taml" typeface="Latha"/>
+        <a:font script="Syrc" typeface="Estrangelo Edessa"/>
+        <a:font script="Orya" typeface="Kalinga"/>
+        <a:font script="Mlym" typeface="Kartika"/>
+        <a:font script="Laoo" typeface="DokChampa"/>
+        <a:font script="Sinh" typeface="Iskoola Pota"/>
+        <a:font script="Mong" typeface="Mongolian Baiti"/>
+        <a:font script="Viet" typeface="Arial"/>
+        <a:font script="Uigh" typeface="Microsoft Uighur"/>
+        <a:font script="Geor" typeface="Sylfaen"/>
+        <a:font script="Armn" typeface="Arial"/>
+        <a:font script="Bugi" typeface="Leelawadee UI"/>
+        <a:font script="Bopo" typeface="Microsoft JhengHei"/>
+        <a:font script="Java" typeface="Javanese Text"/>
+        <a:font script="Lisu" typeface="Segoe UI"/>
+        <a:font script="Mymr" typeface="Myanmar Text"/>
+        <a:font script="Nkoo" typeface="Ebrima"/>
+        <a:font script="Olck" typeface="Nirmala UI"/>
+        <a:font script="Osma" typeface="Ebrima"/>
+        <a:font script="Phag" typeface="Phagspa"/>
+        <a:font script="Syrn" typeface="Estrangelo Edessa"/>
+        <a:font script="Syrj" typeface="Estrangelo Edessa"/>
+        <a:font script="Syre" typeface="Estrangelo Edessa"/>
+        <a:font script="Sora" typeface="Nirmala UI"/>
+        <a:font script="Tale" typeface="Microsoft Tai Le"/>
+        <a:font script="Talu" typeface="Microsoft New Tai Lue"/>
+        <a:font script="Tfng" typeface="Ebrima"/>
+      </a:minorFont>
+    </a:fontScheme>
+    <a:fmtScheme name="Office">
+      <a:fillStyleLst>
+        <a:solidFill>
+          <a:schemeClr val="phClr"/>
+        </a:solidFill>
+        <a:gradFill rotWithShape="1">
+          <a:gsLst>
+            <a:gs pos="0">
+              <a:schemeClr val="phClr">
+                <a:lumMod val="110000"/>
+                <a:satMod val="105000"/>
+                <a:tint val="67000"/>
+              </a:schemeClr>
+            </a:gs>
+            <a:gs pos="50000">
+              <a:schemeClr val="phClr">
+                <a:lumMod val="105000"/>
+                <a:satMod val="103000"/>
+                <a:tint val="73000"/>
+              </a:schemeClr>
+            </a:gs>
+            <a:gs pos="100000">
+              <a:schemeClr val="phClr">
+                <a:lumMod val="105000"/>
+                <a:satMod val="109000"/>
+                <a:tint val="81000"/>
+              </a:schemeClr>
+            </a:gs>
+          </a:gsLst>
+          <a:lin ang="5400000" scaled="0"/>
+        </a:gradFill>
+        <a:gradFill rotWithShape="1">
+          <a:gsLst>
+            <a:gs pos="0">
+              <a:schemeClr val="phClr">
+                <a:satMod val="103000"/>
+                <a:lumMod val="102000"/>
+                <a:tint val="94000"/>
+              </a:schemeClr>
+            </a:gs>
+            <a:gs pos="50000">
+              <a:schemeClr val="phClr">
+                <a:satMod val="110000"/>
+                <a:lumMod val="100000"/>
+                <a:shade val="100000"/>
+              </a:schemeClr>
+            </a:gs>
+            <a:gs pos="100000">
+              <a:schemeClr val="phClr">
+                <a:lumMod val="99000"/>
+                <a:satMod val="120000"/>
+                <a:shade val="78000"/>
+              </a:schemeClr>
+            </a:gs>
+          </a:gsLst>
+          <a:lin ang="5400000" scaled="0"/>
+        </a:gradFill>
+      </a:fillStyleLst>
+      <a:lnStyleLst>
+        <a:ln w="6350" cap="flat" cmpd="sng" algn="ctr">
+          <a:solidFill>
+            <a:schemeClr val="phClr"/>
+          </a:solidFill>
+          <a:prstDash val="solid"/>
+          <a:miter lim="800000"/>
+        </a:ln>
+        <a:ln w="12700" cap="flat" cmpd="sng" algn="ctr">
+          <a:solidFill>
+            <a:schemeClr val="phClr"/>
+          </a:solidFill>
+          <a:prstDash val="solid"/>
+          <a:miter lim="800000"/>
+        </a:ln>
+        <a:ln w="19050" cap="flat" cmpd="sng" algn="ctr">
+          <a:solidFill>
+            <a:schemeClr val="phClr"/>
+          </a:solidFill>
+          <a:prstDash val="solid"/>
+          <a:miter lim="800000"/>
+        </a:ln>
+      </a:lnStyleLst>
+      <a:effectStyleLst>
+        <a:effectStyle>
+          <a:effectLst/>
+        </a:effectStyle>
+        <a:effectStyle>
+          <a:effectLst/>
+        </a:effectStyle>
+        <a:effectStyle>
+          <a:effectLst>
+            <a:outerShdw blurRad="57150" dist="19050" dir="5400000" algn="ctr" rotWithShape="0">
+              <a:srgbClr val="000000">
+                <a:alpha val="63000"/>
+              </a:srgbClr>
+            </a:outerShdw>
+          </a:effectLst>
+        </a:effectStyle>
+      </a:effectStyleLst>
+      <a:bgFillStyleLst>
+        <a:solidFill>
+          <a:schemeClr val="phClr"/>
+        </a:solidFill>
+        <a:solidFill>
+          <a:schemeClr val="phClr">
+            <a:tint val="95000"/>
+            <a:satMod val="170000"/>
+          </a:schemeClr>
+        </a:solidFill>
+        <a:gradFill rotWithShape="1">
+          <a:gsLst>
+            <a:gs pos="0">
+              <a:schemeClr val="phClr">
+                <a:tint val="93000"/>
+                <a:satMod val="150000"/>
+                <a:shade val="98000"/>
+                <a:lumMod val="102000"/>
+              </a:schemeClr>
+            </a:gs>
+            <a:gs pos="50000">
+              <a:schemeClr val="phClr">
+                <a:tint val="98000"/>
+                <a:satMod val="130000"/>
+                <a:shade val="90000"/>
+                <a:lumMod val="103000"/>
+              </a:schemeClr>
+            </a:gs>
+            <a:gs pos="100000">
+              <a:schemeClr val="phClr">
+                <a:shade val="63000"/>
+                <a:satMod val="120000"/>
+              </a:schemeClr>
+            </a:gs>
+          </a:gsLst>
+          <a:lin ang="5400000" scaled="0"/>
+        </a:gradFill>
+      </a:bgFillStyleLst>
+    </a:fmtScheme>
+  </a:themeElements>
+  <a:objectDefaults/>
+  <a:extraClrSchemeLst/>
+  <a:extLst>
+    <a:ext uri="{05A4C25C-085E-4340-85A3-A5531E510DB2}">
+      <thm15:themeFamily xmlns:thm15="http://schemas.microsoft.com/office/thememl/2012/main" name="Office Theme" id="{62F939B6-93AF-4DB8-9C6B-D6C7DFDC589F}" vid="{4A3C46E8-61CC-4603-A589-7422A47A8E4A}"/>
+    </a:ext>
+  </a:extLst>
+</a:theme>
 </file>